--- a/presentation/Fargate Patterns.pptx
+++ b/presentation/Fargate Patterns.pptx
@@ -1,65 +1,64 @@
 
 <file path=ppt/presentation.xml><?xml version="1.0" encoding="utf-8"?>
-<p:presentation xmlns:a="http://schemas.openxmlformats.org/drawingml/2006/main" xmlns:r="http://schemas.openxmlformats.org/officeDocument/2006/relationships" xmlns:p="http://schemas.openxmlformats.org/presentationml/2006/main" strictFirstAndLastChars="0" embedTrueTypeFonts="1" saveSubsetFonts="1" autoCompressPictures="0">
+<p:presentation xmlns:a="http://schemas.openxmlformats.org/drawingml/2006/main" xmlns:r="http://schemas.openxmlformats.org/officeDocument/2006/relationships" xmlns:p="http://schemas.openxmlformats.org/presentationml/2006/main" strictFirstAndLastChars="0" embedTrueTypeFonts="1" autoCompressPictures="0">
   <p:sldMasterIdLst>
     <p:sldMasterId id="2147483666" r:id="rId1"/>
   </p:sldMasterIdLst>
   <p:notesMasterIdLst>
-    <p:notesMasterId r:id="rId25"/>
+    <p:notesMasterId r:id="rId24"/>
   </p:notesMasterIdLst>
   <p:sldIdLst>
     <p:sldId id="256" r:id="rId2"/>
     <p:sldId id="257" r:id="rId3"/>
     <p:sldId id="258" r:id="rId4"/>
     <p:sldId id="259" r:id="rId5"/>
-    <p:sldId id="260" r:id="rId6"/>
-    <p:sldId id="261" r:id="rId7"/>
-    <p:sldId id="262" r:id="rId8"/>
-    <p:sldId id="263" r:id="rId9"/>
-    <p:sldId id="264" r:id="rId10"/>
-    <p:sldId id="265" r:id="rId11"/>
-    <p:sldId id="266" r:id="rId12"/>
-    <p:sldId id="267" r:id="rId13"/>
-    <p:sldId id="268" r:id="rId14"/>
-    <p:sldId id="269" r:id="rId15"/>
-    <p:sldId id="270" r:id="rId16"/>
-    <p:sldId id="271" r:id="rId17"/>
-    <p:sldId id="272" r:id="rId18"/>
-    <p:sldId id="273" r:id="rId19"/>
-    <p:sldId id="274" r:id="rId20"/>
-    <p:sldId id="275" r:id="rId21"/>
-    <p:sldId id="276" r:id="rId22"/>
-    <p:sldId id="277" r:id="rId23"/>
-    <p:sldId id="278" r:id="rId24"/>
+    <p:sldId id="261" r:id="rId6"/>
+    <p:sldId id="262" r:id="rId7"/>
+    <p:sldId id="263" r:id="rId8"/>
+    <p:sldId id="264" r:id="rId9"/>
+    <p:sldId id="265" r:id="rId10"/>
+    <p:sldId id="266" r:id="rId11"/>
+    <p:sldId id="267" r:id="rId12"/>
+    <p:sldId id="268" r:id="rId13"/>
+    <p:sldId id="269" r:id="rId14"/>
+    <p:sldId id="270" r:id="rId15"/>
+    <p:sldId id="271" r:id="rId16"/>
+    <p:sldId id="272" r:id="rId17"/>
+    <p:sldId id="273" r:id="rId18"/>
+    <p:sldId id="274" r:id="rId19"/>
+    <p:sldId id="275" r:id="rId20"/>
+    <p:sldId id="276" r:id="rId21"/>
+    <p:sldId id="277" r:id="rId22"/>
+    <p:sldId id="278" r:id="rId23"/>
   </p:sldIdLst>
   <p:sldSz cx="9144000" cy="5143500" type="screen16x9"/>
   <p:notesSz cx="6858000" cy="9144000"/>
   <p:embeddedFontLst>
     <p:embeddedFont>
       <p:font typeface="Calibri" panose="020F0502020204030204" pitchFamily="34" charset="0"/>
-      <p:regular r:id="rId26"/>
-      <p:bold r:id="rId27"/>
-      <p:italic r:id="rId28"/>
-      <p:boldItalic r:id="rId29"/>
+      <p:regular r:id="rId25"/>
+      <p:bold r:id="rId26"/>
+      <p:italic r:id="rId27"/>
+      <p:boldItalic r:id="rId28"/>
     </p:embeddedFont>
     <p:embeddedFont>
       <p:font typeface="Optimist Light" panose="020B0503020204030204" pitchFamily="34" charset="77"/>
-      <p:regular r:id="rId30"/>
-      <p:bold r:id="rId31"/>
-      <p:italic r:id="rId32"/>
-      <p:boldItalic r:id="rId33"/>
+      <p:regular r:id="rId29"/>
+      <p:bold r:id="rId30"/>
+      <p:italic r:id="rId31"/>
+      <p:boldItalic r:id="rId32"/>
     </p:embeddedFont>
     <p:embeddedFont>
       <p:font typeface="Oswald" pitchFamily="2" charset="77"/>
-      <p:regular r:id="rId34"/>
-      <p:bold r:id="rId35"/>
+      <p:regular r:id="rId33"/>
+      <p:bold r:id="rId34"/>
     </p:embeddedFont>
     <p:embeddedFont>
       <p:font typeface="Roboto" panose="02000000000000000000" pitchFamily="2" charset="0"/>
-      <p:regular r:id="rId36"/>
-      <p:bold r:id="rId37"/>
-      <p:italic r:id="rId38"/>
-      <p:boldItalic r:id="rId39"/>
+      <p:regular r:id="rId35"/>
+      <p:bold r:id="rId36"/>
+      <p:italic r:id="rId37"/>
+      <p:boldItalic r:id="rId38"/>
     </p:embeddedFont>
   </p:embeddedFontLst>
   <p:defaultTextStyle>
@@ -858,110 +857,6 @@
   <p:cSld>
     <p:spTree>
       <p:nvGrpSpPr>
-        <p:cNvPr id="1" name="Shape 299"/>
-        <p:cNvGrpSpPr/>
-        <p:nvPr/>
-      </p:nvGrpSpPr>
-      <p:grpSpPr>
-        <a:xfrm>
-          <a:off x="0" y="0"/>
-          <a:ext cx="0" cy="0"/>
-          <a:chOff x="0" y="0"/>
-          <a:chExt cx="0" cy="0"/>
-        </a:xfrm>
-      </p:grpSpPr>
-      <p:sp>
-        <p:nvSpPr>
-          <p:cNvPr id="300" name="Google Shape;300;g56aaa5a204_0_29:notes"/>
-          <p:cNvSpPr>
-            <a:spLocks noGrp="1" noRot="1" noChangeAspect="1"/>
-          </p:cNvSpPr>
-          <p:nvPr>
-            <p:ph type="sldImg" idx="2"/>
-          </p:nvPr>
-        </p:nvSpPr>
-        <p:spPr>
-          <a:xfrm>
-            <a:off x="381000" y="685800"/>
-            <a:ext cx="6096000" cy="3429000"/>
-          </a:xfrm>
-          <a:custGeom>
-            <a:avLst/>
-            <a:gdLst/>
-            <a:ahLst/>
-            <a:cxnLst/>
-            <a:rect l="l" t="t" r="r" b="b"/>
-            <a:pathLst>
-              <a:path w="120000" h="120000" extrusionOk="0">
-                <a:moveTo>
-                  <a:pt x="0" y="0"/>
-                </a:moveTo>
-                <a:lnTo>
-                  <a:pt x="120000" y="0"/>
-                </a:lnTo>
-                <a:lnTo>
-                  <a:pt x="120000" y="120000"/>
-                </a:lnTo>
-                <a:lnTo>
-                  <a:pt x="0" y="120000"/>
-                </a:lnTo>
-                <a:close/>
-              </a:path>
-            </a:pathLst>
-          </a:custGeom>
-        </p:spPr>
-      </p:sp>
-      <p:sp>
-        <p:nvSpPr>
-          <p:cNvPr id="301" name="Google Shape;301;g56aaa5a204_0_29:notes"/>
-          <p:cNvSpPr txBox="1">
-            <a:spLocks noGrp="1"/>
-          </p:cNvSpPr>
-          <p:nvPr>
-            <p:ph type="body" idx="1"/>
-          </p:nvPr>
-        </p:nvSpPr>
-        <p:spPr>
-          <a:xfrm>
-            <a:off x="685800" y="4343400"/>
-            <a:ext cx="5486400" cy="4114800"/>
-          </a:xfrm>
-          <a:prstGeom prst="rect">
-            <a:avLst/>
-          </a:prstGeom>
-        </p:spPr>
-        <p:txBody>
-          <a:bodyPr spcFirstLastPara="1" wrap="square" lIns="91425" tIns="91425" rIns="91425" bIns="91425" anchor="t" anchorCtr="0">
-            <a:noAutofit/>
-          </a:bodyPr>
-          <a:lstStyle/>
-          <a:p>
-            <a:pPr marL="0" lvl="0" indent="0" algn="l" rtl="0">
-              <a:spcBef>
-                <a:spcPts val="0"/>
-              </a:spcBef>
-              <a:spcAft>
-                <a:spcPts val="0"/>
-              </a:spcAft>
-              <a:buNone/>
-            </a:pPr>
-            <a:endParaRPr/>
-          </a:p>
-        </p:txBody>
-      </p:sp>
-    </p:spTree>
-  </p:cSld>
-  <p:clrMapOvr>
-    <a:masterClrMapping/>
-  </p:clrMapOvr>
-</p:notes>
-</file>
-
-<file path=ppt/notesSlides/notesSlide11.xml><?xml version="1.0" encoding="utf-8"?>
-<p:notes xmlns:a="http://schemas.openxmlformats.org/drawingml/2006/main" xmlns:r="http://schemas.openxmlformats.org/officeDocument/2006/relationships" xmlns:p="http://schemas.openxmlformats.org/presentationml/2006/main" showMasterSp="0" showMasterPhAnim="0">
-  <p:cSld>
-    <p:spTree>
-      <p:nvGrpSpPr>
         <p:cNvPr id="1" name="Shape 306"/>
         <p:cNvGrpSpPr/>
         <p:nvPr/>
@@ -1061,7 +956,7 @@
 </p:notes>
 </file>
 
-<file path=ppt/notesSlides/notesSlide12.xml><?xml version="1.0" encoding="utf-8"?>
+<file path=ppt/notesSlides/notesSlide11.xml><?xml version="1.0" encoding="utf-8"?>
 <p:notes xmlns:a="http://schemas.openxmlformats.org/drawingml/2006/main" xmlns:r="http://schemas.openxmlformats.org/officeDocument/2006/relationships" xmlns:p="http://schemas.openxmlformats.org/presentationml/2006/main" showMasterSp="0" showMasterPhAnim="0">
   <p:cSld>
     <p:spTree>
@@ -1165,7 +1060,7 @@
 </p:notes>
 </file>
 
-<file path=ppt/notesSlides/notesSlide13.xml><?xml version="1.0" encoding="utf-8"?>
+<file path=ppt/notesSlides/notesSlide12.xml><?xml version="1.0" encoding="utf-8"?>
 <p:notes xmlns:a="http://schemas.openxmlformats.org/drawingml/2006/main" xmlns:r="http://schemas.openxmlformats.org/officeDocument/2006/relationships" xmlns:p="http://schemas.openxmlformats.org/presentationml/2006/main" showMasterSp="0" showMasterPhAnim="0">
   <p:cSld>
     <p:spTree>
@@ -1269,7 +1164,7 @@
 </p:notes>
 </file>
 
-<file path=ppt/notesSlides/notesSlide14.xml><?xml version="1.0" encoding="utf-8"?>
+<file path=ppt/notesSlides/notesSlide13.xml><?xml version="1.0" encoding="utf-8"?>
 <p:notes xmlns:a="http://schemas.openxmlformats.org/drawingml/2006/main" xmlns:r="http://schemas.openxmlformats.org/officeDocument/2006/relationships" xmlns:p="http://schemas.openxmlformats.org/presentationml/2006/main" showMasterSp="0" showMasterPhAnim="0">
   <p:cSld>
     <p:spTree>
@@ -1373,7 +1268,7 @@
 </p:notes>
 </file>
 
-<file path=ppt/notesSlides/notesSlide15.xml><?xml version="1.0" encoding="utf-8"?>
+<file path=ppt/notesSlides/notesSlide14.xml><?xml version="1.0" encoding="utf-8"?>
 <p:notes xmlns:a="http://schemas.openxmlformats.org/drawingml/2006/main" xmlns:r="http://schemas.openxmlformats.org/officeDocument/2006/relationships" xmlns:p="http://schemas.openxmlformats.org/presentationml/2006/main" showMasterSp="0" showMasterPhAnim="0">
   <p:cSld>
     <p:spTree>
@@ -1477,7 +1372,7 @@
 </p:notes>
 </file>
 
-<file path=ppt/notesSlides/notesSlide16.xml><?xml version="1.0" encoding="utf-8"?>
+<file path=ppt/notesSlides/notesSlide15.xml><?xml version="1.0" encoding="utf-8"?>
 <p:notes xmlns:a="http://schemas.openxmlformats.org/drawingml/2006/main" xmlns:r="http://schemas.openxmlformats.org/officeDocument/2006/relationships" xmlns:p="http://schemas.openxmlformats.org/presentationml/2006/main" showMasterSp="0" showMasterPhAnim="0">
   <p:cSld>
     <p:spTree>
@@ -1581,7 +1476,7 @@
 </p:notes>
 </file>
 
-<file path=ppt/notesSlides/notesSlide17.xml><?xml version="1.0" encoding="utf-8"?>
+<file path=ppt/notesSlides/notesSlide16.xml><?xml version="1.0" encoding="utf-8"?>
 <p:notes xmlns:a="http://schemas.openxmlformats.org/drawingml/2006/main" xmlns:r="http://schemas.openxmlformats.org/officeDocument/2006/relationships" xmlns:p="http://schemas.openxmlformats.org/presentationml/2006/main" showMasterSp="0" showMasterPhAnim="0">
   <p:cSld>
     <p:spTree>
@@ -1685,7 +1580,7 @@
 </p:notes>
 </file>
 
-<file path=ppt/notesSlides/notesSlide18.xml><?xml version="1.0" encoding="utf-8"?>
+<file path=ppt/notesSlides/notesSlide17.xml><?xml version="1.0" encoding="utf-8"?>
 <p:notes xmlns:a="http://schemas.openxmlformats.org/drawingml/2006/main" xmlns:r="http://schemas.openxmlformats.org/officeDocument/2006/relationships" xmlns:p="http://schemas.openxmlformats.org/presentationml/2006/main" showMasterSp="0" showMasterPhAnim="0">
   <p:cSld>
     <p:spTree>
@@ -1789,7 +1684,7 @@
 </p:notes>
 </file>
 
-<file path=ppt/notesSlides/notesSlide19.xml><?xml version="1.0" encoding="utf-8"?>
+<file path=ppt/notesSlides/notesSlide18.xml><?xml version="1.0" encoding="utf-8"?>
 <p:notes xmlns:a="http://schemas.openxmlformats.org/drawingml/2006/main" xmlns:r="http://schemas.openxmlformats.org/officeDocument/2006/relationships" xmlns:p="http://schemas.openxmlformats.org/presentationml/2006/main" showMasterSp="0" showMasterPhAnim="0">
   <p:cSld>
     <p:spTree>
@@ -1850,6 +1745,110 @@
       <p:sp>
         <p:nvSpPr>
           <p:cNvPr id="382" name="Google Shape;382;g56aaa5a204_0_477:notes"/>
+          <p:cNvSpPr txBox="1">
+            <a:spLocks noGrp="1"/>
+          </p:cNvSpPr>
+          <p:nvPr>
+            <p:ph type="body" idx="1"/>
+          </p:nvPr>
+        </p:nvSpPr>
+        <p:spPr>
+          <a:xfrm>
+            <a:off x="685800" y="4343400"/>
+            <a:ext cx="5486400" cy="4114800"/>
+          </a:xfrm>
+          <a:prstGeom prst="rect">
+            <a:avLst/>
+          </a:prstGeom>
+        </p:spPr>
+        <p:txBody>
+          <a:bodyPr spcFirstLastPara="1" wrap="square" lIns="91425" tIns="91425" rIns="91425" bIns="91425" anchor="t" anchorCtr="0">
+            <a:noAutofit/>
+          </a:bodyPr>
+          <a:lstStyle/>
+          <a:p>
+            <a:pPr marL="0" lvl="0" indent="0" algn="l" rtl="0">
+              <a:spcBef>
+                <a:spcPts val="0"/>
+              </a:spcBef>
+              <a:spcAft>
+                <a:spcPts val="0"/>
+              </a:spcAft>
+              <a:buNone/>
+            </a:pPr>
+            <a:endParaRPr/>
+          </a:p>
+        </p:txBody>
+      </p:sp>
+    </p:spTree>
+  </p:cSld>
+  <p:clrMapOvr>
+    <a:masterClrMapping/>
+  </p:clrMapOvr>
+</p:notes>
+</file>
+
+<file path=ppt/notesSlides/notesSlide19.xml><?xml version="1.0" encoding="utf-8"?>
+<p:notes xmlns:a="http://schemas.openxmlformats.org/drawingml/2006/main" xmlns:r="http://schemas.openxmlformats.org/officeDocument/2006/relationships" xmlns:p="http://schemas.openxmlformats.org/presentationml/2006/main" showMasterSp="0" showMasterPhAnim="0">
+  <p:cSld>
+    <p:spTree>
+      <p:nvGrpSpPr>
+        <p:cNvPr id="1" name="Shape 387"/>
+        <p:cNvGrpSpPr/>
+        <p:nvPr/>
+      </p:nvGrpSpPr>
+      <p:grpSpPr>
+        <a:xfrm>
+          <a:off x="0" y="0"/>
+          <a:ext cx="0" cy="0"/>
+          <a:chOff x="0" y="0"/>
+          <a:chExt cx="0" cy="0"/>
+        </a:xfrm>
+      </p:grpSpPr>
+      <p:sp>
+        <p:nvSpPr>
+          <p:cNvPr id="388" name="Google Shape;388;g56aaa5a204_0_484:notes"/>
+          <p:cNvSpPr>
+            <a:spLocks noGrp="1" noRot="1" noChangeAspect="1"/>
+          </p:cNvSpPr>
+          <p:nvPr>
+            <p:ph type="sldImg" idx="2"/>
+          </p:nvPr>
+        </p:nvSpPr>
+        <p:spPr>
+          <a:xfrm>
+            <a:off x="381000" y="685800"/>
+            <a:ext cx="6096000" cy="3429000"/>
+          </a:xfrm>
+          <a:custGeom>
+            <a:avLst/>
+            <a:gdLst/>
+            <a:ahLst/>
+            <a:cxnLst/>
+            <a:rect l="l" t="t" r="r" b="b"/>
+            <a:pathLst>
+              <a:path w="120000" h="120000" extrusionOk="0">
+                <a:moveTo>
+                  <a:pt x="0" y="0"/>
+                </a:moveTo>
+                <a:lnTo>
+                  <a:pt x="120000" y="0"/>
+                </a:lnTo>
+                <a:lnTo>
+                  <a:pt x="120000" y="120000"/>
+                </a:lnTo>
+                <a:lnTo>
+                  <a:pt x="0" y="120000"/>
+                </a:lnTo>
+                <a:close/>
+              </a:path>
+            </a:pathLst>
+          </a:custGeom>
+        </p:spPr>
+      </p:sp>
+      <p:sp>
+        <p:nvSpPr>
+          <p:cNvPr id="389" name="Google Shape;389;g56aaa5a204_0_484:notes"/>
           <p:cNvSpPr txBox="1">
             <a:spLocks noGrp="1"/>
           </p:cNvSpPr>
@@ -2002,110 +2001,6 @@
   <p:cSld>
     <p:spTree>
       <p:nvGrpSpPr>
-        <p:cNvPr id="1" name="Shape 387"/>
-        <p:cNvGrpSpPr/>
-        <p:nvPr/>
-      </p:nvGrpSpPr>
-      <p:grpSpPr>
-        <a:xfrm>
-          <a:off x="0" y="0"/>
-          <a:ext cx="0" cy="0"/>
-          <a:chOff x="0" y="0"/>
-          <a:chExt cx="0" cy="0"/>
-        </a:xfrm>
-      </p:grpSpPr>
-      <p:sp>
-        <p:nvSpPr>
-          <p:cNvPr id="388" name="Google Shape;388;g56aaa5a204_0_484:notes"/>
-          <p:cNvSpPr>
-            <a:spLocks noGrp="1" noRot="1" noChangeAspect="1"/>
-          </p:cNvSpPr>
-          <p:nvPr>
-            <p:ph type="sldImg" idx="2"/>
-          </p:nvPr>
-        </p:nvSpPr>
-        <p:spPr>
-          <a:xfrm>
-            <a:off x="381000" y="685800"/>
-            <a:ext cx="6096000" cy="3429000"/>
-          </a:xfrm>
-          <a:custGeom>
-            <a:avLst/>
-            <a:gdLst/>
-            <a:ahLst/>
-            <a:cxnLst/>
-            <a:rect l="l" t="t" r="r" b="b"/>
-            <a:pathLst>
-              <a:path w="120000" h="120000" extrusionOk="0">
-                <a:moveTo>
-                  <a:pt x="0" y="0"/>
-                </a:moveTo>
-                <a:lnTo>
-                  <a:pt x="120000" y="0"/>
-                </a:lnTo>
-                <a:lnTo>
-                  <a:pt x="120000" y="120000"/>
-                </a:lnTo>
-                <a:lnTo>
-                  <a:pt x="0" y="120000"/>
-                </a:lnTo>
-                <a:close/>
-              </a:path>
-            </a:pathLst>
-          </a:custGeom>
-        </p:spPr>
-      </p:sp>
-      <p:sp>
-        <p:nvSpPr>
-          <p:cNvPr id="389" name="Google Shape;389;g56aaa5a204_0_484:notes"/>
-          <p:cNvSpPr txBox="1">
-            <a:spLocks noGrp="1"/>
-          </p:cNvSpPr>
-          <p:nvPr>
-            <p:ph type="body" idx="1"/>
-          </p:nvPr>
-        </p:nvSpPr>
-        <p:spPr>
-          <a:xfrm>
-            <a:off x="685800" y="4343400"/>
-            <a:ext cx="5486400" cy="4114800"/>
-          </a:xfrm>
-          <a:prstGeom prst="rect">
-            <a:avLst/>
-          </a:prstGeom>
-        </p:spPr>
-        <p:txBody>
-          <a:bodyPr spcFirstLastPara="1" wrap="square" lIns="91425" tIns="91425" rIns="91425" bIns="91425" anchor="t" anchorCtr="0">
-            <a:noAutofit/>
-          </a:bodyPr>
-          <a:lstStyle/>
-          <a:p>
-            <a:pPr marL="0" lvl="0" indent="0" algn="l" rtl="0">
-              <a:spcBef>
-                <a:spcPts val="0"/>
-              </a:spcBef>
-              <a:spcAft>
-                <a:spcPts val="0"/>
-              </a:spcAft>
-              <a:buNone/>
-            </a:pPr>
-            <a:endParaRPr/>
-          </a:p>
-        </p:txBody>
-      </p:sp>
-    </p:spTree>
-  </p:cSld>
-  <p:clrMapOvr>
-    <a:masterClrMapping/>
-  </p:clrMapOvr>
-</p:notes>
-</file>
-
-<file path=ppt/notesSlides/notesSlide21.xml><?xml version="1.0" encoding="utf-8"?>
-<p:notes xmlns:a="http://schemas.openxmlformats.org/drawingml/2006/main" xmlns:r="http://schemas.openxmlformats.org/officeDocument/2006/relationships" xmlns:p="http://schemas.openxmlformats.org/presentationml/2006/main" showMasterSp="0" showMasterPhAnim="0">
-  <p:cSld>
-    <p:spTree>
-      <p:nvGrpSpPr>
         <p:cNvPr id="1" name="Shape 394"/>
         <p:cNvGrpSpPr/>
         <p:nvPr/>
@@ -2205,7 +2100,7 @@
 </p:notes>
 </file>
 
-<file path=ppt/notesSlides/notesSlide22.xml><?xml version="1.0" encoding="utf-8"?>
+<file path=ppt/notesSlides/notesSlide21.xml><?xml version="1.0" encoding="utf-8"?>
 <p:notes xmlns:a="http://schemas.openxmlformats.org/drawingml/2006/main" xmlns:r="http://schemas.openxmlformats.org/officeDocument/2006/relationships" xmlns:p="http://schemas.openxmlformats.org/presentationml/2006/main" showMasterSp="0" showMasterPhAnim="0">
   <p:cSld>
     <p:spTree>
@@ -2309,7 +2204,7 @@
 </p:notes>
 </file>
 
-<file path=ppt/notesSlides/notesSlide23.xml><?xml version="1.0" encoding="utf-8"?>
+<file path=ppt/notesSlides/notesSlide22.xml><?xml version="1.0" encoding="utf-8"?>
 <p:notes xmlns:a="http://schemas.openxmlformats.org/drawingml/2006/main" xmlns:r="http://schemas.openxmlformats.org/officeDocument/2006/relationships" xmlns:p="http://schemas.openxmlformats.org/presentationml/2006/main" showMasterSp="0" showMasterPhAnim="0">
   <p:cSld>
     <p:spTree>
@@ -2626,110 +2521,6 @@
   <p:cSld>
     <p:spTree>
       <p:nvGrpSpPr>
-        <p:cNvPr id="1" name="Shape 263"/>
-        <p:cNvGrpSpPr/>
-        <p:nvPr/>
-      </p:nvGrpSpPr>
-      <p:grpSpPr>
-        <a:xfrm>
-          <a:off x="0" y="0"/>
-          <a:ext cx="0" cy="0"/>
-          <a:chOff x="0" y="0"/>
-          <a:chExt cx="0" cy="0"/>
-        </a:xfrm>
-      </p:grpSpPr>
-      <p:sp>
-        <p:nvSpPr>
-          <p:cNvPr id="264" name="Google Shape;264;g56aaa5a204_0_425:notes"/>
-          <p:cNvSpPr>
-            <a:spLocks noGrp="1" noRot="1" noChangeAspect="1"/>
-          </p:cNvSpPr>
-          <p:nvPr>
-            <p:ph type="sldImg" idx="2"/>
-          </p:nvPr>
-        </p:nvSpPr>
-        <p:spPr>
-          <a:xfrm>
-            <a:off x="381000" y="685800"/>
-            <a:ext cx="6096000" cy="3429000"/>
-          </a:xfrm>
-          <a:custGeom>
-            <a:avLst/>
-            <a:gdLst/>
-            <a:ahLst/>
-            <a:cxnLst/>
-            <a:rect l="l" t="t" r="r" b="b"/>
-            <a:pathLst>
-              <a:path w="120000" h="120000" extrusionOk="0">
-                <a:moveTo>
-                  <a:pt x="0" y="0"/>
-                </a:moveTo>
-                <a:lnTo>
-                  <a:pt x="120000" y="0"/>
-                </a:lnTo>
-                <a:lnTo>
-                  <a:pt x="120000" y="120000"/>
-                </a:lnTo>
-                <a:lnTo>
-                  <a:pt x="0" y="120000"/>
-                </a:lnTo>
-                <a:close/>
-              </a:path>
-            </a:pathLst>
-          </a:custGeom>
-        </p:spPr>
-      </p:sp>
-      <p:sp>
-        <p:nvSpPr>
-          <p:cNvPr id="265" name="Google Shape;265;g56aaa5a204_0_425:notes"/>
-          <p:cNvSpPr txBox="1">
-            <a:spLocks noGrp="1"/>
-          </p:cNvSpPr>
-          <p:nvPr>
-            <p:ph type="body" idx="1"/>
-          </p:nvPr>
-        </p:nvSpPr>
-        <p:spPr>
-          <a:xfrm>
-            <a:off x="685800" y="4343400"/>
-            <a:ext cx="5486400" cy="4114800"/>
-          </a:xfrm>
-          <a:prstGeom prst="rect">
-            <a:avLst/>
-          </a:prstGeom>
-        </p:spPr>
-        <p:txBody>
-          <a:bodyPr spcFirstLastPara="1" wrap="square" lIns="91425" tIns="91425" rIns="91425" bIns="91425" anchor="t" anchorCtr="0">
-            <a:noAutofit/>
-          </a:bodyPr>
-          <a:lstStyle/>
-          <a:p>
-            <a:pPr marL="0" lvl="0" indent="0" algn="l" rtl="0">
-              <a:spcBef>
-                <a:spcPts val="0"/>
-              </a:spcBef>
-              <a:spcAft>
-                <a:spcPts val="0"/>
-              </a:spcAft>
-              <a:buNone/>
-            </a:pPr>
-            <a:endParaRPr/>
-          </a:p>
-        </p:txBody>
-      </p:sp>
-    </p:spTree>
-  </p:cSld>
-  <p:clrMapOvr>
-    <a:masterClrMapping/>
-  </p:clrMapOvr>
-</p:notes>
-</file>
-
-<file path=ppt/notesSlides/notesSlide6.xml><?xml version="1.0" encoding="utf-8"?>
-<p:notes xmlns:a="http://schemas.openxmlformats.org/drawingml/2006/main" xmlns:r="http://schemas.openxmlformats.org/officeDocument/2006/relationships" xmlns:p="http://schemas.openxmlformats.org/presentationml/2006/main" showMasterSp="0" showMasterPhAnim="0">
-  <p:cSld>
-    <p:spTree>
-      <p:nvGrpSpPr>
         <p:cNvPr id="1" name="Shape 270"/>
         <p:cNvGrpSpPr/>
         <p:nvPr/>
@@ -2829,7 +2620,7 @@
 </p:notes>
 </file>
 
-<file path=ppt/notesSlides/notesSlide7.xml><?xml version="1.0" encoding="utf-8"?>
+<file path=ppt/notesSlides/notesSlide6.xml><?xml version="1.0" encoding="utf-8"?>
 <p:notes xmlns:a="http://schemas.openxmlformats.org/drawingml/2006/main" xmlns:r="http://schemas.openxmlformats.org/officeDocument/2006/relationships" xmlns:p="http://schemas.openxmlformats.org/presentationml/2006/main" showMasterSp="0" showMasterPhAnim="0">
   <p:cSld>
     <p:spTree>
@@ -2933,7 +2724,7 @@
 </p:notes>
 </file>
 
-<file path=ppt/notesSlides/notesSlide8.xml><?xml version="1.0" encoding="utf-8"?>
+<file path=ppt/notesSlides/notesSlide7.xml><?xml version="1.0" encoding="utf-8"?>
 <p:notes xmlns:a="http://schemas.openxmlformats.org/drawingml/2006/main" xmlns:r="http://schemas.openxmlformats.org/officeDocument/2006/relationships" xmlns:p="http://schemas.openxmlformats.org/presentationml/2006/main" showMasterSp="0" showMasterPhAnim="0">
   <p:cSld>
     <p:spTree>
@@ -3037,7 +2828,7 @@
 </p:notes>
 </file>
 
-<file path=ppt/notesSlides/notesSlide9.xml><?xml version="1.0" encoding="utf-8"?>
+<file path=ppt/notesSlides/notesSlide8.xml><?xml version="1.0" encoding="utf-8"?>
 <p:notes xmlns:a="http://schemas.openxmlformats.org/drawingml/2006/main" xmlns:r="http://schemas.openxmlformats.org/officeDocument/2006/relationships" xmlns:p="http://schemas.openxmlformats.org/presentationml/2006/main" showMasterSp="0" showMasterPhAnim="0">
   <p:cSld>
     <p:spTree>
@@ -3098,6 +2889,110 @@
       <p:sp>
         <p:nvSpPr>
           <p:cNvPr id="293" name="Google Shape;293;g56aaa5a204_0_21:notes"/>
+          <p:cNvSpPr txBox="1">
+            <a:spLocks noGrp="1"/>
+          </p:cNvSpPr>
+          <p:nvPr>
+            <p:ph type="body" idx="1"/>
+          </p:nvPr>
+        </p:nvSpPr>
+        <p:spPr>
+          <a:xfrm>
+            <a:off x="685800" y="4343400"/>
+            <a:ext cx="5486400" cy="4114800"/>
+          </a:xfrm>
+          <a:prstGeom prst="rect">
+            <a:avLst/>
+          </a:prstGeom>
+        </p:spPr>
+        <p:txBody>
+          <a:bodyPr spcFirstLastPara="1" wrap="square" lIns="91425" tIns="91425" rIns="91425" bIns="91425" anchor="t" anchorCtr="0">
+            <a:noAutofit/>
+          </a:bodyPr>
+          <a:lstStyle/>
+          <a:p>
+            <a:pPr marL="0" lvl="0" indent="0" algn="l" rtl="0">
+              <a:spcBef>
+                <a:spcPts val="0"/>
+              </a:spcBef>
+              <a:spcAft>
+                <a:spcPts val="0"/>
+              </a:spcAft>
+              <a:buNone/>
+            </a:pPr>
+            <a:endParaRPr/>
+          </a:p>
+        </p:txBody>
+      </p:sp>
+    </p:spTree>
+  </p:cSld>
+  <p:clrMapOvr>
+    <a:masterClrMapping/>
+  </p:clrMapOvr>
+</p:notes>
+</file>
+
+<file path=ppt/notesSlides/notesSlide9.xml><?xml version="1.0" encoding="utf-8"?>
+<p:notes xmlns:a="http://schemas.openxmlformats.org/drawingml/2006/main" xmlns:r="http://schemas.openxmlformats.org/officeDocument/2006/relationships" xmlns:p="http://schemas.openxmlformats.org/presentationml/2006/main" showMasterSp="0" showMasterPhAnim="0">
+  <p:cSld>
+    <p:spTree>
+      <p:nvGrpSpPr>
+        <p:cNvPr id="1" name="Shape 299"/>
+        <p:cNvGrpSpPr/>
+        <p:nvPr/>
+      </p:nvGrpSpPr>
+      <p:grpSpPr>
+        <a:xfrm>
+          <a:off x="0" y="0"/>
+          <a:ext cx="0" cy="0"/>
+          <a:chOff x="0" y="0"/>
+          <a:chExt cx="0" cy="0"/>
+        </a:xfrm>
+      </p:grpSpPr>
+      <p:sp>
+        <p:nvSpPr>
+          <p:cNvPr id="300" name="Google Shape;300;g56aaa5a204_0_29:notes"/>
+          <p:cNvSpPr>
+            <a:spLocks noGrp="1" noRot="1" noChangeAspect="1"/>
+          </p:cNvSpPr>
+          <p:nvPr>
+            <p:ph type="sldImg" idx="2"/>
+          </p:nvPr>
+        </p:nvSpPr>
+        <p:spPr>
+          <a:xfrm>
+            <a:off x="381000" y="685800"/>
+            <a:ext cx="6096000" cy="3429000"/>
+          </a:xfrm>
+          <a:custGeom>
+            <a:avLst/>
+            <a:gdLst/>
+            <a:ahLst/>
+            <a:cxnLst/>
+            <a:rect l="l" t="t" r="r" b="b"/>
+            <a:pathLst>
+              <a:path w="120000" h="120000" extrusionOk="0">
+                <a:moveTo>
+                  <a:pt x="0" y="0"/>
+                </a:moveTo>
+                <a:lnTo>
+                  <a:pt x="120000" y="0"/>
+                </a:lnTo>
+                <a:lnTo>
+                  <a:pt x="120000" y="120000"/>
+                </a:lnTo>
+                <a:lnTo>
+                  <a:pt x="0" y="120000"/>
+                </a:lnTo>
+                <a:close/>
+              </a:path>
+            </a:pathLst>
+          </a:custGeom>
+        </p:spPr>
+      </p:sp>
+      <p:sp>
+        <p:nvSpPr>
+          <p:cNvPr id="301" name="Google Shape;301;g56aaa5a204_0_29:notes"/>
           <p:cNvSpPr txBox="1">
             <a:spLocks noGrp="1"/>
           </p:cNvSpPr>
@@ -36384,194 +36279,6 @@
   <p:cSld>
     <p:spTree>
       <p:nvGrpSpPr>
-        <p:cNvPr id="1" name="Shape 302"/>
-        <p:cNvGrpSpPr/>
-        <p:nvPr/>
-      </p:nvGrpSpPr>
-      <p:grpSpPr>
-        <a:xfrm>
-          <a:off x="0" y="0"/>
-          <a:ext cx="0" cy="0"/>
-          <a:chOff x="0" y="0"/>
-          <a:chExt cx="0" cy="0"/>
-        </a:xfrm>
-      </p:grpSpPr>
-      <p:sp>
-        <p:nvSpPr>
-          <p:cNvPr id="303" name="Google Shape;303;p29"/>
-          <p:cNvSpPr txBox="1">
-            <a:spLocks noGrp="1"/>
-          </p:cNvSpPr>
-          <p:nvPr>
-            <p:ph type="title"/>
-          </p:nvPr>
-        </p:nvSpPr>
-        <p:spPr>
-          <a:xfrm>
-            <a:off x="311700" y="179350"/>
-            <a:ext cx="8520600" cy="572700"/>
-          </a:xfrm>
-          <a:prstGeom prst="rect">
-            <a:avLst/>
-          </a:prstGeom>
-        </p:spPr>
-        <p:txBody>
-          <a:bodyPr spcFirstLastPara="1" wrap="square" lIns="68575" tIns="34275" rIns="68575" bIns="34275" anchor="ctr" anchorCtr="0">
-            <a:noAutofit/>
-          </a:bodyPr>
-          <a:lstStyle/>
-          <a:p>
-            <a:pPr marL="0" lvl="0" indent="0" algn="l" rtl="0">
-              <a:spcBef>
-                <a:spcPts val="0"/>
-              </a:spcBef>
-              <a:spcAft>
-                <a:spcPts val="0"/>
-              </a:spcAft>
-              <a:buNone/>
-            </a:pPr>
-            <a:r>
-              <a:rPr lang="en"/>
-              <a:t>Fargate Components - Service</a:t>
-            </a:r>
-            <a:endParaRPr/>
-          </a:p>
-        </p:txBody>
-      </p:sp>
-      <p:sp>
-        <p:nvSpPr>
-          <p:cNvPr id="304" name="Google Shape;304;p29"/>
-          <p:cNvSpPr txBox="1">
-            <a:spLocks noGrp="1"/>
-          </p:cNvSpPr>
-          <p:nvPr>
-            <p:ph type="body" idx="1"/>
-          </p:nvPr>
-        </p:nvSpPr>
-        <p:spPr>
-          <a:xfrm>
-            <a:off x="311700" y="808250"/>
-            <a:ext cx="5766900" cy="4054500"/>
-          </a:xfrm>
-          <a:prstGeom prst="rect">
-            <a:avLst/>
-          </a:prstGeom>
-        </p:spPr>
-        <p:txBody>
-          <a:bodyPr spcFirstLastPara="1" wrap="square" lIns="68575" tIns="34275" rIns="68575" bIns="34275" anchor="t" anchorCtr="0">
-            <a:noAutofit/>
-          </a:bodyPr>
-          <a:lstStyle/>
-          <a:p>
-            <a:pPr marL="0" lvl="0" indent="0" algn="l" rtl="0">
-              <a:spcBef>
-                <a:spcPts val="800"/>
-              </a:spcBef>
-              <a:spcAft>
-                <a:spcPts val="0"/>
-              </a:spcAft>
-              <a:buNone/>
-            </a:pPr>
-            <a:r>
-              <a:rPr lang="en" sz="1800"/>
-              <a:t>Fargate allows you to run and maintain a specified number of instances of a Task Definition simultaneously in an Amazon ECS cluster. This is called a Service. </a:t>
-            </a:r>
-            <a:endParaRPr sz="1800"/>
-          </a:p>
-          <a:p>
-            <a:pPr marL="0" lvl="0" indent="0" algn="l" rtl="0">
-              <a:spcBef>
-                <a:spcPts val="800"/>
-              </a:spcBef>
-              <a:spcAft>
-                <a:spcPts val="0"/>
-              </a:spcAft>
-              <a:buNone/>
-            </a:pPr>
-            <a:r>
-              <a:rPr lang="en" sz="1800"/>
-              <a:t>If any of your tasks should fail or stop for any reason, the Amazon ECS service scheduler launches another instance of your task definition to replace it and maintain the desired count of tasks in the service depending on the scheduling strategy used.</a:t>
-            </a:r>
-            <a:endParaRPr sz="1800"/>
-          </a:p>
-          <a:p>
-            <a:pPr marL="0" lvl="0" indent="0" algn="l" rtl="0">
-              <a:spcBef>
-                <a:spcPts val="800"/>
-              </a:spcBef>
-              <a:spcAft>
-                <a:spcPts val="0"/>
-              </a:spcAft>
-              <a:buNone/>
-            </a:pPr>
-            <a:r>
-              <a:rPr lang="en" sz="1800"/>
-              <a:t>In addition to maintaining the desired count of tasks in your service, you can optionally run your service behind a load balancer. The load balancer distributes traffic across the tasks that are associated with the service.</a:t>
-            </a:r>
-            <a:endParaRPr sz="1800"/>
-          </a:p>
-          <a:p>
-            <a:pPr marL="0" lvl="0" indent="0" algn="l" rtl="0">
-              <a:spcBef>
-                <a:spcPts val="800"/>
-              </a:spcBef>
-              <a:spcAft>
-                <a:spcPts val="0"/>
-              </a:spcAft>
-              <a:buNone/>
-            </a:pPr>
-            <a:endParaRPr sz="1800"/>
-          </a:p>
-        </p:txBody>
-      </p:sp>
-      <p:pic>
-        <p:nvPicPr>
-          <p:cNvPr id="305" name="Google Shape;305;p29"/>
-          <p:cNvPicPr preferRelativeResize="0"/>
-          <p:nvPr/>
-        </p:nvPicPr>
-        <p:blipFill>
-          <a:blip r:embed="rId3">
-            <a:alphaModFix/>
-          </a:blip>
-          <a:stretch>
-            <a:fillRect/>
-          </a:stretch>
-        </p:blipFill>
-        <p:spPr>
-          <a:xfrm>
-            <a:off x="6231025" y="367600"/>
-            <a:ext cx="2506000" cy="4549426"/>
-          </a:xfrm>
-          <a:prstGeom prst="rect">
-            <a:avLst/>
-          </a:prstGeom>
-          <a:noFill/>
-          <a:ln>
-            <a:noFill/>
-          </a:ln>
-          <a:effectLst>
-            <a:outerShdw blurRad="57150" dist="19050" dir="5400000" algn="bl" rotWithShape="0">
-              <a:srgbClr val="000000">
-                <a:alpha val="50000"/>
-              </a:srgbClr>
-            </a:outerShdw>
-          </a:effectLst>
-        </p:spPr>
-      </p:pic>
-    </p:spTree>
-  </p:cSld>
-  <p:clrMapOvr>
-    <a:masterClrMapping/>
-  </p:clrMapOvr>
-</p:sld>
-</file>
-
-<file path=ppt/slides/slide11.xml><?xml version="1.0" encoding="utf-8"?>
-<p:sld xmlns:a="http://schemas.openxmlformats.org/drawingml/2006/main" xmlns:r="http://schemas.openxmlformats.org/officeDocument/2006/relationships" xmlns:p="http://schemas.openxmlformats.org/presentationml/2006/main">
-  <p:cSld>
-    <p:spTree>
-      <p:nvGrpSpPr>
         <p:cNvPr id="1" name="Shape 309"/>
         <p:cNvGrpSpPr/>
         <p:nvPr/>
@@ -37928,7 +37635,7 @@
 </p:sld>
 </file>
 
-<file path=ppt/slides/slide12.xml><?xml version="1.0" encoding="utf-8"?>
+<file path=ppt/slides/slide11.xml><?xml version="1.0" encoding="utf-8"?>
 <p:sld xmlns:a="http://schemas.openxmlformats.org/drawingml/2006/main" xmlns:r="http://schemas.openxmlformats.org/officeDocument/2006/relationships" xmlns:p="http://schemas.openxmlformats.org/presentationml/2006/main">
   <p:cSld>
     <p:spTree>
@@ -38214,7 +37921,7 @@
 </p:sld>
 </file>
 
-<file path=ppt/slides/slide13.xml><?xml version="1.0" encoding="utf-8"?>
+<file path=ppt/slides/slide12.xml><?xml version="1.0" encoding="utf-8"?>
 <p:sld xmlns:a="http://schemas.openxmlformats.org/drawingml/2006/main" xmlns:r="http://schemas.openxmlformats.org/officeDocument/2006/relationships" xmlns:p="http://schemas.openxmlformats.org/presentationml/2006/main">
   <p:cSld>
     <p:spTree>
@@ -38308,11 +38015,11 @@
               <a:buNone/>
             </a:pPr>
             <a:r>
-              <a:rPr lang="en" sz="1800"/>
+              <a:rPr lang="en" sz="1800" dirty="0"/>
               <a:t>While Lambda allows you to build serverless microservices  using small functions that react to events with fast development, easy deployment, auto-scaling, fault-tolerance and pay-per-use, it has many </a:t>
             </a:r>
             <a:r>
-              <a:rPr lang="en" sz="1800" u="sng">
+              <a:rPr lang="en" sz="1800" u="sng" dirty="0">
                 <a:solidFill>
                   <a:schemeClr val="hlink"/>
                 </a:solidFill>
@@ -38321,10 +38028,10 @@
               <a:t>limitations</a:t>
             </a:r>
             <a:r>
-              <a:rPr lang="en" sz="1800"/>
+              <a:rPr lang="en" sz="1800" dirty="0"/>
               <a:t>. Chief among them is the time limitation and deployment size. </a:t>
             </a:r>
-            <a:endParaRPr sz="1800"/>
+            <a:endParaRPr sz="1800" dirty="0"/>
           </a:p>
           <a:p>
             <a:pPr marL="0" lvl="0" indent="0" algn="l" rtl="0">
@@ -38336,7 +38043,7 @@
               </a:spcAft>
               <a:buNone/>
             </a:pPr>
-            <a:endParaRPr sz="1800"/>
+            <a:endParaRPr sz="1800" dirty="0"/>
           </a:p>
           <a:p>
             <a:pPr marL="0" lvl="0" indent="0" algn="l" rtl="0">
@@ -38349,10 +38056,34 @@
               <a:buNone/>
             </a:pPr>
             <a:r>
-              <a:rPr lang="en" sz="1800"/>
-              <a:t>As a result, it is not possible to run large workloads or long running processes on Lambda. Further, the resource limitation around the size of the software package restricts the type of workloads you can run on Lambda. For instance, if you have a machine learning model that requires the usage of large libraries such as Scikit, Numpy, etc, it is impossible to fit the software package in a Lambda deployment</a:t>
+              <a:rPr lang="en" sz="1800" dirty="0"/>
+              <a:t>As a result, it is not possible to run large workloads or long running processes on Lambda. Further, the resource limitation around the size of the software package restricts the type of workloads you can run on Lambda. For instance, if you have a machine learning model that requires the usage of large libraries such as </a:t>
             </a:r>
-            <a:endParaRPr sz="1800"/>
+            <a:r>
+              <a:rPr lang="en" sz="1800" dirty="0" err="1"/>
+              <a:t>Scikit</a:t>
+            </a:r>
+            <a:r>
+              <a:rPr lang="en" sz="1800" dirty="0"/>
+              <a:t>, </a:t>
+            </a:r>
+            <a:r>
+              <a:rPr lang="en" sz="1800" dirty="0" err="1"/>
+              <a:t>Numpy</a:t>
+            </a:r>
+            <a:r>
+              <a:rPr lang="en" sz="1800" dirty="0"/>
+              <a:t>, </a:t>
+            </a:r>
+            <a:r>
+              <a:rPr lang="en" sz="1800" dirty="0" err="1"/>
+              <a:t>etc</a:t>
+            </a:r>
+            <a:r>
+              <a:rPr lang="en" sz="1800" dirty="0"/>
+              <a:t>, it is impossible to fit the software package in a Lambda deployment</a:t>
+            </a:r>
+            <a:endParaRPr sz="1800" dirty="0"/>
           </a:p>
         </p:txBody>
       </p:sp>
@@ -38364,7 +38095,7 @@
 </p:sld>
 </file>
 
-<file path=ppt/slides/slide14.xml><?xml version="1.0" encoding="utf-8"?>
+<file path=ppt/slides/slide13.xml><?xml version="1.0" encoding="utf-8"?>
 <p:sld xmlns:a="http://schemas.openxmlformats.org/drawingml/2006/main" xmlns:r="http://schemas.openxmlformats.org/officeDocument/2006/relationships" xmlns:p="http://schemas.openxmlformats.org/presentationml/2006/main">
   <p:cSld>
     <p:spTree>
@@ -38501,7 +38232,7 @@
 </p:sld>
 </file>
 
-<file path=ppt/slides/slide15.xml><?xml version="1.0" encoding="utf-8"?>
+<file path=ppt/slides/slide14.xml><?xml version="1.0" encoding="utf-8"?>
 <p:sld xmlns:a="http://schemas.openxmlformats.org/drawingml/2006/main" xmlns:r="http://schemas.openxmlformats.org/officeDocument/2006/relationships" xmlns:p="http://schemas.openxmlformats.org/presentationml/2006/main">
   <p:cSld>
     <p:spTree>
@@ -38674,7 +38405,7 @@
 </p:sld>
 </file>
 
-<file path=ppt/slides/slide16.xml><?xml version="1.0" encoding="utf-8"?>
+<file path=ppt/slides/slide15.xml><?xml version="1.0" encoding="utf-8"?>
 <p:sld xmlns:a="http://schemas.openxmlformats.org/drawingml/2006/main" xmlns:r="http://schemas.openxmlformats.org/officeDocument/2006/relationships" xmlns:p="http://schemas.openxmlformats.org/presentationml/2006/main">
   <p:cSld>
     <p:spTree>
@@ -38952,7 +38683,7 @@
 </p:sld>
 </file>
 
-<file path=ppt/slides/slide17.xml><?xml version="1.0" encoding="utf-8"?>
+<file path=ppt/slides/slide16.xml><?xml version="1.0" encoding="utf-8"?>
 <p:sld xmlns:a="http://schemas.openxmlformats.org/drawingml/2006/main" xmlns:r="http://schemas.openxmlformats.org/officeDocument/2006/relationships" xmlns:p="http://schemas.openxmlformats.org/presentationml/2006/main">
   <p:cSld>
     <p:spTree>
@@ -39216,7 +38947,7 @@
 </p:sld>
 </file>
 
-<file path=ppt/slides/slide18.xml><?xml version="1.0" encoding="utf-8"?>
+<file path=ppt/slides/slide17.xml><?xml version="1.0" encoding="utf-8"?>
 <p:sld xmlns:a="http://schemas.openxmlformats.org/drawingml/2006/main" xmlns:r="http://schemas.openxmlformats.org/officeDocument/2006/relationships" xmlns:p="http://schemas.openxmlformats.org/presentationml/2006/main">
   <p:cSld>
     <p:spTree>
@@ -39438,7 +39169,7 @@
 </p:sld>
 </file>
 
-<file path=ppt/slides/slide19.xml><?xml version="1.0" encoding="utf-8"?>
+<file path=ppt/slides/slide18.xml><?xml version="1.0" encoding="utf-8"?>
 <p:sld xmlns:a="http://schemas.openxmlformats.org/drawingml/2006/main" xmlns:r="http://schemas.openxmlformats.org/officeDocument/2006/relationships" xmlns:p="http://schemas.openxmlformats.org/presentationml/2006/main">
   <p:cSld>
     <p:spTree>
@@ -39665,6 +39396,279 @@
                 <a:sym typeface="Oswald"/>
               </a:rPr>
               <a:t>You can optionally add service discovery with Route 53 </a:t>
+            </a:r>
+            <a:endParaRPr>
+              <a:latin typeface="Oswald"/>
+              <a:ea typeface="Oswald"/>
+              <a:cs typeface="Oswald"/>
+              <a:sym typeface="Oswald"/>
+            </a:endParaRPr>
+          </a:p>
+          <a:p>
+            <a:pPr marL="0" lvl="0" indent="0" algn="l" rtl="0">
+              <a:spcBef>
+                <a:spcPts val="0"/>
+              </a:spcBef>
+              <a:spcAft>
+                <a:spcPts val="0"/>
+              </a:spcAft>
+              <a:buNone/>
+            </a:pPr>
+            <a:endParaRPr>
+              <a:latin typeface="Calibri"/>
+              <a:ea typeface="Calibri"/>
+              <a:cs typeface="Calibri"/>
+              <a:sym typeface="Calibri"/>
+            </a:endParaRPr>
+          </a:p>
+        </p:txBody>
+      </p:sp>
+    </p:spTree>
+  </p:cSld>
+  <p:clrMapOvr>
+    <a:masterClrMapping/>
+  </p:clrMapOvr>
+</p:sld>
+</file>
+
+<file path=ppt/slides/slide19.xml><?xml version="1.0" encoding="utf-8"?>
+<p:sld xmlns:a="http://schemas.openxmlformats.org/drawingml/2006/main" xmlns:r="http://schemas.openxmlformats.org/officeDocument/2006/relationships" xmlns:p="http://schemas.openxmlformats.org/presentationml/2006/main">
+  <p:cSld>
+    <p:spTree>
+      <p:nvGrpSpPr>
+        <p:cNvPr id="1" name="Shape 390"/>
+        <p:cNvGrpSpPr/>
+        <p:nvPr/>
+      </p:nvGrpSpPr>
+      <p:grpSpPr>
+        <a:xfrm>
+          <a:off x="0" y="0"/>
+          <a:ext cx="0" cy="0"/>
+          <a:chOff x="0" y="0"/>
+          <a:chExt cx="0" cy="0"/>
+        </a:xfrm>
+      </p:grpSpPr>
+      <p:sp>
+        <p:nvSpPr>
+          <p:cNvPr id="391" name="Google Shape;391;p39"/>
+          <p:cNvSpPr txBox="1">
+            <a:spLocks noGrp="1"/>
+          </p:cNvSpPr>
+          <p:nvPr>
+            <p:ph type="title"/>
+          </p:nvPr>
+        </p:nvSpPr>
+        <p:spPr>
+          <a:xfrm>
+            <a:off x="311700" y="179350"/>
+            <a:ext cx="8520600" cy="572700"/>
+          </a:xfrm>
+          <a:prstGeom prst="rect">
+            <a:avLst/>
+          </a:prstGeom>
+        </p:spPr>
+        <p:txBody>
+          <a:bodyPr spcFirstLastPara="1" wrap="square" lIns="68575" tIns="34275" rIns="68575" bIns="34275" anchor="ctr" anchorCtr="0">
+            <a:noAutofit/>
+          </a:bodyPr>
+          <a:lstStyle/>
+          <a:p>
+            <a:pPr marL="0" lvl="0" indent="0" algn="l" rtl="0">
+              <a:spcBef>
+                <a:spcPts val="0"/>
+              </a:spcBef>
+              <a:spcAft>
+                <a:spcPts val="0"/>
+              </a:spcAft>
+              <a:buNone/>
+            </a:pPr>
+            <a:r>
+              <a:rPr lang="en" sz="3100"/>
+              <a:t>Scaling Container Pattern - Example</a:t>
+            </a:r>
+            <a:endParaRPr sz="3100"/>
+          </a:p>
+        </p:txBody>
+      </p:sp>
+      <p:sp>
+        <p:nvSpPr>
+          <p:cNvPr id="392" name="Google Shape;392;p39"/>
+          <p:cNvSpPr txBox="1">
+            <a:spLocks noGrp="1"/>
+          </p:cNvSpPr>
+          <p:nvPr>
+            <p:ph type="body" idx="1"/>
+          </p:nvPr>
+        </p:nvSpPr>
+        <p:spPr>
+          <a:xfrm>
+            <a:off x="311700" y="752050"/>
+            <a:ext cx="8520600" cy="3531600"/>
+          </a:xfrm>
+          <a:prstGeom prst="rect">
+            <a:avLst/>
+          </a:prstGeom>
+        </p:spPr>
+        <p:txBody>
+          <a:bodyPr spcFirstLastPara="1" wrap="square" lIns="68575" tIns="34275" rIns="68575" bIns="34275" anchor="t" anchorCtr="0">
+            <a:noAutofit/>
+          </a:bodyPr>
+          <a:lstStyle/>
+          <a:p>
+            <a:pPr marL="0" lvl="0" indent="0" algn="l" rtl="0">
+              <a:lnSpc>
+                <a:spcPct val="125000"/>
+              </a:lnSpc>
+              <a:spcBef>
+                <a:spcPts val="1800"/>
+              </a:spcBef>
+              <a:spcAft>
+                <a:spcPts val="0"/>
+              </a:spcAft>
+              <a:buNone/>
+            </a:pPr>
+            <a:r>
+              <a:rPr lang="en" sz="1650" b="1">
+                <a:solidFill>
+                  <a:srgbClr val="24292E"/>
+                </a:solidFill>
+                <a:latin typeface="Arial"/>
+                <a:ea typeface="Arial"/>
+                <a:cs typeface="Arial"/>
+                <a:sym typeface="Arial"/>
+              </a:rPr>
+              <a:t>Bean-counter - A Coin-counter Service</a:t>
+            </a:r>
+            <a:endParaRPr sz="1650" b="1">
+              <a:solidFill>
+                <a:srgbClr val="24292E"/>
+              </a:solidFill>
+              <a:latin typeface="Arial"/>
+              <a:ea typeface="Arial"/>
+              <a:cs typeface="Arial"/>
+              <a:sym typeface="Arial"/>
+            </a:endParaRPr>
+          </a:p>
+          <a:p>
+            <a:pPr marL="0" lvl="0" indent="0" algn="l" rtl="0">
+              <a:spcBef>
+                <a:spcPts val="1200"/>
+              </a:spcBef>
+              <a:spcAft>
+                <a:spcPts val="0"/>
+              </a:spcAft>
+              <a:buNone/>
+            </a:pPr>
+            <a:r>
+              <a:rPr lang="en" sz="1800"/>
+              <a:t>Bean Counter is a coin counter service. It will analyze an image of coins and return the total value of the coins in the image. It works only on US Mint issued coined and does not recognize any denomination above a quarter dollar coin. It also assumes that the picture contains a quarter. The quarter is used to calibrate the size of the coins. It is implemented following the Scaling-Container pattern.</a:t>
+            </a:r>
+            <a:endParaRPr sz="1800"/>
+          </a:p>
+          <a:p>
+            <a:pPr marL="0" lvl="0" indent="0" algn="l" rtl="0">
+              <a:spcBef>
+                <a:spcPts val="800"/>
+              </a:spcBef>
+              <a:spcAft>
+                <a:spcPts val="0"/>
+              </a:spcAft>
+              <a:buNone/>
+            </a:pPr>
+            <a:r>
+              <a:rPr lang="en" sz="1800"/>
+              <a:t>In typical usage, a user navigates to the URL of the ALB on the browser and enters the URL for the service along with the location of the image file containing the picture of the coins. The Bean-Counter service then invokes the Fargate Task and returns the response to the browser.</a:t>
+            </a:r>
+            <a:endParaRPr sz="1800"/>
+          </a:p>
+        </p:txBody>
+      </p:sp>
+      <p:sp>
+        <p:nvSpPr>
+          <p:cNvPr id="393" name="Google Shape;393;p39"/>
+          <p:cNvSpPr txBox="1"/>
+          <p:nvPr/>
+        </p:nvSpPr>
+        <p:spPr>
+          <a:xfrm>
+            <a:off x="1853050" y="4395150"/>
+            <a:ext cx="5429400" cy="320400"/>
+          </a:xfrm>
+          <a:prstGeom prst="rect">
+            <a:avLst/>
+          </a:prstGeom>
+          <a:noFill/>
+          <a:ln>
+            <a:noFill/>
+          </a:ln>
+        </p:spPr>
+        <p:txBody>
+          <a:bodyPr spcFirstLastPara="1" wrap="square" lIns="91425" tIns="91425" rIns="91425" bIns="91425" anchor="t" anchorCtr="0">
+            <a:noAutofit/>
+          </a:bodyPr>
+          <a:lstStyle/>
+          <a:p>
+            <a:pPr marL="0" lvl="0" indent="0" algn="ctr" rtl="0">
+              <a:spcBef>
+                <a:spcPts val="0"/>
+              </a:spcBef>
+              <a:spcAft>
+                <a:spcPts val="0"/>
+              </a:spcAft>
+              <a:buNone/>
+            </a:pPr>
+            <a:r>
+              <a:rPr lang="en">
+                <a:latin typeface="Oswald"/>
+                <a:ea typeface="Oswald"/>
+                <a:cs typeface="Oswald"/>
+                <a:sym typeface="Oswald"/>
+              </a:rPr>
+              <a:t>See the </a:t>
+            </a:r>
+            <a:r>
+              <a:rPr lang="en" u="sng">
+                <a:solidFill>
+                  <a:schemeClr val="hlink"/>
+                </a:solidFill>
+                <a:latin typeface="Oswald"/>
+                <a:ea typeface="Oswald"/>
+                <a:cs typeface="Oswald"/>
+                <a:sym typeface="Oswald"/>
+                <a:hlinkClick r:id="rId3"/>
+              </a:rPr>
+              <a:t>http://bit.ly/bean-counter</a:t>
+            </a:r>
+            <a:r>
+              <a:rPr lang="en">
+                <a:latin typeface="Oswald"/>
+                <a:ea typeface="Oswald"/>
+                <a:cs typeface="Oswald"/>
+                <a:sym typeface="Oswald"/>
+              </a:rPr>
+              <a:t> subproject in </a:t>
+            </a:r>
+            <a:r>
+              <a:rPr lang="en" u="sng">
+                <a:solidFill>
+                  <a:schemeClr val="hlink"/>
+                </a:solidFill>
+                <a:latin typeface="Oswald"/>
+                <a:ea typeface="Oswald"/>
+                <a:cs typeface="Oswald"/>
+                <a:sym typeface="Oswald"/>
+                <a:hlinkClick r:id="rId4"/>
+              </a:rPr>
+              <a:t>http://bit.ly/fargatepatterns</a:t>
+            </a:r>
+            <a:r>
+              <a:rPr lang="en">
+                <a:latin typeface="Oswald"/>
+                <a:ea typeface="Oswald"/>
+                <a:cs typeface="Oswald"/>
+                <a:sym typeface="Oswald"/>
+              </a:rPr>
+              <a:t> </a:t>
             </a:r>
             <a:endParaRPr>
               <a:latin typeface="Oswald"/>
@@ -39949,279 +39953,6 @@
   <p:cSld>
     <p:spTree>
       <p:nvGrpSpPr>
-        <p:cNvPr id="1" name="Shape 390"/>
-        <p:cNvGrpSpPr/>
-        <p:nvPr/>
-      </p:nvGrpSpPr>
-      <p:grpSpPr>
-        <a:xfrm>
-          <a:off x="0" y="0"/>
-          <a:ext cx="0" cy="0"/>
-          <a:chOff x="0" y="0"/>
-          <a:chExt cx="0" cy="0"/>
-        </a:xfrm>
-      </p:grpSpPr>
-      <p:sp>
-        <p:nvSpPr>
-          <p:cNvPr id="391" name="Google Shape;391;p39"/>
-          <p:cNvSpPr txBox="1">
-            <a:spLocks noGrp="1"/>
-          </p:cNvSpPr>
-          <p:nvPr>
-            <p:ph type="title"/>
-          </p:nvPr>
-        </p:nvSpPr>
-        <p:spPr>
-          <a:xfrm>
-            <a:off x="311700" y="179350"/>
-            <a:ext cx="8520600" cy="572700"/>
-          </a:xfrm>
-          <a:prstGeom prst="rect">
-            <a:avLst/>
-          </a:prstGeom>
-        </p:spPr>
-        <p:txBody>
-          <a:bodyPr spcFirstLastPara="1" wrap="square" lIns="68575" tIns="34275" rIns="68575" bIns="34275" anchor="ctr" anchorCtr="0">
-            <a:noAutofit/>
-          </a:bodyPr>
-          <a:lstStyle/>
-          <a:p>
-            <a:pPr marL="0" lvl="0" indent="0" algn="l" rtl="0">
-              <a:spcBef>
-                <a:spcPts val="0"/>
-              </a:spcBef>
-              <a:spcAft>
-                <a:spcPts val="0"/>
-              </a:spcAft>
-              <a:buNone/>
-            </a:pPr>
-            <a:r>
-              <a:rPr lang="en" sz="3100"/>
-              <a:t>Scaling Container Pattern - Example</a:t>
-            </a:r>
-            <a:endParaRPr sz="3100"/>
-          </a:p>
-        </p:txBody>
-      </p:sp>
-      <p:sp>
-        <p:nvSpPr>
-          <p:cNvPr id="392" name="Google Shape;392;p39"/>
-          <p:cNvSpPr txBox="1">
-            <a:spLocks noGrp="1"/>
-          </p:cNvSpPr>
-          <p:nvPr>
-            <p:ph type="body" idx="1"/>
-          </p:nvPr>
-        </p:nvSpPr>
-        <p:spPr>
-          <a:xfrm>
-            <a:off x="311700" y="752050"/>
-            <a:ext cx="8520600" cy="3531600"/>
-          </a:xfrm>
-          <a:prstGeom prst="rect">
-            <a:avLst/>
-          </a:prstGeom>
-        </p:spPr>
-        <p:txBody>
-          <a:bodyPr spcFirstLastPara="1" wrap="square" lIns="68575" tIns="34275" rIns="68575" bIns="34275" anchor="t" anchorCtr="0">
-            <a:noAutofit/>
-          </a:bodyPr>
-          <a:lstStyle/>
-          <a:p>
-            <a:pPr marL="0" lvl="0" indent="0" algn="l" rtl="0">
-              <a:lnSpc>
-                <a:spcPct val="125000"/>
-              </a:lnSpc>
-              <a:spcBef>
-                <a:spcPts val="1800"/>
-              </a:spcBef>
-              <a:spcAft>
-                <a:spcPts val="0"/>
-              </a:spcAft>
-              <a:buNone/>
-            </a:pPr>
-            <a:r>
-              <a:rPr lang="en" sz="1650" b="1">
-                <a:solidFill>
-                  <a:srgbClr val="24292E"/>
-                </a:solidFill>
-                <a:latin typeface="Arial"/>
-                <a:ea typeface="Arial"/>
-                <a:cs typeface="Arial"/>
-                <a:sym typeface="Arial"/>
-              </a:rPr>
-              <a:t>Bean-counter - A Coin-counter Service</a:t>
-            </a:r>
-            <a:endParaRPr sz="1650" b="1">
-              <a:solidFill>
-                <a:srgbClr val="24292E"/>
-              </a:solidFill>
-              <a:latin typeface="Arial"/>
-              <a:ea typeface="Arial"/>
-              <a:cs typeface="Arial"/>
-              <a:sym typeface="Arial"/>
-            </a:endParaRPr>
-          </a:p>
-          <a:p>
-            <a:pPr marL="0" lvl="0" indent="0" algn="l" rtl="0">
-              <a:spcBef>
-                <a:spcPts val="1200"/>
-              </a:spcBef>
-              <a:spcAft>
-                <a:spcPts val="0"/>
-              </a:spcAft>
-              <a:buNone/>
-            </a:pPr>
-            <a:r>
-              <a:rPr lang="en" sz="1800"/>
-              <a:t>Bean Counter is a coin counter service. It will analyze an image of coins and return the total value of the coins in the image. It works only on US Mint issued coined and does not recognize any denomination above a quarter dollar coin. It also assumes that the picture contains a quarter. The quarter is used to calibrate the size of the coins. It is implemented following the Scaling-Container pattern.</a:t>
-            </a:r>
-            <a:endParaRPr sz="1800"/>
-          </a:p>
-          <a:p>
-            <a:pPr marL="0" lvl="0" indent="0" algn="l" rtl="0">
-              <a:spcBef>
-                <a:spcPts val="800"/>
-              </a:spcBef>
-              <a:spcAft>
-                <a:spcPts val="0"/>
-              </a:spcAft>
-              <a:buNone/>
-            </a:pPr>
-            <a:r>
-              <a:rPr lang="en" sz="1800"/>
-              <a:t>In typical usage, a user navigates to the URL of the ALB on the browser and enters the URL for the service along with the location of the image file containing the picture of the coins. The Bean-Counter service then invokes the Fargate Task and returns the response to the browser.</a:t>
-            </a:r>
-            <a:endParaRPr sz="1800"/>
-          </a:p>
-        </p:txBody>
-      </p:sp>
-      <p:sp>
-        <p:nvSpPr>
-          <p:cNvPr id="393" name="Google Shape;393;p39"/>
-          <p:cNvSpPr txBox="1"/>
-          <p:nvPr/>
-        </p:nvSpPr>
-        <p:spPr>
-          <a:xfrm>
-            <a:off x="1853050" y="4395150"/>
-            <a:ext cx="5429400" cy="320400"/>
-          </a:xfrm>
-          <a:prstGeom prst="rect">
-            <a:avLst/>
-          </a:prstGeom>
-          <a:noFill/>
-          <a:ln>
-            <a:noFill/>
-          </a:ln>
-        </p:spPr>
-        <p:txBody>
-          <a:bodyPr spcFirstLastPara="1" wrap="square" lIns="91425" tIns="91425" rIns="91425" bIns="91425" anchor="t" anchorCtr="0">
-            <a:noAutofit/>
-          </a:bodyPr>
-          <a:lstStyle/>
-          <a:p>
-            <a:pPr marL="0" lvl="0" indent="0" algn="ctr" rtl="0">
-              <a:spcBef>
-                <a:spcPts val="0"/>
-              </a:spcBef>
-              <a:spcAft>
-                <a:spcPts val="0"/>
-              </a:spcAft>
-              <a:buNone/>
-            </a:pPr>
-            <a:r>
-              <a:rPr lang="en">
-                <a:latin typeface="Oswald"/>
-                <a:ea typeface="Oswald"/>
-                <a:cs typeface="Oswald"/>
-                <a:sym typeface="Oswald"/>
-              </a:rPr>
-              <a:t>See the </a:t>
-            </a:r>
-            <a:r>
-              <a:rPr lang="en" u="sng">
-                <a:solidFill>
-                  <a:schemeClr val="hlink"/>
-                </a:solidFill>
-                <a:latin typeface="Oswald"/>
-                <a:ea typeface="Oswald"/>
-                <a:cs typeface="Oswald"/>
-                <a:sym typeface="Oswald"/>
-                <a:hlinkClick r:id="rId3"/>
-              </a:rPr>
-              <a:t>http://bit.ly/bean-counter</a:t>
-            </a:r>
-            <a:r>
-              <a:rPr lang="en">
-                <a:latin typeface="Oswald"/>
-                <a:ea typeface="Oswald"/>
-                <a:cs typeface="Oswald"/>
-                <a:sym typeface="Oswald"/>
-              </a:rPr>
-              <a:t> subproject in </a:t>
-            </a:r>
-            <a:r>
-              <a:rPr lang="en" u="sng">
-                <a:solidFill>
-                  <a:schemeClr val="hlink"/>
-                </a:solidFill>
-                <a:latin typeface="Oswald"/>
-                <a:ea typeface="Oswald"/>
-                <a:cs typeface="Oswald"/>
-                <a:sym typeface="Oswald"/>
-                <a:hlinkClick r:id="rId4"/>
-              </a:rPr>
-              <a:t>http://bit.ly/fargatepatterns</a:t>
-            </a:r>
-            <a:r>
-              <a:rPr lang="en">
-                <a:latin typeface="Oswald"/>
-                <a:ea typeface="Oswald"/>
-                <a:cs typeface="Oswald"/>
-                <a:sym typeface="Oswald"/>
-              </a:rPr>
-              <a:t> </a:t>
-            </a:r>
-            <a:endParaRPr>
-              <a:latin typeface="Oswald"/>
-              <a:ea typeface="Oswald"/>
-              <a:cs typeface="Oswald"/>
-              <a:sym typeface="Oswald"/>
-            </a:endParaRPr>
-          </a:p>
-          <a:p>
-            <a:pPr marL="0" lvl="0" indent="0" algn="l" rtl="0">
-              <a:spcBef>
-                <a:spcPts val="0"/>
-              </a:spcBef>
-              <a:spcAft>
-                <a:spcPts val="0"/>
-              </a:spcAft>
-              <a:buNone/>
-            </a:pPr>
-            <a:endParaRPr>
-              <a:latin typeface="Calibri"/>
-              <a:ea typeface="Calibri"/>
-              <a:cs typeface="Calibri"/>
-              <a:sym typeface="Calibri"/>
-            </a:endParaRPr>
-          </a:p>
-        </p:txBody>
-      </p:sp>
-    </p:spTree>
-  </p:cSld>
-  <p:clrMapOvr>
-    <a:masterClrMapping/>
-  </p:clrMapOvr>
-</p:sld>
-</file>
-
-<file path=ppt/slides/slide21.xml><?xml version="1.0" encoding="utf-8"?>
-<p:sld xmlns:a="http://schemas.openxmlformats.org/drawingml/2006/main" xmlns:r="http://schemas.openxmlformats.org/officeDocument/2006/relationships" xmlns:p="http://schemas.openxmlformats.org/presentationml/2006/main">
-  <p:cSld>
-    <p:spTree>
-      <p:nvGrpSpPr>
         <p:cNvPr id="1" name="Shape 397"/>
         <p:cNvGrpSpPr/>
         <p:nvPr/>
@@ -40311,14 +40042,78 @@
               <a:buNone/>
             </a:pPr>
             <a:r>
-              <a:rPr lang="en" sz="1800">
+              <a:rPr lang="en" sz="1800" dirty="0">
                 <a:solidFill>
                   <a:srgbClr val="24292E"/>
                 </a:solidFill>
               </a:rPr>
-              <a:t>Services require orthogonal technical capabilities, such as monitoring, logging, configuration, and networking services. While the components encapsulating these orthogonal capabilities can be integrated into the main service, it will leave the main service exposed to the vagaries of these components. For instance, they will not be well isolated, and an outage in one of these components can affect other components or the entire service. Also integrating them into one component means they must be implemented using the same language as the parent service. As a result, the component and the main service have close interdependence on each other.</a:t>
+              <a:t>Services require orthogonal technical capabilities, such as </a:t>
             </a:r>
-            <a:endParaRPr sz="1800">
+            <a:r>
+              <a:rPr lang="en" sz="1800" b="1" dirty="0">
+                <a:solidFill>
+                  <a:srgbClr val="24292E"/>
+                </a:solidFill>
+              </a:rPr>
+              <a:t>monitoring</a:t>
+            </a:r>
+            <a:r>
+              <a:rPr lang="en" sz="1800" dirty="0">
+                <a:solidFill>
+                  <a:srgbClr val="24292E"/>
+                </a:solidFill>
+              </a:rPr>
+              <a:t>, </a:t>
+            </a:r>
+            <a:r>
+              <a:rPr lang="en" sz="1800" b="1" dirty="0">
+                <a:solidFill>
+                  <a:srgbClr val="24292E"/>
+                </a:solidFill>
+              </a:rPr>
+              <a:t>logging</a:t>
+            </a:r>
+            <a:r>
+              <a:rPr lang="en" sz="1800" dirty="0">
+                <a:solidFill>
+                  <a:srgbClr val="24292E"/>
+                </a:solidFill>
+              </a:rPr>
+              <a:t>, </a:t>
+            </a:r>
+            <a:r>
+              <a:rPr lang="en" sz="1800" b="1" dirty="0">
+                <a:solidFill>
+                  <a:srgbClr val="24292E"/>
+                </a:solidFill>
+              </a:rPr>
+              <a:t>configuration</a:t>
+            </a:r>
+            <a:r>
+              <a:rPr lang="en" sz="1800" dirty="0">
+                <a:solidFill>
+                  <a:srgbClr val="24292E"/>
+                </a:solidFill>
+              </a:rPr>
+              <a:t>, and </a:t>
+            </a:r>
+            <a:r>
+              <a:rPr lang="en" sz="1800" b="1" dirty="0">
+                <a:solidFill>
+                  <a:srgbClr val="24292E"/>
+                </a:solidFill>
+              </a:rPr>
+              <a:t>security</a:t>
+            </a:r>
+            <a:r>
+              <a:rPr lang="en" sz="1800" dirty="0">
+                <a:solidFill>
+                  <a:srgbClr val="24292E"/>
+                </a:solidFill>
+              </a:rPr>
+              <a:t> services. While the components encapsulating these orthogonal capabilities can be integrated into the main service, it will leave the main service exposed to the vagaries of these components. For instance, they will not be well isolated, and an outage in one of these components can affect other components or the entire service. Also integrating them into one component means they must be implemented using the same language as the parent service. As a result, the component and the main service have close interdependence on each other.</a:t>
+            </a:r>
+            <a:endParaRPr sz="1800" dirty="0">
               <a:solidFill>
                 <a:srgbClr val="24292E"/>
               </a:solidFill>
@@ -40335,14 +40130,14 @@
               <a:buNone/>
             </a:pPr>
             <a:r>
-              <a:rPr lang="en" sz="1800">
+              <a:rPr lang="en" sz="1800" dirty="0">
                 <a:solidFill>
                   <a:srgbClr val="24292E"/>
                 </a:solidFill>
               </a:rPr>
               <a:t>One option is to deploy these orthogonal components as separate services allowing each component to have its own life-cycle and be built using different languages. While this gives more flexibility, deploying these features as separate services can add latency to the application.</a:t>
             </a:r>
-            <a:endParaRPr sz="1800">
+            <a:endParaRPr sz="1800" dirty="0">
               <a:solidFill>
                 <a:srgbClr val="24292E"/>
               </a:solidFill>
@@ -40358,7 +40153,7 @@
               </a:spcAft>
               <a:buNone/>
             </a:pPr>
-            <a:endParaRPr sz="1400">
+            <a:endParaRPr sz="1400" dirty="0">
               <a:solidFill>
                 <a:srgbClr val="24292E"/>
               </a:solidFill>
@@ -40374,7 +40169,7 @@
               </a:spcAft>
               <a:buNone/>
             </a:pPr>
-            <a:endParaRPr sz="1400">
+            <a:endParaRPr sz="1400" dirty="0">
               <a:solidFill>
                 <a:srgbClr val="24292E"/>
               </a:solidFill>
@@ -40390,7 +40185,7 @@
 </p:sld>
 </file>
 
-<file path=ppt/slides/slide22.xml><?xml version="1.0" encoding="utf-8"?>
+<file path=ppt/slides/slide21.xml><?xml version="1.0" encoding="utf-8"?>
 <p:sld xmlns:a="http://schemas.openxmlformats.org/drawingml/2006/main" xmlns:r="http://schemas.openxmlformats.org/officeDocument/2006/relationships" xmlns:p="http://schemas.openxmlformats.org/presentationml/2006/main">
   <p:cSld>
     <p:spTree>
@@ -40512,10 +40307,30 @@
               <a:buNone/>
             </a:pPr>
             <a:r>
-              <a:rPr lang="en" sz="1800"/>
-              <a:t>Co-deploy the orthogonal components along with the main service by placing them in their own containers. Containers in a task are co-deployed together in the same host thereby not affecting the latency of the service significantly for the communication between them. </a:t>
+              <a:rPr lang="en" sz="1800" i="1" dirty="0"/>
+              <a:t>Co-deploy</a:t>
             </a:r>
-            <a:endParaRPr sz="1800"/>
+            <a:r>
+              <a:rPr lang="en" sz="1800" dirty="0"/>
+              <a:t> the orthogonal components along with the main service by placing them in their own containers. </a:t>
+            </a:r>
+            <a:r>
+              <a:rPr lang="en" sz="1800" b="1" dirty="0"/>
+              <a:t>Containers in a task are co-deployed together</a:t>
+            </a:r>
+            <a:r>
+              <a:rPr lang="en" sz="1800" dirty="0"/>
+              <a:t> </a:t>
+            </a:r>
+            <a:r>
+              <a:rPr lang="en" sz="1800" b="1" dirty="0"/>
+              <a:t>in the same host </a:t>
+            </a:r>
+            <a:r>
+              <a:rPr lang="en" sz="1800" dirty="0"/>
+              <a:t>thereby not affecting the latency of the service significantly for the communication between them. </a:t>
+            </a:r>
+            <a:endParaRPr sz="1800" dirty="0"/>
           </a:p>
           <a:p>
             <a:pPr marL="0" lvl="0" indent="0" algn="l" rtl="0">
@@ -40528,10 +40343,10 @@
               <a:buNone/>
             </a:pPr>
             <a:r>
-              <a:rPr lang="en" sz="1800"/>
+              <a:rPr lang="en" sz="1800" dirty="0"/>
               <a:t>As a result of this co-deployment, the sidecar and the main service can access the same resources. This allows the sidecar to monitor system resources used by both the sidecar and the primary service.</a:t>
             </a:r>
-            <a:endParaRPr sz="1800"/>
+            <a:endParaRPr sz="1800" dirty="0"/>
           </a:p>
         </p:txBody>
       </p:sp>
@@ -40543,7 +40358,7 @@
 </p:sld>
 </file>
 
-<file path=ppt/slides/slide23.xml><?xml version="1.0" encoding="utf-8"?>
+<file path=ppt/slides/slide22.xml><?xml version="1.0" encoding="utf-8"?>
 <p:sld xmlns:a="http://schemas.openxmlformats.org/drawingml/2006/main" xmlns:r="http://schemas.openxmlformats.org/officeDocument/2006/relationships" xmlns:p="http://schemas.openxmlformats.org/presentationml/2006/main">
   <p:cSld>
     <p:spTree>
@@ -41054,10 +40869,18 @@
               <a:buNone/>
             </a:pPr>
             <a:r>
-              <a:rPr lang="en" sz="1800"/>
-              <a:t>Put simply, AWS Fargate is a managed, compute engine provided by AWS to run your containers without having to worry about managing a cluster of servers. You don't have to choose server types, upgrade or patch servers or optimize container packing on your clusters.</a:t>
+              <a:rPr lang="en" sz="1800" dirty="0"/>
+              <a:t>Put simply, AWS </a:t>
             </a:r>
-            <a:endParaRPr sz="1800"/>
+            <a:r>
+              <a:rPr lang="en" sz="1800" dirty="0" err="1"/>
+              <a:t>Fargate</a:t>
+            </a:r>
+            <a:r>
+              <a:rPr lang="en" sz="1800" dirty="0"/>
+              <a:t> is a container management solution provided by AWS to run your containers without having to worry about managing a cluster of servers. You don't have to choose server types, upgrade or patch servers or optimize container packing on your clusters.</a:t>
+            </a:r>
+            <a:endParaRPr sz="1800" dirty="0"/>
           </a:p>
           <a:p>
             <a:pPr marL="0" lvl="0" indent="0" algn="l" rtl="0">
@@ -41070,10 +40893,26 @@
               <a:buNone/>
             </a:pPr>
             <a:r>
-              <a:rPr lang="en" sz="1800"/>
-              <a:t>With Fargate, you package your application in containers, specify the CPU and memory requirements, define networking and IAM policies, and launch the application. Fargate takes care of provisioning enough compute resources for your containers to scale out or scale them in when they are not utilized.</a:t>
+              <a:rPr lang="en" sz="1800" dirty="0"/>
+              <a:t>With </a:t>
             </a:r>
-            <a:endParaRPr sz="1800"/>
+            <a:r>
+              <a:rPr lang="en" sz="1800" dirty="0" err="1"/>
+              <a:t>Fargate</a:t>
+            </a:r>
+            <a:r>
+              <a:rPr lang="en" sz="1800" dirty="0"/>
+              <a:t>, you package your application in containers, specify the CPU and memory requirements, define networking and IAM policies, and launch the application. </a:t>
+            </a:r>
+            <a:r>
+              <a:rPr lang="en" sz="1800" dirty="0" err="1"/>
+              <a:t>Fargate</a:t>
+            </a:r>
+            <a:r>
+              <a:rPr lang="en" sz="1800" dirty="0"/>
+              <a:t> takes care of provisioning enough compute resources for your containers to scale out or scale them in when they are not utilized.</a:t>
+            </a:r>
+            <a:endParaRPr sz="1800" dirty="0"/>
           </a:p>
           <a:p>
             <a:pPr marL="0" lvl="0" indent="0" algn="l" rtl="0">
@@ -41086,10 +40925,18 @@
               <a:buNone/>
             </a:pPr>
             <a:r>
-              <a:rPr lang="en" sz="1800"/>
-              <a:t>If you are used to traditional container management, you will really appreciate Fargate allowing you to focus on the ‘Dev’ part of designing and building your applications and reduce the ‘Ops’ part of managing infrastructure from your ‘DevOps’ responsibilities.</a:t>
+              <a:rPr lang="en" sz="1800" dirty="0"/>
+              <a:t>If you are used to traditional container management, you will really appreciate </a:t>
             </a:r>
-            <a:endParaRPr sz="1800"/>
+            <a:r>
+              <a:rPr lang="en" sz="1800" dirty="0" err="1"/>
+              <a:t>Fargate</a:t>
+            </a:r>
+            <a:r>
+              <a:rPr lang="en" sz="1800" dirty="0"/>
+              <a:t> allowing you to focus on the ‘Dev’ part of designing and building your applications and reduce the ‘Ops’ part of managing infrastructure from your ‘DevOps’ responsibilities.</a:t>
+            </a:r>
+            <a:endParaRPr sz="1800" dirty="0"/>
           </a:p>
         </p:txBody>
       </p:sp>
@@ -41171,216 +41018,6 @@
 </file>
 
 <file path=ppt/slides/slide5.xml><?xml version="1.0" encoding="utf-8"?>
-<p:sld xmlns:a="http://schemas.openxmlformats.org/drawingml/2006/main" xmlns:r="http://schemas.openxmlformats.org/officeDocument/2006/relationships" xmlns:p="http://schemas.openxmlformats.org/presentationml/2006/main">
-  <p:cSld>
-    <p:spTree>
-      <p:nvGrpSpPr>
-        <p:cNvPr id="1" name="Shape 266"/>
-        <p:cNvGrpSpPr/>
-        <p:nvPr/>
-      </p:nvGrpSpPr>
-      <p:grpSpPr>
-        <a:xfrm>
-          <a:off x="0" y="0"/>
-          <a:ext cx="0" cy="0"/>
-          <a:chOff x="0" y="0"/>
-          <a:chExt cx="0" cy="0"/>
-        </a:xfrm>
-      </p:grpSpPr>
-      <p:sp>
-        <p:nvSpPr>
-          <p:cNvPr id="267" name="Google Shape;267;p24"/>
-          <p:cNvSpPr txBox="1">
-            <a:spLocks noGrp="1"/>
-          </p:cNvSpPr>
-          <p:nvPr>
-            <p:ph type="title"/>
-          </p:nvPr>
-        </p:nvSpPr>
-        <p:spPr>
-          <a:xfrm>
-            <a:off x="311700" y="159275"/>
-            <a:ext cx="8520600" cy="572700"/>
-          </a:xfrm>
-          <a:prstGeom prst="rect">
-            <a:avLst/>
-          </a:prstGeom>
-        </p:spPr>
-        <p:txBody>
-          <a:bodyPr spcFirstLastPara="1" wrap="square" lIns="68575" tIns="34275" rIns="68575" bIns="34275" anchor="ctr" anchorCtr="0">
-            <a:noAutofit/>
-          </a:bodyPr>
-          <a:lstStyle/>
-          <a:p>
-            <a:pPr marL="0" lvl="0" indent="0" algn="l" rtl="0">
-              <a:spcBef>
-                <a:spcPts val="0"/>
-              </a:spcBef>
-              <a:spcAft>
-                <a:spcPts val="0"/>
-              </a:spcAft>
-              <a:buNone/>
-            </a:pPr>
-            <a:r>
-              <a:rPr lang="en"/>
-              <a:t>What is AWS Fargate?</a:t>
-            </a:r>
-            <a:endParaRPr/>
-          </a:p>
-        </p:txBody>
-      </p:sp>
-      <p:sp>
-        <p:nvSpPr>
-          <p:cNvPr id="268" name="Google Shape;268;p24"/>
-          <p:cNvSpPr txBox="1">
-            <a:spLocks noGrp="1"/>
-          </p:cNvSpPr>
-          <p:nvPr>
-            <p:ph type="body" idx="1"/>
-          </p:nvPr>
-        </p:nvSpPr>
-        <p:spPr>
-          <a:xfrm>
-            <a:off x="311700" y="867135"/>
-            <a:ext cx="8520600" cy="3416400"/>
-          </a:xfrm>
-          <a:prstGeom prst="rect">
-            <a:avLst/>
-          </a:prstGeom>
-        </p:spPr>
-        <p:txBody>
-          <a:bodyPr spcFirstLastPara="1" wrap="square" lIns="68575" tIns="34275" rIns="68575" bIns="34275" anchor="t" anchorCtr="0">
-            <a:noAutofit/>
-          </a:bodyPr>
-          <a:lstStyle/>
-          <a:p>
-            <a:pPr marL="0" lvl="0" indent="0" algn="l" rtl="0">
-              <a:spcBef>
-                <a:spcPts val="800"/>
-              </a:spcBef>
-              <a:spcAft>
-                <a:spcPts val="0"/>
-              </a:spcAft>
-              <a:buNone/>
-            </a:pPr>
-            <a:r>
-              <a:rPr lang="en" sz="1800"/>
-              <a:t>Put simply, AWS Fargate is a managed, compute engine provided by AWS to run your containers without having to worry about managing a cluster of servers. You don't have to choose server types, upgrade or patch servers or optimize container packing on your clusters.</a:t>
-            </a:r>
-            <a:endParaRPr sz="1800"/>
-          </a:p>
-          <a:p>
-            <a:pPr marL="0" lvl="0" indent="0" algn="l" rtl="0">
-              <a:spcBef>
-                <a:spcPts val="800"/>
-              </a:spcBef>
-              <a:spcAft>
-                <a:spcPts val="0"/>
-              </a:spcAft>
-              <a:buNone/>
-            </a:pPr>
-            <a:r>
-              <a:rPr lang="en" sz="1800"/>
-              <a:t>With Fargate, you package your application in containers, specify the CPU and memory requirements, define networking and IAM policies, and launch the application. Fargate takes care of provisioning enough compute resources for your containers to scale out or scale them in when they are not utilized.</a:t>
-            </a:r>
-            <a:endParaRPr sz="1800"/>
-          </a:p>
-          <a:p>
-            <a:pPr marL="0" lvl="0" indent="0" algn="l" rtl="0">
-              <a:spcBef>
-                <a:spcPts val="800"/>
-              </a:spcBef>
-              <a:spcAft>
-                <a:spcPts val="0"/>
-              </a:spcAft>
-              <a:buNone/>
-            </a:pPr>
-            <a:r>
-              <a:rPr lang="en" sz="1800"/>
-              <a:t>If you are used to traditional container management, you will really appreciate Fargate allowing you to focus on the ‘Dev’ part of designing and building your applications and reduce the ‘Ops’ part of managing infrastructure from your ‘DevOps’ responsibilities.</a:t>
-            </a:r>
-            <a:endParaRPr sz="1800"/>
-          </a:p>
-        </p:txBody>
-      </p:sp>
-      <p:sp>
-        <p:nvSpPr>
-          <p:cNvPr id="269" name="Google Shape;269;p24"/>
-          <p:cNvSpPr txBox="1"/>
-          <p:nvPr/>
-        </p:nvSpPr>
-        <p:spPr>
-          <a:xfrm>
-            <a:off x="1143000" y="4455775"/>
-            <a:ext cx="7031100" cy="320400"/>
-          </a:xfrm>
-          <a:prstGeom prst="rect">
-            <a:avLst/>
-          </a:prstGeom>
-          <a:noFill/>
-          <a:ln>
-            <a:noFill/>
-          </a:ln>
-        </p:spPr>
-        <p:txBody>
-          <a:bodyPr spcFirstLastPara="1" wrap="square" lIns="91425" tIns="91425" rIns="91425" bIns="91425" anchor="t" anchorCtr="0">
-            <a:noAutofit/>
-          </a:bodyPr>
-          <a:lstStyle/>
-          <a:p>
-            <a:pPr marL="0" lvl="0" indent="0" algn="ctr" rtl="0">
-              <a:spcBef>
-                <a:spcPts val="0"/>
-              </a:spcBef>
-              <a:spcAft>
-                <a:spcPts val="0"/>
-              </a:spcAft>
-              <a:buNone/>
-            </a:pPr>
-            <a:r>
-              <a:rPr lang="en">
-                <a:latin typeface="Oswald"/>
-                <a:ea typeface="Oswald"/>
-                <a:cs typeface="Oswald"/>
-                <a:sym typeface="Oswald"/>
-              </a:rPr>
-              <a:t>Fargate is a serverless container management solution that runs containers without any EC2 instances</a:t>
-            </a:r>
-            <a:endParaRPr>
-              <a:latin typeface="Oswald"/>
-              <a:ea typeface="Oswald"/>
-              <a:cs typeface="Oswald"/>
-              <a:sym typeface="Oswald"/>
-            </a:endParaRPr>
-          </a:p>
-          <a:p>
-            <a:pPr marL="0" lvl="0" indent="0" algn="l" rtl="0">
-              <a:spcBef>
-                <a:spcPts val="0"/>
-              </a:spcBef>
-              <a:spcAft>
-                <a:spcPts val="0"/>
-              </a:spcAft>
-              <a:buNone/>
-            </a:pPr>
-            <a:endParaRPr>
-              <a:latin typeface="Calibri"/>
-              <a:ea typeface="Calibri"/>
-              <a:cs typeface="Calibri"/>
-              <a:sym typeface="Calibri"/>
-            </a:endParaRPr>
-          </a:p>
-        </p:txBody>
-      </p:sp>
-    </p:spTree>
-  </p:cSld>
-  <p:clrMapOvr>
-    <a:masterClrMapping/>
-  </p:clrMapOvr>
-</p:sld>
-</file>
-
-<file path=ppt/slides/slide6.xml><?xml version="1.0" encoding="utf-8"?>
 <p:sld xmlns:a="http://schemas.openxmlformats.org/drawingml/2006/main" xmlns:r="http://schemas.openxmlformats.org/officeDocument/2006/relationships" xmlns:p="http://schemas.openxmlformats.org/presentationml/2006/main">
   <p:cSld>
     <p:spTree>
@@ -41548,7 +41185,7 @@
               <a:buNone/>
             </a:pPr>
             <a:r>
-              <a:rPr lang="en">
+              <a:rPr lang="en" dirty="0">
                 <a:latin typeface="Oswald"/>
                 <a:ea typeface="Oswald"/>
                 <a:cs typeface="Oswald"/>
@@ -41556,7 +41193,7 @@
               </a:rPr>
               <a:t>With its low maintenance overhead, rapid provisioning &amp; pay-per-use, </a:t>
             </a:r>
-            <a:endParaRPr>
+            <a:endParaRPr dirty="0">
               <a:latin typeface="Oswald"/>
               <a:ea typeface="Oswald"/>
               <a:cs typeface="Oswald"/>
@@ -41574,15 +41211,24 @@
               <a:buNone/>
             </a:pPr>
             <a:r>
-              <a:rPr lang="en">
+              <a:rPr lang="en" dirty="0" err="1">
                 <a:latin typeface="Oswald"/>
                 <a:ea typeface="Oswald"/>
                 <a:cs typeface="Oswald"/>
                 <a:sym typeface="Oswald"/>
               </a:rPr>
-              <a:t>Fargate can save you time, manpower, and money</a:t>
+              <a:t>Fargate</a:t>
             </a:r>
-            <a:endParaRPr>
+            <a:r>
+              <a:rPr lang="en" dirty="0">
+                <a:latin typeface="Oswald"/>
+                <a:ea typeface="Oswald"/>
+                <a:cs typeface="Oswald"/>
+                <a:sym typeface="Oswald"/>
+              </a:rPr>
+              <a:t> can save you time, manpower, and money</a:t>
+            </a:r>
+            <a:endParaRPr dirty="0">
               <a:latin typeface="Oswald"/>
               <a:ea typeface="Oswald"/>
               <a:cs typeface="Oswald"/>
@@ -41599,7 +41245,7 @@
               </a:spcAft>
               <a:buNone/>
             </a:pPr>
-            <a:endParaRPr>
+            <a:endParaRPr dirty="0">
               <a:latin typeface="Calibri"/>
               <a:ea typeface="Calibri"/>
               <a:cs typeface="Calibri"/>
@@ -41616,7 +41262,7 @@
 </p:sld>
 </file>
 
-<file path=ppt/slides/slide7.xml><?xml version="1.0" encoding="utf-8"?>
+<file path=ppt/slides/slide6.xml><?xml version="1.0" encoding="utf-8"?>
 <p:sld xmlns:a="http://schemas.openxmlformats.org/drawingml/2006/main" xmlns:r="http://schemas.openxmlformats.org/officeDocument/2006/relationships" xmlns:p="http://schemas.openxmlformats.org/presentationml/2006/main">
   <p:cSld>
     <p:spTree>
@@ -41710,14 +41356,22 @@
               <a:buNone/>
             </a:pPr>
             <a:r>
-              <a:rPr lang="en" sz="1800" b="1"/>
+              <a:rPr lang="en" sz="1800" b="1" dirty="0"/>
               <a:t>Large workloads, optimized for low overhead</a:t>
             </a:r>
             <a:r>
-              <a:rPr lang="en" sz="1800"/>
-              <a:t> - Managing a large cluster requires patching, upgrading, securing and rehydrating constantly. AWS takes care of this for the servers used by Fargate.</a:t>
+              <a:rPr lang="en" sz="1800" dirty="0"/>
+              <a:t> - Managing a large cluster requires patching, upgrading, securing and rehydrating constantly. AWS takes care of this for the servers used by </a:t>
             </a:r>
-            <a:endParaRPr sz="1800"/>
+            <a:r>
+              <a:rPr lang="en" sz="1800" dirty="0" err="1"/>
+              <a:t>Fargate</a:t>
+            </a:r>
+            <a:r>
+              <a:rPr lang="en" sz="1800" dirty="0"/>
+              <a:t>.</a:t>
+            </a:r>
+            <a:endParaRPr sz="1800" dirty="0"/>
           </a:p>
           <a:p>
             <a:pPr marL="0" lvl="0" indent="0" algn="l" rtl="0">
@@ -41730,14 +41384,22 @@
               <a:buNone/>
             </a:pPr>
             <a:r>
-              <a:rPr lang="en" sz="1800" b="1"/>
+              <a:rPr lang="en" sz="1800" b="1" dirty="0"/>
               <a:t>Small workloads, with occasional bursts</a:t>
             </a:r>
             <a:r>
-              <a:rPr lang="en" sz="1800"/>
-              <a:t> - Workloads such as website traffic does not fully utilize the compute &amp; memory you pay for. With Fargate you can scale down to a minimum number of instances when utilization is low (such as night time) and scale up as needed during core business hours.</a:t>
+              <a:rPr lang="en" sz="1800" dirty="0"/>
+              <a:t> - Workloads such as website traffic does not fully utilize the compute &amp; memory you pay for. With </a:t>
             </a:r>
-            <a:endParaRPr sz="1800"/>
+            <a:r>
+              <a:rPr lang="en" sz="1800" dirty="0" err="1"/>
+              <a:t>Fargate</a:t>
+            </a:r>
+            <a:r>
+              <a:rPr lang="en" sz="1800" dirty="0"/>
+              <a:t> you can scale down to a minimum number of instances when utilization is low (such as night time) and scale up as needed during core business hours.</a:t>
+            </a:r>
+            <a:endParaRPr sz="1800" dirty="0"/>
           </a:p>
           <a:p>
             <a:pPr marL="0" lvl="0" indent="0" algn="l" rtl="0">
@@ -41750,14 +41412,22 @@
               <a:buNone/>
             </a:pPr>
             <a:r>
-              <a:rPr lang="en" sz="1800" b="1"/>
+              <a:rPr lang="en" sz="1800" b="1" dirty="0"/>
               <a:t>Tiny workloads</a:t>
             </a:r>
             <a:r>
-              <a:rPr lang="en" sz="1800"/>
-              <a:t> - For proof-of-concepts and test environments, Fargate is a perfect choice to optimize utilization.</a:t>
+              <a:rPr lang="en" sz="1800" dirty="0"/>
+              <a:t> - For proof-of-concepts and test environments, </a:t>
             </a:r>
-            <a:endParaRPr sz="1800"/>
+            <a:r>
+              <a:rPr lang="en" sz="1800" dirty="0" err="1"/>
+              <a:t>Fargate</a:t>
+            </a:r>
+            <a:r>
+              <a:rPr lang="en" sz="1800" dirty="0"/>
+              <a:t> is a perfect choice to optimize utilization.</a:t>
+            </a:r>
+            <a:endParaRPr sz="1800" dirty="0"/>
           </a:p>
           <a:p>
             <a:pPr marL="0" lvl="0" indent="0" algn="l" rtl="0">
@@ -41770,10 +41440,22 @@
               <a:buNone/>
             </a:pPr>
             <a:r>
-              <a:rPr lang="en" sz="1800"/>
-              <a:t>Batch workloads - Loads that are kicked-off on schedules or occasional asynchronous jobs that are event-driven will be a good fit for Fargate.</a:t>
+              <a:rPr lang="en" sz="1800" b="1" dirty="0"/>
+              <a:t>Batch workloads </a:t>
             </a:r>
-            <a:endParaRPr sz="1800"/>
+            <a:r>
+              <a:rPr lang="en" sz="1800" dirty="0"/>
+              <a:t>- Loads that are kicked-off on schedules or occasional asynchronous jobs that are event-driven will be a good fit for </a:t>
+            </a:r>
+            <a:r>
+              <a:rPr lang="en" sz="1800" dirty="0" err="1"/>
+              <a:t>Fargate</a:t>
+            </a:r>
+            <a:r>
+              <a:rPr lang="en" sz="1800" dirty="0"/>
+              <a:t>.</a:t>
+            </a:r>
+            <a:endParaRPr sz="1800" dirty="0"/>
           </a:p>
         </p:txBody>
       </p:sp>
@@ -41854,7 +41536,7 @@
 </p:sld>
 </file>
 
-<file path=ppt/slides/slide8.xml><?xml version="1.0" encoding="utf-8"?>
+<file path=ppt/slides/slide7.xml><?xml version="1.0" encoding="utf-8"?>
 <p:sld xmlns:a="http://schemas.openxmlformats.org/drawingml/2006/main" xmlns:r="http://schemas.openxmlformats.org/officeDocument/2006/relationships" xmlns:p="http://schemas.openxmlformats.org/presentationml/2006/main">
   <p:cSld>
     <p:spTree>
@@ -42167,7 +41849,7 @@
 </p:sld>
 </file>
 
-<file path=ppt/slides/slide9.xml><?xml version="1.0" encoding="utf-8"?>
+<file path=ppt/slides/slide8.xml><?xml version="1.0" encoding="utf-8"?>
 <p:sld xmlns:a="http://schemas.openxmlformats.org/drawingml/2006/main" xmlns:r="http://schemas.openxmlformats.org/officeDocument/2006/relationships" xmlns:p="http://schemas.openxmlformats.org/presentationml/2006/main">
   <p:cSld>
     <p:spTree>
@@ -42239,7 +41921,7 @@
         <p:spPr>
           <a:xfrm>
             <a:off x="311700" y="808250"/>
-            <a:ext cx="5074200" cy="3416400"/>
+            <a:ext cx="5131568" cy="3416400"/>
           </a:xfrm>
           <a:prstGeom prst="rect">
             <a:avLst/>
@@ -42261,18 +41943,26 @@
               <a:buNone/>
             </a:pPr>
             <a:r>
-              <a:rPr lang="en" sz="1800"/>
+              <a:rPr lang="en" sz="1800" dirty="0"/>
               <a:t>A </a:t>
             </a:r>
             <a:r>
-              <a:rPr lang="en" sz="1800" i="1"/>
+              <a:rPr lang="en" sz="1800" i="1" dirty="0"/>
               <a:t>Task</a:t>
             </a:r>
             <a:r>
-              <a:rPr lang="en" sz="1800"/>
-              <a:t> is the smallest deployable unit on Fargate. A Task Definition is used as the blueprint for configuring tasks and each time you launch a task in Amazon ECS.</a:t>
+              <a:rPr lang="en" sz="1800" dirty="0"/>
+              <a:t> is the smallest deployable unit on </a:t>
             </a:r>
-            <a:endParaRPr sz="1800"/>
+            <a:r>
+              <a:rPr lang="en" sz="1800" dirty="0" err="1"/>
+              <a:t>Fargate</a:t>
+            </a:r>
+            <a:r>
+              <a:rPr lang="en" sz="1800" dirty="0"/>
+              <a:t>. A Task Definition is used as the blueprint for configuring tasks and each time you launch a task in Amazon ECS.</a:t>
+            </a:r>
+            <a:endParaRPr sz="1800" dirty="0"/>
           </a:p>
           <a:p>
             <a:pPr marL="0" lvl="0" indent="0" algn="l" rtl="0">
@@ -42285,10 +41975,58 @@
               <a:buNone/>
             </a:pPr>
             <a:r>
-              <a:rPr lang="en" sz="1800"/>
-              <a:t>The Task Definition specifies which container repository and container image you want to use for running your Task. It also specifies the CPU, memory, the roles to use for executing the task. Fargate then knows which Docker image to use for containers, how many containers to use in the task and the resource allocation for each container. </a:t>
+              <a:rPr lang="en" sz="1800" dirty="0"/>
+              <a:t>The Task Definition specifies which </a:t>
             </a:r>
-            <a:endParaRPr sz="1800"/>
+            <a:r>
+              <a:rPr lang="en" sz="1800" b="1" i="1" dirty="0"/>
+              <a:t>container repository</a:t>
+            </a:r>
+            <a:r>
+              <a:rPr lang="en" sz="1800" dirty="0"/>
+              <a:t> and </a:t>
+            </a:r>
+            <a:r>
+              <a:rPr lang="en" sz="1800" b="1" i="1" dirty="0"/>
+              <a:t>container image </a:t>
+            </a:r>
+            <a:r>
+              <a:rPr lang="en" sz="1800" dirty="0"/>
+              <a:t>you want to use for running your Task. It also specifies the </a:t>
+            </a:r>
+            <a:r>
+              <a:rPr lang="en" sz="1800" b="1" i="1" dirty="0"/>
+              <a:t>CPU</a:t>
+            </a:r>
+            <a:r>
+              <a:rPr lang="en" sz="1800" i="1" dirty="0"/>
+              <a:t>, </a:t>
+            </a:r>
+            <a:r>
+              <a:rPr lang="en" sz="1800" b="1" i="1" dirty="0"/>
+              <a:t>memory</a:t>
+            </a:r>
+            <a:r>
+              <a:rPr lang="en" sz="1800" dirty="0"/>
+              <a:t>, the </a:t>
+            </a:r>
+            <a:r>
+              <a:rPr lang="en" sz="1800" b="1" i="1" dirty="0"/>
+              <a:t>roles</a:t>
+            </a:r>
+            <a:r>
+              <a:rPr lang="en" sz="1800" dirty="0"/>
+              <a:t> to use for executing the task. </a:t>
+            </a:r>
+            <a:r>
+              <a:rPr lang="en" sz="1800" dirty="0" err="1"/>
+              <a:t>Fargate</a:t>
+            </a:r>
+            <a:r>
+              <a:rPr lang="en" sz="1800" dirty="0"/>
+              <a:t> then knows which Docker image to use for containers, how many containers to use in the task and the resource allocation for each container. </a:t>
+            </a:r>
+            <a:endParaRPr sz="1800" dirty="0"/>
           </a:p>
         </p:txBody>
       </p:sp>
@@ -42308,8 +42046,8 @@
         </p:blipFill>
         <p:spPr>
           <a:xfrm>
-            <a:off x="5742725" y="594350"/>
-            <a:ext cx="2878250" cy="4343550"/>
+            <a:off x="5506900" y="594350"/>
+            <a:ext cx="3114075" cy="4343550"/>
           </a:xfrm>
           <a:prstGeom prst="rect">
             <a:avLst/>
@@ -42396,6 +42134,194 @@
           </a:p>
         </p:txBody>
       </p:sp>
+    </p:spTree>
+  </p:cSld>
+  <p:clrMapOvr>
+    <a:masterClrMapping/>
+  </p:clrMapOvr>
+</p:sld>
+</file>
+
+<file path=ppt/slides/slide9.xml><?xml version="1.0" encoding="utf-8"?>
+<p:sld xmlns:a="http://schemas.openxmlformats.org/drawingml/2006/main" xmlns:r="http://schemas.openxmlformats.org/officeDocument/2006/relationships" xmlns:p="http://schemas.openxmlformats.org/presentationml/2006/main">
+  <p:cSld>
+    <p:spTree>
+      <p:nvGrpSpPr>
+        <p:cNvPr id="1" name="Shape 302"/>
+        <p:cNvGrpSpPr/>
+        <p:nvPr/>
+      </p:nvGrpSpPr>
+      <p:grpSpPr>
+        <a:xfrm>
+          <a:off x="0" y="0"/>
+          <a:ext cx="0" cy="0"/>
+          <a:chOff x="0" y="0"/>
+          <a:chExt cx="0" cy="0"/>
+        </a:xfrm>
+      </p:grpSpPr>
+      <p:sp>
+        <p:nvSpPr>
+          <p:cNvPr id="303" name="Google Shape;303;p29"/>
+          <p:cNvSpPr txBox="1">
+            <a:spLocks noGrp="1"/>
+          </p:cNvSpPr>
+          <p:nvPr>
+            <p:ph type="title"/>
+          </p:nvPr>
+        </p:nvSpPr>
+        <p:spPr>
+          <a:xfrm>
+            <a:off x="311700" y="179350"/>
+            <a:ext cx="8520600" cy="572700"/>
+          </a:xfrm>
+          <a:prstGeom prst="rect">
+            <a:avLst/>
+          </a:prstGeom>
+        </p:spPr>
+        <p:txBody>
+          <a:bodyPr spcFirstLastPara="1" wrap="square" lIns="68575" tIns="34275" rIns="68575" bIns="34275" anchor="ctr" anchorCtr="0">
+            <a:noAutofit/>
+          </a:bodyPr>
+          <a:lstStyle/>
+          <a:p>
+            <a:pPr marL="0" lvl="0" indent="0" algn="l" rtl="0">
+              <a:spcBef>
+                <a:spcPts val="0"/>
+              </a:spcBef>
+              <a:spcAft>
+                <a:spcPts val="0"/>
+              </a:spcAft>
+              <a:buNone/>
+            </a:pPr>
+            <a:r>
+              <a:rPr lang="en"/>
+              <a:t>Fargate Components - Service</a:t>
+            </a:r>
+            <a:endParaRPr/>
+          </a:p>
+        </p:txBody>
+      </p:sp>
+      <p:sp>
+        <p:nvSpPr>
+          <p:cNvPr id="304" name="Google Shape;304;p29"/>
+          <p:cNvSpPr txBox="1">
+            <a:spLocks noGrp="1"/>
+          </p:cNvSpPr>
+          <p:nvPr>
+            <p:ph type="body" idx="1"/>
+          </p:nvPr>
+        </p:nvSpPr>
+        <p:spPr>
+          <a:xfrm>
+            <a:off x="311700" y="808250"/>
+            <a:ext cx="5766900" cy="4054500"/>
+          </a:xfrm>
+          <a:prstGeom prst="rect">
+            <a:avLst/>
+          </a:prstGeom>
+        </p:spPr>
+        <p:txBody>
+          <a:bodyPr spcFirstLastPara="1" wrap="square" lIns="68575" tIns="34275" rIns="68575" bIns="34275" anchor="t" anchorCtr="0">
+            <a:noAutofit/>
+          </a:bodyPr>
+          <a:lstStyle/>
+          <a:p>
+            <a:pPr marL="0" lvl="0" indent="0" algn="l" rtl="0">
+              <a:spcBef>
+                <a:spcPts val="800"/>
+              </a:spcBef>
+              <a:spcAft>
+                <a:spcPts val="0"/>
+              </a:spcAft>
+              <a:buNone/>
+            </a:pPr>
+            <a:r>
+              <a:rPr lang="en" sz="1800"/>
+              <a:t>Fargate allows you to run and maintain a specified number of instances of a Task Definition simultaneously in an Amazon ECS cluster. This is called a Service. </a:t>
+            </a:r>
+            <a:endParaRPr sz="1800"/>
+          </a:p>
+          <a:p>
+            <a:pPr marL="0" lvl="0" indent="0" algn="l" rtl="0">
+              <a:spcBef>
+                <a:spcPts val="800"/>
+              </a:spcBef>
+              <a:spcAft>
+                <a:spcPts val="0"/>
+              </a:spcAft>
+              <a:buNone/>
+            </a:pPr>
+            <a:r>
+              <a:rPr lang="en" sz="1800"/>
+              <a:t>If any of your tasks should fail or stop for any reason, the Amazon ECS service scheduler launches another instance of your task definition to replace it and maintain the desired count of tasks in the service depending on the scheduling strategy used.</a:t>
+            </a:r>
+            <a:endParaRPr sz="1800"/>
+          </a:p>
+          <a:p>
+            <a:pPr marL="0" lvl="0" indent="0" algn="l" rtl="0">
+              <a:spcBef>
+                <a:spcPts val="800"/>
+              </a:spcBef>
+              <a:spcAft>
+                <a:spcPts val="0"/>
+              </a:spcAft>
+              <a:buNone/>
+            </a:pPr>
+            <a:r>
+              <a:rPr lang="en" sz="1800"/>
+              <a:t>In addition to maintaining the desired count of tasks in your service, you can optionally run your service behind a load balancer. The load balancer distributes traffic across the tasks that are associated with the service.</a:t>
+            </a:r>
+            <a:endParaRPr sz="1800"/>
+          </a:p>
+          <a:p>
+            <a:pPr marL="0" lvl="0" indent="0" algn="l" rtl="0">
+              <a:spcBef>
+                <a:spcPts val="800"/>
+              </a:spcBef>
+              <a:spcAft>
+                <a:spcPts val="0"/>
+              </a:spcAft>
+              <a:buNone/>
+            </a:pPr>
+            <a:endParaRPr sz="1800"/>
+          </a:p>
+        </p:txBody>
+      </p:sp>
+      <p:pic>
+        <p:nvPicPr>
+          <p:cNvPr id="305" name="Google Shape;305;p29"/>
+          <p:cNvPicPr preferRelativeResize="0"/>
+          <p:nvPr/>
+        </p:nvPicPr>
+        <p:blipFill>
+          <a:blip r:embed="rId3">
+            <a:alphaModFix/>
+          </a:blip>
+          <a:stretch>
+            <a:fillRect/>
+          </a:stretch>
+        </p:blipFill>
+        <p:spPr>
+          <a:xfrm>
+            <a:off x="6231025" y="367600"/>
+            <a:ext cx="2506000" cy="4549426"/>
+          </a:xfrm>
+          <a:prstGeom prst="rect">
+            <a:avLst/>
+          </a:prstGeom>
+          <a:noFill/>
+          <a:ln>
+            <a:noFill/>
+          </a:ln>
+          <a:effectLst>
+            <a:outerShdw blurRad="57150" dist="19050" dir="5400000" algn="bl" rotWithShape="0">
+              <a:srgbClr val="000000">
+                <a:alpha val="50000"/>
+              </a:srgbClr>
+            </a:outerShdw>
+          </a:effectLst>
+        </p:spPr>
+      </p:pic>
     </p:spTree>
   </p:cSld>
   <p:clrMapOvr>

--- a/presentation/Fargate Patterns.pptx
+++ b/presentation/Fargate Patterns.pptx
@@ -5,60 +5,61 @@
     <p:sldMasterId id="2147483666" r:id="rId1"/>
   </p:sldMasterIdLst>
   <p:notesMasterIdLst>
-    <p:notesMasterId r:id="rId24"/>
+    <p:notesMasterId r:id="rId25"/>
   </p:notesMasterIdLst>
   <p:sldIdLst>
     <p:sldId id="256" r:id="rId2"/>
     <p:sldId id="257" r:id="rId3"/>
     <p:sldId id="258" r:id="rId4"/>
     <p:sldId id="259" r:id="rId5"/>
-    <p:sldId id="261" r:id="rId6"/>
-    <p:sldId id="262" r:id="rId7"/>
-    <p:sldId id="263" r:id="rId8"/>
-    <p:sldId id="264" r:id="rId9"/>
-    <p:sldId id="265" r:id="rId10"/>
-    <p:sldId id="266" r:id="rId11"/>
-    <p:sldId id="267" r:id="rId12"/>
-    <p:sldId id="268" r:id="rId13"/>
-    <p:sldId id="269" r:id="rId14"/>
-    <p:sldId id="270" r:id="rId15"/>
-    <p:sldId id="271" r:id="rId16"/>
-    <p:sldId id="272" r:id="rId17"/>
-    <p:sldId id="273" r:id="rId18"/>
-    <p:sldId id="274" r:id="rId19"/>
-    <p:sldId id="275" r:id="rId20"/>
-    <p:sldId id="276" r:id="rId21"/>
-    <p:sldId id="277" r:id="rId22"/>
-    <p:sldId id="278" r:id="rId23"/>
+    <p:sldId id="262" r:id="rId6"/>
+    <p:sldId id="279" r:id="rId7"/>
+    <p:sldId id="261" r:id="rId8"/>
+    <p:sldId id="263" r:id="rId9"/>
+    <p:sldId id="264" r:id="rId10"/>
+    <p:sldId id="265" r:id="rId11"/>
+    <p:sldId id="266" r:id="rId12"/>
+    <p:sldId id="267" r:id="rId13"/>
+    <p:sldId id="268" r:id="rId14"/>
+    <p:sldId id="269" r:id="rId15"/>
+    <p:sldId id="270" r:id="rId16"/>
+    <p:sldId id="271" r:id="rId17"/>
+    <p:sldId id="272" r:id="rId18"/>
+    <p:sldId id="273" r:id="rId19"/>
+    <p:sldId id="274" r:id="rId20"/>
+    <p:sldId id="275" r:id="rId21"/>
+    <p:sldId id="276" r:id="rId22"/>
+    <p:sldId id="277" r:id="rId23"/>
+    <p:sldId id="278" r:id="rId24"/>
   </p:sldIdLst>
   <p:sldSz cx="9144000" cy="5143500" type="screen16x9"/>
   <p:notesSz cx="6858000" cy="9144000"/>
   <p:embeddedFontLst>
     <p:embeddedFont>
       <p:font typeface="Calibri" panose="020F0502020204030204" pitchFamily="34" charset="0"/>
-      <p:regular r:id="rId25"/>
-      <p:bold r:id="rId26"/>
-      <p:italic r:id="rId27"/>
-      <p:boldItalic r:id="rId28"/>
+      <p:regular r:id="rId26"/>
+      <p:bold r:id="rId27"/>
+      <p:italic r:id="rId28"/>
+      <p:boldItalic r:id="rId29"/>
     </p:embeddedFont>
     <p:embeddedFont>
       <p:font typeface="Optimist Light" panose="020B0503020204030204" pitchFamily="34" charset="77"/>
-      <p:regular r:id="rId29"/>
-      <p:bold r:id="rId30"/>
-      <p:italic r:id="rId31"/>
-      <p:boldItalic r:id="rId32"/>
+      <p:regular r:id="rId30"/>
+      <p:bold r:id="rId31"/>
+      <p:italic r:id="rId32"/>
+      <p:boldItalic r:id="rId33"/>
     </p:embeddedFont>
     <p:embeddedFont>
       <p:font typeface="Oswald" pitchFamily="2" charset="77"/>
-      <p:regular r:id="rId33"/>
-      <p:bold r:id="rId34"/>
+      <p:regular r:id="rId34"/>
+      <p:bold r:id="rId35"/>
     </p:embeddedFont>
     <p:embeddedFont>
       <p:font typeface="Roboto" panose="02000000000000000000" pitchFamily="2" charset="0"/>
-      <p:regular r:id="rId35"/>
-      <p:bold r:id="rId36"/>
-      <p:italic r:id="rId37"/>
-      <p:boldItalic r:id="rId38"/>
+      <p:regular r:id="rId36"/>
+      <p:bold r:id="rId37"/>
+      <p:italic r:id="rId38"/>
+      <p:boldItalic r:id="rId39"/>
     </p:embeddedFont>
   </p:embeddedFontLst>
   <p:defaultTextStyle>
@@ -857,6 +858,110 @@
   <p:cSld>
     <p:spTree>
       <p:nvGrpSpPr>
+        <p:cNvPr id="1" name="Shape 299"/>
+        <p:cNvGrpSpPr/>
+        <p:nvPr/>
+      </p:nvGrpSpPr>
+      <p:grpSpPr>
+        <a:xfrm>
+          <a:off x="0" y="0"/>
+          <a:ext cx="0" cy="0"/>
+          <a:chOff x="0" y="0"/>
+          <a:chExt cx="0" cy="0"/>
+        </a:xfrm>
+      </p:grpSpPr>
+      <p:sp>
+        <p:nvSpPr>
+          <p:cNvPr id="300" name="Google Shape;300;g56aaa5a204_0_29:notes"/>
+          <p:cNvSpPr>
+            <a:spLocks noGrp="1" noRot="1" noChangeAspect="1"/>
+          </p:cNvSpPr>
+          <p:nvPr>
+            <p:ph type="sldImg" idx="2"/>
+          </p:nvPr>
+        </p:nvSpPr>
+        <p:spPr>
+          <a:xfrm>
+            <a:off x="381000" y="685800"/>
+            <a:ext cx="6096000" cy="3429000"/>
+          </a:xfrm>
+          <a:custGeom>
+            <a:avLst/>
+            <a:gdLst/>
+            <a:ahLst/>
+            <a:cxnLst/>
+            <a:rect l="l" t="t" r="r" b="b"/>
+            <a:pathLst>
+              <a:path w="120000" h="120000" extrusionOk="0">
+                <a:moveTo>
+                  <a:pt x="0" y="0"/>
+                </a:moveTo>
+                <a:lnTo>
+                  <a:pt x="120000" y="0"/>
+                </a:lnTo>
+                <a:lnTo>
+                  <a:pt x="120000" y="120000"/>
+                </a:lnTo>
+                <a:lnTo>
+                  <a:pt x="0" y="120000"/>
+                </a:lnTo>
+                <a:close/>
+              </a:path>
+            </a:pathLst>
+          </a:custGeom>
+        </p:spPr>
+      </p:sp>
+      <p:sp>
+        <p:nvSpPr>
+          <p:cNvPr id="301" name="Google Shape;301;g56aaa5a204_0_29:notes"/>
+          <p:cNvSpPr txBox="1">
+            <a:spLocks noGrp="1"/>
+          </p:cNvSpPr>
+          <p:nvPr>
+            <p:ph type="body" idx="1"/>
+          </p:nvPr>
+        </p:nvSpPr>
+        <p:spPr>
+          <a:xfrm>
+            <a:off x="685800" y="4343400"/>
+            <a:ext cx="5486400" cy="4114800"/>
+          </a:xfrm>
+          <a:prstGeom prst="rect">
+            <a:avLst/>
+          </a:prstGeom>
+        </p:spPr>
+        <p:txBody>
+          <a:bodyPr spcFirstLastPara="1" wrap="square" lIns="91425" tIns="91425" rIns="91425" bIns="91425" anchor="t" anchorCtr="0">
+            <a:noAutofit/>
+          </a:bodyPr>
+          <a:lstStyle/>
+          <a:p>
+            <a:pPr marL="0" lvl="0" indent="0" algn="l" rtl="0">
+              <a:spcBef>
+                <a:spcPts val="0"/>
+              </a:spcBef>
+              <a:spcAft>
+                <a:spcPts val="0"/>
+              </a:spcAft>
+              <a:buNone/>
+            </a:pPr>
+            <a:endParaRPr/>
+          </a:p>
+        </p:txBody>
+      </p:sp>
+    </p:spTree>
+  </p:cSld>
+  <p:clrMapOvr>
+    <a:masterClrMapping/>
+  </p:clrMapOvr>
+</p:notes>
+</file>
+
+<file path=ppt/notesSlides/notesSlide11.xml><?xml version="1.0" encoding="utf-8"?>
+<p:notes xmlns:a="http://schemas.openxmlformats.org/drawingml/2006/main" xmlns:r="http://schemas.openxmlformats.org/officeDocument/2006/relationships" xmlns:p="http://schemas.openxmlformats.org/presentationml/2006/main" showMasterSp="0" showMasterPhAnim="0">
+  <p:cSld>
+    <p:spTree>
+      <p:nvGrpSpPr>
         <p:cNvPr id="1" name="Shape 306"/>
         <p:cNvGrpSpPr/>
         <p:nvPr/>
@@ -956,7 +1061,7 @@
 </p:notes>
 </file>
 
-<file path=ppt/notesSlides/notesSlide11.xml><?xml version="1.0" encoding="utf-8"?>
+<file path=ppt/notesSlides/notesSlide12.xml><?xml version="1.0" encoding="utf-8"?>
 <p:notes xmlns:a="http://schemas.openxmlformats.org/drawingml/2006/main" xmlns:r="http://schemas.openxmlformats.org/officeDocument/2006/relationships" xmlns:p="http://schemas.openxmlformats.org/presentationml/2006/main" showMasterSp="0" showMasterPhAnim="0">
   <p:cSld>
     <p:spTree>
@@ -1060,7 +1165,7 @@
 </p:notes>
 </file>
 
-<file path=ppt/notesSlides/notesSlide12.xml><?xml version="1.0" encoding="utf-8"?>
+<file path=ppt/notesSlides/notesSlide13.xml><?xml version="1.0" encoding="utf-8"?>
 <p:notes xmlns:a="http://schemas.openxmlformats.org/drawingml/2006/main" xmlns:r="http://schemas.openxmlformats.org/officeDocument/2006/relationships" xmlns:p="http://schemas.openxmlformats.org/presentationml/2006/main" showMasterSp="0" showMasterPhAnim="0">
   <p:cSld>
     <p:spTree>
@@ -1164,7 +1269,7 @@
 </p:notes>
 </file>
 
-<file path=ppt/notesSlides/notesSlide13.xml><?xml version="1.0" encoding="utf-8"?>
+<file path=ppt/notesSlides/notesSlide14.xml><?xml version="1.0" encoding="utf-8"?>
 <p:notes xmlns:a="http://schemas.openxmlformats.org/drawingml/2006/main" xmlns:r="http://schemas.openxmlformats.org/officeDocument/2006/relationships" xmlns:p="http://schemas.openxmlformats.org/presentationml/2006/main" showMasterSp="0" showMasterPhAnim="0">
   <p:cSld>
     <p:spTree>
@@ -1268,7 +1373,7 @@
 </p:notes>
 </file>
 
-<file path=ppt/notesSlides/notesSlide14.xml><?xml version="1.0" encoding="utf-8"?>
+<file path=ppt/notesSlides/notesSlide15.xml><?xml version="1.0" encoding="utf-8"?>
 <p:notes xmlns:a="http://schemas.openxmlformats.org/drawingml/2006/main" xmlns:r="http://schemas.openxmlformats.org/officeDocument/2006/relationships" xmlns:p="http://schemas.openxmlformats.org/presentationml/2006/main" showMasterSp="0" showMasterPhAnim="0">
   <p:cSld>
     <p:spTree>
@@ -1372,7 +1477,7 @@
 </p:notes>
 </file>
 
-<file path=ppt/notesSlides/notesSlide15.xml><?xml version="1.0" encoding="utf-8"?>
+<file path=ppt/notesSlides/notesSlide16.xml><?xml version="1.0" encoding="utf-8"?>
 <p:notes xmlns:a="http://schemas.openxmlformats.org/drawingml/2006/main" xmlns:r="http://schemas.openxmlformats.org/officeDocument/2006/relationships" xmlns:p="http://schemas.openxmlformats.org/presentationml/2006/main" showMasterSp="0" showMasterPhAnim="0">
   <p:cSld>
     <p:spTree>
@@ -1476,7 +1581,7 @@
 </p:notes>
 </file>
 
-<file path=ppt/notesSlides/notesSlide16.xml><?xml version="1.0" encoding="utf-8"?>
+<file path=ppt/notesSlides/notesSlide17.xml><?xml version="1.0" encoding="utf-8"?>
 <p:notes xmlns:a="http://schemas.openxmlformats.org/drawingml/2006/main" xmlns:r="http://schemas.openxmlformats.org/officeDocument/2006/relationships" xmlns:p="http://schemas.openxmlformats.org/presentationml/2006/main" showMasterSp="0" showMasterPhAnim="0">
   <p:cSld>
     <p:spTree>
@@ -1580,7 +1685,7 @@
 </p:notes>
 </file>
 
-<file path=ppt/notesSlides/notesSlide17.xml><?xml version="1.0" encoding="utf-8"?>
+<file path=ppt/notesSlides/notesSlide18.xml><?xml version="1.0" encoding="utf-8"?>
 <p:notes xmlns:a="http://schemas.openxmlformats.org/drawingml/2006/main" xmlns:r="http://schemas.openxmlformats.org/officeDocument/2006/relationships" xmlns:p="http://schemas.openxmlformats.org/presentationml/2006/main" showMasterSp="0" showMasterPhAnim="0">
   <p:cSld>
     <p:spTree>
@@ -1684,7 +1789,7 @@
 </p:notes>
 </file>
 
-<file path=ppt/notesSlides/notesSlide18.xml><?xml version="1.0" encoding="utf-8"?>
+<file path=ppt/notesSlides/notesSlide19.xml><?xml version="1.0" encoding="utf-8"?>
 <p:notes xmlns:a="http://schemas.openxmlformats.org/drawingml/2006/main" xmlns:r="http://schemas.openxmlformats.org/officeDocument/2006/relationships" xmlns:p="http://schemas.openxmlformats.org/presentationml/2006/main" showMasterSp="0" showMasterPhAnim="0">
   <p:cSld>
     <p:spTree>
@@ -1745,110 +1850,6 @@
       <p:sp>
         <p:nvSpPr>
           <p:cNvPr id="382" name="Google Shape;382;g56aaa5a204_0_477:notes"/>
-          <p:cNvSpPr txBox="1">
-            <a:spLocks noGrp="1"/>
-          </p:cNvSpPr>
-          <p:nvPr>
-            <p:ph type="body" idx="1"/>
-          </p:nvPr>
-        </p:nvSpPr>
-        <p:spPr>
-          <a:xfrm>
-            <a:off x="685800" y="4343400"/>
-            <a:ext cx="5486400" cy="4114800"/>
-          </a:xfrm>
-          <a:prstGeom prst="rect">
-            <a:avLst/>
-          </a:prstGeom>
-        </p:spPr>
-        <p:txBody>
-          <a:bodyPr spcFirstLastPara="1" wrap="square" lIns="91425" tIns="91425" rIns="91425" bIns="91425" anchor="t" anchorCtr="0">
-            <a:noAutofit/>
-          </a:bodyPr>
-          <a:lstStyle/>
-          <a:p>
-            <a:pPr marL="0" lvl="0" indent="0" algn="l" rtl="0">
-              <a:spcBef>
-                <a:spcPts val="0"/>
-              </a:spcBef>
-              <a:spcAft>
-                <a:spcPts val="0"/>
-              </a:spcAft>
-              <a:buNone/>
-            </a:pPr>
-            <a:endParaRPr/>
-          </a:p>
-        </p:txBody>
-      </p:sp>
-    </p:spTree>
-  </p:cSld>
-  <p:clrMapOvr>
-    <a:masterClrMapping/>
-  </p:clrMapOvr>
-</p:notes>
-</file>
-
-<file path=ppt/notesSlides/notesSlide19.xml><?xml version="1.0" encoding="utf-8"?>
-<p:notes xmlns:a="http://schemas.openxmlformats.org/drawingml/2006/main" xmlns:r="http://schemas.openxmlformats.org/officeDocument/2006/relationships" xmlns:p="http://schemas.openxmlformats.org/presentationml/2006/main" showMasterSp="0" showMasterPhAnim="0">
-  <p:cSld>
-    <p:spTree>
-      <p:nvGrpSpPr>
-        <p:cNvPr id="1" name="Shape 387"/>
-        <p:cNvGrpSpPr/>
-        <p:nvPr/>
-      </p:nvGrpSpPr>
-      <p:grpSpPr>
-        <a:xfrm>
-          <a:off x="0" y="0"/>
-          <a:ext cx="0" cy="0"/>
-          <a:chOff x="0" y="0"/>
-          <a:chExt cx="0" cy="0"/>
-        </a:xfrm>
-      </p:grpSpPr>
-      <p:sp>
-        <p:nvSpPr>
-          <p:cNvPr id="388" name="Google Shape;388;g56aaa5a204_0_484:notes"/>
-          <p:cNvSpPr>
-            <a:spLocks noGrp="1" noRot="1" noChangeAspect="1"/>
-          </p:cNvSpPr>
-          <p:nvPr>
-            <p:ph type="sldImg" idx="2"/>
-          </p:nvPr>
-        </p:nvSpPr>
-        <p:spPr>
-          <a:xfrm>
-            <a:off x="381000" y="685800"/>
-            <a:ext cx="6096000" cy="3429000"/>
-          </a:xfrm>
-          <a:custGeom>
-            <a:avLst/>
-            <a:gdLst/>
-            <a:ahLst/>
-            <a:cxnLst/>
-            <a:rect l="l" t="t" r="r" b="b"/>
-            <a:pathLst>
-              <a:path w="120000" h="120000" extrusionOk="0">
-                <a:moveTo>
-                  <a:pt x="0" y="0"/>
-                </a:moveTo>
-                <a:lnTo>
-                  <a:pt x="120000" y="0"/>
-                </a:lnTo>
-                <a:lnTo>
-                  <a:pt x="120000" y="120000"/>
-                </a:lnTo>
-                <a:lnTo>
-                  <a:pt x="0" y="120000"/>
-                </a:lnTo>
-                <a:close/>
-              </a:path>
-            </a:pathLst>
-          </a:custGeom>
-        </p:spPr>
-      </p:sp>
-      <p:sp>
-        <p:nvSpPr>
-          <p:cNvPr id="389" name="Google Shape;389;g56aaa5a204_0_484:notes"/>
           <p:cNvSpPr txBox="1">
             <a:spLocks noGrp="1"/>
           </p:cNvSpPr>
@@ -2001,6 +2002,110 @@
   <p:cSld>
     <p:spTree>
       <p:nvGrpSpPr>
+        <p:cNvPr id="1" name="Shape 387"/>
+        <p:cNvGrpSpPr/>
+        <p:nvPr/>
+      </p:nvGrpSpPr>
+      <p:grpSpPr>
+        <a:xfrm>
+          <a:off x="0" y="0"/>
+          <a:ext cx="0" cy="0"/>
+          <a:chOff x="0" y="0"/>
+          <a:chExt cx="0" cy="0"/>
+        </a:xfrm>
+      </p:grpSpPr>
+      <p:sp>
+        <p:nvSpPr>
+          <p:cNvPr id="388" name="Google Shape;388;g56aaa5a204_0_484:notes"/>
+          <p:cNvSpPr>
+            <a:spLocks noGrp="1" noRot="1" noChangeAspect="1"/>
+          </p:cNvSpPr>
+          <p:nvPr>
+            <p:ph type="sldImg" idx="2"/>
+          </p:nvPr>
+        </p:nvSpPr>
+        <p:spPr>
+          <a:xfrm>
+            <a:off x="381000" y="685800"/>
+            <a:ext cx="6096000" cy="3429000"/>
+          </a:xfrm>
+          <a:custGeom>
+            <a:avLst/>
+            <a:gdLst/>
+            <a:ahLst/>
+            <a:cxnLst/>
+            <a:rect l="l" t="t" r="r" b="b"/>
+            <a:pathLst>
+              <a:path w="120000" h="120000" extrusionOk="0">
+                <a:moveTo>
+                  <a:pt x="0" y="0"/>
+                </a:moveTo>
+                <a:lnTo>
+                  <a:pt x="120000" y="0"/>
+                </a:lnTo>
+                <a:lnTo>
+                  <a:pt x="120000" y="120000"/>
+                </a:lnTo>
+                <a:lnTo>
+                  <a:pt x="0" y="120000"/>
+                </a:lnTo>
+                <a:close/>
+              </a:path>
+            </a:pathLst>
+          </a:custGeom>
+        </p:spPr>
+      </p:sp>
+      <p:sp>
+        <p:nvSpPr>
+          <p:cNvPr id="389" name="Google Shape;389;g56aaa5a204_0_484:notes"/>
+          <p:cNvSpPr txBox="1">
+            <a:spLocks noGrp="1"/>
+          </p:cNvSpPr>
+          <p:nvPr>
+            <p:ph type="body" idx="1"/>
+          </p:nvPr>
+        </p:nvSpPr>
+        <p:spPr>
+          <a:xfrm>
+            <a:off x="685800" y="4343400"/>
+            <a:ext cx="5486400" cy="4114800"/>
+          </a:xfrm>
+          <a:prstGeom prst="rect">
+            <a:avLst/>
+          </a:prstGeom>
+        </p:spPr>
+        <p:txBody>
+          <a:bodyPr spcFirstLastPara="1" wrap="square" lIns="91425" tIns="91425" rIns="91425" bIns="91425" anchor="t" anchorCtr="0">
+            <a:noAutofit/>
+          </a:bodyPr>
+          <a:lstStyle/>
+          <a:p>
+            <a:pPr marL="0" lvl="0" indent="0" algn="l" rtl="0">
+              <a:spcBef>
+                <a:spcPts val="0"/>
+              </a:spcBef>
+              <a:spcAft>
+                <a:spcPts val="0"/>
+              </a:spcAft>
+              <a:buNone/>
+            </a:pPr>
+            <a:endParaRPr/>
+          </a:p>
+        </p:txBody>
+      </p:sp>
+    </p:spTree>
+  </p:cSld>
+  <p:clrMapOvr>
+    <a:masterClrMapping/>
+  </p:clrMapOvr>
+</p:notes>
+</file>
+
+<file path=ppt/notesSlides/notesSlide21.xml><?xml version="1.0" encoding="utf-8"?>
+<p:notes xmlns:a="http://schemas.openxmlformats.org/drawingml/2006/main" xmlns:r="http://schemas.openxmlformats.org/officeDocument/2006/relationships" xmlns:p="http://schemas.openxmlformats.org/presentationml/2006/main" showMasterSp="0" showMasterPhAnim="0">
+  <p:cSld>
+    <p:spTree>
+      <p:nvGrpSpPr>
         <p:cNvPr id="1" name="Shape 394"/>
         <p:cNvGrpSpPr/>
         <p:nvPr/>
@@ -2100,7 +2205,7 @@
 </p:notes>
 </file>
 
-<file path=ppt/notesSlides/notesSlide21.xml><?xml version="1.0" encoding="utf-8"?>
+<file path=ppt/notesSlides/notesSlide22.xml><?xml version="1.0" encoding="utf-8"?>
 <p:notes xmlns:a="http://schemas.openxmlformats.org/drawingml/2006/main" xmlns:r="http://schemas.openxmlformats.org/officeDocument/2006/relationships" xmlns:p="http://schemas.openxmlformats.org/presentationml/2006/main" showMasterSp="0" showMasterPhAnim="0">
   <p:cSld>
     <p:spTree>
@@ -2204,7 +2309,7 @@
 </p:notes>
 </file>
 
-<file path=ppt/notesSlides/notesSlide22.xml><?xml version="1.0" encoding="utf-8"?>
+<file path=ppt/notesSlides/notesSlide23.xml><?xml version="1.0" encoding="utf-8"?>
 <p:notes xmlns:a="http://schemas.openxmlformats.org/drawingml/2006/main" xmlns:r="http://schemas.openxmlformats.org/officeDocument/2006/relationships" xmlns:p="http://schemas.openxmlformats.org/presentationml/2006/main" showMasterSp="0" showMasterPhAnim="0">
   <p:cSld>
     <p:spTree>
@@ -2521,7 +2626,7 @@
   <p:cSld>
     <p:spTree>
       <p:nvGrpSpPr>
-        <p:cNvPr id="1" name="Shape 270"/>
+        <p:cNvPr id="1" name="Shape 277"/>
         <p:cNvGrpSpPr/>
         <p:nvPr/>
       </p:nvGrpSpPr>
@@ -2535,7 +2640,7 @@
       </p:grpSpPr>
       <p:sp>
         <p:nvSpPr>
-          <p:cNvPr id="271" name="Google Shape;271;g56aaa5a204_0_431:notes"/>
+          <p:cNvPr id="278" name="Google Shape;278;g56aaa5a204_0_437:notes"/>
           <p:cNvSpPr>
             <a:spLocks noGrp="1" noRot="1" noChangeAspect="1"/>
           </p:cNvSpPr>
@@ -2576,7 +2681,7 @@
       </p:sp>
       <p:sp>
         <p:nvSpPr>
-          <p:cNvPr id="272" name="Google Shape;272;g56aaa5a204_0_431:notes"/>
+          <p:cNvPr id="279" name="Google Shape;279;g56aaa5a204_0_437:notes"/>
           <p:cNvSpPr txBox="1">
             <a:spLocks noGrp="1"/>
           </p:cNvSpPr>
@@ -2717,6 +2822,11 @@
         </p:txBody>
       </p:sp>
     </p:spTree>
+    <p:extLst>
+      <p:ext uri="{BB962C8B-B14F-4D97-AF65-F5344CB8AC3E}">
+        <p14:creationId xmlns:p14="http://schemas.microsoft.com/office/powerpoint/2010/main" val="505836846"/>
+      </p:ext>
+    </p:extLst>
   </p:cSld>
   <p:clrMapOvr>
     <a:masterClrMapping/>
@@ -2725,6 +2835,110 @@
 </file>
 
 <file path=ppt/notesSlides/notesSlide7.xml><?xml version="1.0" encoding="utf-8"?>
+<p:notes xmlns:a="http://schemas.openxmlformats.org/drawingml/2006/main" xmlns:r="http://schemas.openxmlformats.org/officeDocument/2006/relationships" xmlns:p="http://schemas.openxmlformats.org/presentationml/2006/main" showMasterSp="0" showMasterPhAnim="0">
+  <p:cSld>
+    <p:spTree>
+      <p:nvGrpSpPr>
+        <p:cNvPr id="1" name="Shape 270"/>
+        <p:cNvGrpSpPr/>
+        <p:nvPr/>
+      </p:nvGrpSpPr>
+      <p:grpSpPr>
+        <a:xfrm>
+          <a:off x="0" y="0"/>
+          <a:ext cx="0" cy="0"/>
+          <a:chOff x="0" y="0"/>
+          <a:chExt cx="0" cy="0"/>
+        </a:xfrm>
+      </p:grpSpPr>
+      <p:sp>
+        <p:nvSpPr>
+          <p:cNvPr id="271" name="Google Shape;271;g56aaa5a204_0_431:notes"/>
+          <p:cNvSpPr>
+            <a:spLocks noGrp="1" noRot="1" noChangeAspect="1"/>
+          </p:cNvSpPr>
+          <p:nvPr>
+            <p:ph type="sldImg" idx="2"/>
+          </p:nvPr>
+        </p:nvSpPr>
+        <p:spPr>
+          <a:xfrm>
+            <a:off x="381000" y="685800"/>
+            <a:ext cx="6096000" cy="3429000"/>
+          </a:xfrm>
+          <a:custGeom>
+            <a:avLst/>
+            <a:gdLst/>
+            <a:ahLst/>
+            <a:cxnLst/>
+            <a:rect l="l" t="t" r="r" b="b"/>
+            <a:pathLst>
+              <a:path w="120000" h="120000" extrusionOk="0">
+                <a:moveTo>
+                  <a:pt x="0" y="0"/>
+                </a:moveTo>
+                <a:lnTo>
+                  <a:pt x="120000" y="0"/>
+                </a:lnTo>
+                <a:lnTo>
+                  <a:pt x="120000" y="120000"/>
+                </a:lnTo>
+                <a:lnTo>
+                  <a:pt x="0" y="120000"/>
+                </a:lnTo>
+                <a:close/>
+              </a:path>
+            </a:pathLst>
+          </a:custGeom>
+        </p:spPr>
+      </p:sp>
+      <p:sp>
+        <p:nvSpPr>
+          <p:cNvPr id="272" name="Google Shape;272;g56aaa5a204_0_431:notes"/>
+          <p:cNvSpPr txBox="1">
+            <a:spLocks noGrp="1"/>
+          </p:cNvSpPr>
+          <p:nvPr>
+            <p:ph type="body" idx="1"/>
+          </p:nvPr>
+        </p:nvSpPr>
+        <p:spPr>
+          <a:xfrm>
+            <a:off x="685800" y="4343400"/>
+            <a:ext cx="5486400" cy="4114800"/>
+          </a:xfrm>
+          <a:prstGeom prst="rect">
+            <a:avLst/>
+          </a:prstGeom>
+        </p:spPr>
+        <p:txBody>
+          <a:bodyPr spcFirstLastPara="1" wrap="square" lIns="91425" tIns="91425" rIns="91425" bIns="91425" anchor="t" anchorCtr="0">
+            <a:noAutofit/>
+          </a:bodyPr>
+          <a:lstStyle/>
+          <a:p>
+            <a:pPr marL="0" lvl="0" indent="0" algn="l" rtl="0">
+              <a:spcBef>
+                <a:spcPts val="0"/>
+              </a:spcBef>
+              <a:spcAft>
+                <a:spcPts val="0"/>
+              </a:spcAft>
+              <a:buNone/>
+            </a:pPr>
+            <a:endParaRPr/>
+          </a:p>
+        </p:txBody>
+      </p:sp>
+    </p:spTree>
+  </p:cSld>
+  <p:clrMapOvr>
+    <a:masterClrMapping/>
+  </p:clrMapOvr>
+</p:notes>
+</file>
+
+<file path=ppt/notesSlides/notesSlide8.xml><?xml version="1.0" encoding="utf-8"?>
 <p:notes xmlns:a="http://schemas.openxmlformats.org/drawingml/2006/main" xmlns:r="http://schemas.openxmlformats.org/officeDocument/2006/relationships" xmlns:p="http://schemas.openxmlformats.org/presentationml/2006/main" showMasterSp="0" showMasterPhAnim="0">
   <p:cSld>
     <p:spTree>
@@ -2828,7 +3042,7 @@
 </p:notes>
 </file>
 
-<file path=ppt/notesSlides/notesSlide8.xml><?xml version="1.0" encoding="utf-8"?>
+<file path=ppt/notesSlides/notesSlide9.xml><?xml version="1.0" encoding="utf-8"?>
 <p:notes xmlns:a="http://schemas.openxmlformats.org/drawingml/2006/main" xmlns:r="http://schemas.openxmlformats.org/officeDocument/2006/relationships" xmlns:p="http://schemas.openxmlformats.org/presentationml/2006/main" showMasterSp="0" showMasterPhAnim="0">
   <p:cSld>
     <p:spTree>
@@ -2889,110 +3103,6 @@
       <p:sp>
         <p:nvSpPr>
           <p:cNvPr id="293" name="Google Shape;293;g56aaa5a204_0_21:notes"/>
-          <p:cNvSpPr txBox="1">
-            <a:spLocks noGrp="1"/>
-          </p:cNvSpPr>
-          <p:nvPr>
-            <p:ph type="body" idx="1"/>
-          </p:nvPr>
-        </p:nvSpPr>
-        <p:spPr>
-          <a:xfrm>
-            <a:off x="685800" y="4343400"/>
-            <a:ext cx="5486400" cy="4114800"/>
-          </a:xfrm>
-          <a:prstGeom prst="rect">
-            <a:avLst/>
-          </a:prstGeom>
-        </p:spPr>
-        <p:txBody>
-          <a:bodyPr spcFirstLastPara="1" wrap="square" lIns="91425" tIns="91425" rIns="91425" bIns="91425" anchor="t" anchorCtr="0">
-            <a:noAutofit/>
-          </a:bodyPr>
-          <a:lstStyle/>
-          <a:p>
-            <a:pPr marL="0" lvl="0" indent="0" algn="l" rtl="0">
-              <a:spcBef>
-                <a:spcPts val="0"/>
-              </a:spcBef>
-              <a:spcAft>
-                <a:spcPts val="0"/>
-              </a:spcAft>
-              <a:buNone/>
-            </a:pPr>
-            <a:endParaRPr/>
-          </a:p>
-        </p:txBody>
-      </p:sp>
-    </p:spTree>
-  </p:cSld>
-  <p:clrMapOvr>
-    <a:masterClrMapping/>
-  </p:clrMapOvr>
-</p:notes>
-</file>
-
-<file path=ppt/notesSlides/notesSlide9.xml><?xml version="1.0" encoding="utf-8"?>
-<p:notes xmlns:a="http://schemas.openxmlformats.org/drawingml/2006/main" xmlns:r="http://schemas.openxmlformats.org/officeDocument/2006/relationships" xmlns:p="http://schemas.openxmlformats.org/presentationml/2006/main" showMasterSp="0" showMasterPhAnim="0">
-  <p:cSld>
-    <p:spTree>
-      <p:nvGrpSpPr>
-        <p:cNvPr id="1" name="Shape 299"/>
-        <p:cNvGrpSpPr/>
-        <p:nvPr/>
-      </p:nvGrpSpPr>
-      <p:grpSpPr>
-        <a:xfrm>
-          <a:off x="0" y="0"/>
-          <a:ext cx="0" cy="0"/>
-          <a:chOff x="0" y="0"/>
-          <a:chExt cx="0" cy="0"/>
-        </a:xfrm>
-      </p:grpSpPr>
-      <p:sp>
-        <p:nvSpPr>
-          <p:cNvPr id="300" name="Google Shape;300;g56aaa5a204_0_29:notes"/>
-          <p:cNvSpPr>
-            <a:spLocks noGrp="1" noRot="1" noChangeAspect="1"/>
-          </p:cNvSpPr>
-          <p:nvPr>
-            <p:ph type="sldImg" idx="2"/>
-          </p:nvPr>
-        </p:nvSpPr>
-        <p:spPr>
-          <a:xfrm>
-            <a:off x="381000" y="685800"/>
-            <a:ext cx="6096000" cy="3429000"/>
-          </a:xfrm>
-          <a:custGeom>
-            <a:avLst/>
-            <a:gdLst/>
-            <a:ahLst/>
-            <a:cxnLst/>
-            <a:rect l="l" t="t" r="r" b="b"/>
-            <a:pathLst>
-              <a:path w="120000" h="120000" extrusionOk="0">
-                <a:moveTo>
-                  <a:pt x="0" y="0"/>
-                </a:moveTo>
-                <a:lnTo>
-                  <a:pt x="120000" y="0"/>
-                </a:lnTo>
-                <a:lnTo>
-                  <a:pt x="120000" y="120000"/>
-                </a:lnTo>
-                <a:lnTo>
-                  <a:pt x="0" y="120000"/>
-                </a:lnTo>
-                <a:close/>
-              </a:path>
-            </a:pathLst>
-          </a:custGeom>
-        </p:spPr>
-      </p:sp>
-      <p:sp>
-        <p:nvSpPr>
-          <p:cNvPr id="301" name="Google Shape;301;g56aaa5a204_0_29:notes"/>
           <p:cNvSpPr txBox="1">
             <a:spLocks noGrp="1"/>
           </p:cNvSpPr>
@@ -36101,7 +36211,7 @@
               <a:buNone/>
             </a:pPr>
             <a:r>
-              <a:rPr lang="en" sz="3600" b="1" dirty="0" err="1">
+              <a:rPr lang="en" sz="3600" b="1" dirty="0">
                 <a:solidFill>
                   <a:srgbClr val="0B5394"/>
                 </a:solidFill>
@@ -36110,19 +36220,7 @@
                 <a:cs typeface="Oswald"/>
                 <a:sym typeface="Oswald"/>
               </a:rPr>
-              <a:t>Fargate</a:t>
-            </a:r>
-            <a:r>
-              <a:rPr lang="en" sz="3600" b="1" dirty="0">
-                <a:solidFill>
-                  <a:srgbClr val="0B5394"/>
-                </a:solidFill>
-                <a:latin typeface="Oswald"/>
-                <a:ea typeface="Oswald"/>
-                <a:cs typeface="Oswald"/>
-                <a:sym typeface="Oswald"/>
-              </a:rPr>
-              <a:t> Patterns: or</a:t>
+              <a:t>Fargate Patterns: or</a:t>
             </a:r>
             <a:endParaRPr sz="3600" b="1" dirty="0">
               <a:solidFill>
@@ -36154,31 +36252,7 @@
                 <a:cs typeface="Oswald"/>
                 <a:sym typeface="Oswald"/>
               </a:rPr>
-              <a:t>Tom Thumb’s Journey to </a:t>
-            </a:r>
-            <a:r>
-              <a:rPr lang="en" sz="3600" b="1" dirty="0" err="1">
-                <a:solidFill>
-                  <a:srgbClr val="0B5394"/>
-                </a:solidFill>
-                <a:latin typeface="Oswald"/>
-                <a:ea typeface="Oswald"/>
-                <a:cs typeface="Oswald"/>
-                <a:sym typeface="Oswald"/>
-              </a:rPr>
-              <a:t>Fargate</a:t>
-            </a:r>
-            <a:r>
-              <a:rPr lang="en" sz="3600" b="1" dirty="0">
-                <a:solidFill>
-                  <a:srgbClr val="0B5394"/>
-                </a:solidFill>
-                <a:latin typeface="Oswald"/>
-                <a:ea typeface="Oswald"/>
-                <a:cs typeface="Oswald"/>
-                <a:sym typeface="Oswald"/>
-              </a:rPr>
-              <a:t> on a few Pennies</a:t>
+              <a:t>Tom Thumb’s Journey to Fargate on a few Pennies</a:t>
             </a:r>
             <a:endParaRPr sz="3600" b="1" dirty="0">
               <a:solidFill>
@@ -36275,6 +36349,194 @@
 </file>
 
 <file path=ppt/slides/slide10.xml><?xml version="1.0" encoding="utf-8"?>
+<p:sld xmlns:a="http://schemas.openxmlformats.org/drawingml/2006/main" xmlns:r="http://schemas.openxmlformats.org/officeDocument/2006/relationships" xmlns:p="http://schemas.openxmlformats.org/presentationml/2006/main">
+  <p:cSld>
+    <p:spTree>
+      <p:nvGrpSpPr>
+        <p:cNvPr id="1" name="Shape 302"/>
+        <p:cNvGrpSpPr/>
+        <p:nvPr/>
+      </p:nvGrpSpPr>
+      <p:grpSpPr>
+        <a:xfrm>
+          <a:off x="0" y="0"/>
+          <a:ext cx="0" cy="0"/>
+          <a:chOff x="0" y="0"/>
+          <a:chExt cx="0" cy="0"/>
+        </a:xfrm>
+      </p:grpSpPr>
+      <p:sp>
+        <p:nvSpPr>
+          <p:cNvPr id="303" name="Google Shape;303;p29"/>
+          <p:cNvSpPr txBox="1">
+            <a:spLocks noGrp="1"/>
+          </p:cNvSpPr>
+          <p:nvPr>
+            <p:ph type="title"/>
+          </p:nvPr>
+        </p:nvSpPr>
+        <p:spPr>
+          <a:xfrm>
+            <a:off x="311700" y="179350"/>
+            <a:ext cx="8520600" cy="572700"/>
+          </a:xfrm>
+          <a:prstGeom prst="rect">
+            <a:avLst/>
+          </a:prstGeom>
+        </p:spPr>
+        <p:txBody>
+          <a:bodyPr spcFirstLastPara="1" wrap="square" lIns="68575" tIns="34275" rIns="68575" bIns="34275" anchor="ctr" anchorCtr="0">
+            <a:noAutofit/>
+          </a:bodyPr>
+          <a:lstStyle/>
+          <a:p>
+            <a:pPr marL="0" lvl="0" indent="0" algn="l" rtl="0">
+              <a:spcBef>
+                <a:spcPts val="0"/>
+              </a:spcBef>
+              <a:spcAft>
+                <a:spcPts val="0"/>
+              </a:spcAft>
+              <a:buNone/>
+            </a:pPr>
+            <a:r>
+              <a:rPr lang="en" dirty="0"/>
+              <a:t>Fargate Components - Service</a:t>
+            </a:r>
+            <a:endParaRPr dirty="0"/>
+          </a:p>
+        </p:txBody>
+      </p:sp>
+      <p:sp>
+        <p:nvSpPr>
+          <p:cNvPr id="304" name="Google Shape;304;p29"/>
+          <p:cNvSpPr txBox="1">
+            <a:spLocks noGrp="1"/>
+          </p:cNvSpPr>
+          <p:nvPr>
+            <p:ph type="body" idx="1"/>
+          </p:nvPr>
+        </p:nvSpPr>
+        <p:spPr>
+          <a:xfrm>
+            <a:off x="311700" y="808250"/>
+            <a:ext cx="5766900" cy="4054500"/>
+          </a:xfrm>
+          <a:prstGeom prst="rect">
+            <a:avLst/>
+          </a:prstGeom>
+        </p:spPr>
+        <p:txBody>
+          <a:bodyPr spcFirstLastPara="1" wrap="square" lIns="68575" tIns="34275" rIns="68575" bIns="34275" anchor="t" anchorCtr="0">
+            <a:noAutofit/>
+          </a:bodyPr>
+          <a:lstStyle/>
+          <a:p>
+            <a:pPr marL="0" lvl="0" indent="0" algn="l" rtl="0">
+              <a:spcBef>
+                <a:spcPts val="800"/>
+              </a:spcBef>
+              <a:spcAft>
+                <a:spcPts val="0"/>
+              </a:spcAft>
+              <a:buNone/>
+            </a:pPr>
+            <a:r>
+              <a:rPr lang="en" sz="1800" dirty="0"/>
+              <a:t>Fargate allows you to run and maintain a specified number of instances of a Task Definition simultaneously in an Amazon ECS cluster. This is called a Service. </a:t>
+            </a:r>
+            <a:endParaRPr sz="1800" dirty="0"/>
+          </a:p>
+          <a:p>
+            <a:pPr marL="0" lvl="0" indent="0" algn="l" rtl="0">
+              <a:spcBef>
+                <a:spcPts val="800"/>
+              </a:spcBef>
+              <a:spcAft>
+                <a:spcPts val="0"/>
+              </a:spcAft>
+              <a:buNone/>
+            </a:pPr>
+            <a:r>
+              <a:rPr lang="en" sz="1800" dirty="0"/>
+              <a:t>If any of your tasks should fail or stop for any reason, the Amazon ECS service scheduler launches another instance of your task definition to replace it and maintain the desired count of tasks in the service depending on the scheduling strategy used.</a:t>
+            </a:r>
+            <a:endParaRPr sz="1800" dirty="0"/>
+          </a:p>
+          <a:p>
+            <a:pPr marL="0" lvl="0" indent="0" algn="l" rtl="0">
+              <a:spcBef>
+                <a:spcPts val="800"/>
+              </a:spcBef>
+              <a:spcAft>
+                <a:spcPts val="0"/>
+              </a:spcAft>
+              <a:buNone/>
+            </a:pPr>
+            <a:r>
+              <a:rPr lang="en" sz="1800" dirty="0"/>
+              <a:t>In addition to maintaining the desired count of tasks in your service, you can optionally run your service behind a load balancer. The load balancer distributes traffic across the tasks that are associated with the service.</a:t>
+            </a:r>
+            <a:endParaRPr sz="1800" dirty="0"/>
+          </a:p>
+          <a:p>
+            <a:pPr marL="0" lvl="0" indent="0" algn="l" rtl="0">
+              <a:spcBef>
+                <a:spcPts val="800"/>
+              </a:spcBef>
+              <a:spcAft>
+                <a:spcPts val="0"/>
+              </a:spcAft>
+              <a:buNone/>
+            </a:pPr>
+            <a:endParaRPr sz="1800" dirty="0"/>
+          </a:p>
+        </p:txBody>
+      </p:sp>
+      <p:pic>
+        <p:nvPicPr>
+          <p:cNvPr id="305" name="Google Shape;305;p29"/>
+          <p:cNvPicPr preferRelativeResize="0"/>
+          <p:nvPr/>
+        </p:nvPicPr>
+        <p:blipFill>
+          <a:blip r:embed="rId3">
+            <a:alphaModFix/>
+          </a:blip>
+          <a:stretch>
+            <a:fillRect/>
+          </a:stretch>
+        </p:blipFill>
+        <p:spPr>
+          <a:xfrm>
+            <a:off x="6231025" y="367600"/>
+            <a:ext cx="2506000" cy="4549426"/>
+          </a:xfrm>
+          <a:prstGeom prst="rect">
+            <a:avLst/>
+          </a:prstGeom>
+          <a:noFill/>
+          <a:ln>
+            <a:noFill/>
+          </a:ln>
+          <a:effectLst>
+            <a:outerShdw blurRad="57150" dist="19050" dir="5400000" algn="bl" rotWithShape="0">
+              <a:srgbClr val="000000">
+                <a:alpha val="50000"/>
+              </a:srgbClr>
+            </a:outerShdw>
+          </a:effectLst>
+        </p:spPr>
+      </p:pic>
+    </p:spTree>
+  </p:cSld>
+  <p:clrMapOvr>
+    <a:masterClrMapping/>
+  </p:clrMapOvr>
+</p:sld>
+</file>
+
+<file path=ppt/slides/slide11.xml><?xml version="1.0" encoding="utf-8"?>
 <p:sld xmlns:a="http://schemas.openxmlformats.org/drawingml/2006/main" xmlns:r="http://schemas.openxmlformats.org/officeDocument/2006/relationships" xmlns:p="http://schemas.openxmlformats.org/presentationml/2006/main">
   <p:cSld>
     <p:spTree>
@@ -36326,10 +36588,10 @@
               <a:buNone/>
             </a:pPr>
             <a:r>
-              <a:rPr lang="en"/>
+              <a:rPr lang="en" dirty="0"/>
               <a:t>Fargate Components - Cluster</a:t>
             </a:r>
-            <a:endParaRPr/>
+            <a:endParaRPr dirty="0"/>
           </a:p>
         </p:txBody>
       </p:sp>
@@ -36368,10 +36630,10 @@
               <a:buNone/>
             </a:pPr>
             <a:r>
-              <a:rPr lang="en" sz="1800"/>
+              <a:rPr lang="en" sz="1800" dirty="0"/>
               <a:t>An Amazon ECS Cluster is a logical grouping of tasks or services. A Cluster can run many Services. If you have multiple services as part of your product, you can put several of them on one Cluster. This makes more efficient use of the resources available and minimizes setup time. Clusters are AWS region specific and can contain tasks using both the Fargate and EC2 launch types.</a:t>
             </a:r>
-            <a:endParaRPr sz="1800"/>
+            <a:endParaRPr sz="1800" dirty="0"/>
           </a:p>
           <a:p>
             <a:pPr marL="0" lvl="0" indent="0" algn="l" rtl="0">
@@ -36383,7 +36645,7 @@
               </a:spcAft>
               <a:buNone/>
             </a:pPr>
-            <a:endParaRPr sz="1800"/>
+            <a:endParaRPr sz="1800" dirty="0"/>
           </a:p>
         </p:txBody>
       </p:sp>
@@ -37635,7 +37897,7 @@
 </p:sld>
 </file>
 
-<file path=ppt/slides/slide11.xml><?xml version="1.0" encoding="utf-8"?>
+<file path=ppt/slides/slide12.xml><?xml version="1.0" encoding="utf-8"?>
 <p:sld xmlns:a="http://schemas.openxmlformats.org/drawingml/2006/main" xmlns:r="http://schemas.openxmlformats.org/officeDocument/2006/relationships" xmlns:p="http://schemas.openxmlformats.org/presentationml/2006/main">
   <p:cSld>
     <p:spTree>
@@ -37687,10 +37949,10 @@
               <a:buNone/>
             </a:pPr>
             <a:r>
-              <a:rPr lang="en"/>
+              <a:rPr lang="en" dirty="0"/>
               <a:t>Behavioral Design Patterns for AWS Fargate</a:t>
             </a:r>
-            <a:endParaRPr/>
+            <a:endParaRPr dirty="0"/>
           </a:p>
         </p:txBody>
       </p:sp>
@@ -37921,7 +38183,7 @@
 </p:sld>
 </file>
 
-<file path=ppt/slides/slide12.xml><?xml version="1.0" encoding="utf-8"?>
+<file path=ppt/slides/slide13.xml><?xml version="1.0" encoding="utf-8"?>
 <p:sld xmlns:a="http://schemas.openxmlformats.org/drawingml/2006/main" xmlns:r="http://schemas.openxmlformats.org/officeDocument/2006/relationships" xmlns:p="http://schemas.openxmlformats.org/presentationml/2006/main">
   <p:cSld>
     <p:spTree>
@@ -38095,7 +38357,7 @@
 </p:sld>
 </file>
 
-<file path=ppt/slides/slide13.xml><?xml version="1.0" encoding="utf-8"?>
+<file path=ppt/slides/slide14.xml><?xml version="1.0" encoding="utf-8"?>
 <p:sld xmlns:a="http://schemas.openxmlformats.org/drawingml/2006/main" xmlns:r="http://schemas.openxmlformats.org/officeDocument/2006/relationships" xmlns:p="http://schemas.openxmlformats.org/presentationml/2006/main">
   <p:cSld>
     <p:spTree>
@@ -38217,10 +38479,10 @@
               <a:buNone/>
             </a:pPr>
             <a:r>
-              <a:rPr lang="en" sz="1800"/>
+              <a:rPr lang="en" sz="1800" dirty="0"/>
               <a:t>Deploy your software package in a container as a Fargate Task. Invoke the task using a Lambda. The Fargate Task is started from a dormant state. Once the process is complete and the output is written to the output repository, the Task is automatically stopped. As a result of this, you pay only for the time the Task is running. Additionally, you can pre-configure the size of the task (vCPU, memory, environment variables to pass parameters to the job) or override it for every invocation.</a:t>
             </a:r>
-            <a:endParaRPr sz="1800"/>
+            <a:endParaRPr sz="1800" dirty="0"/>
           </a:p>
         </p:txBody>
       </p:sp>
@@ -38232,7 +38494,7 @@
 </p:sld>
 </file>
 
-<file path=ppt/slides/slide14.xml><?xml version="1.0" encoding="utf-8"?>
+<file path=ppt/slides/slide15.xml><?xml version="1.0" encoding="utf-8"?>
 <p:sld xmlns:a="http://schemas.openxmlformats.org/drawingml/2006/main" xmlns:r="http://schemas.openxmlformats.org/officeDocument/2006/relationships" xmlns:p="http://schemas.openxmlformats.org/presentationml/2006/main">
   <p:cSld>
     <p:spTree>
@@ -38326,14 +38588,14 @@
               <a:buNone/>
             </a:pPr>
             <a:r>
-              <a:rPr lang="en" sz="1800" b="1"/>
+              <a:rPr lang="en" sz="1800" b="1" dirty="0"/>
               <a:t>Input Repository</a:t>
             </a:r>
             <a:r>
-              <a:rPr lang="en" sz="1800"/>
+              <a:rPr lang="en" sz="1800" dirty="0"/>
               <a:t> – The input for your Processor is stored here and should be reachable by the processor. This could be an S3-based object store or a database. Ideally, this repository should notify the task invoker when a new object is uploaded or updated.</a:t>
             </a:r>
-            <a:endParaRPr sz="1800"/>
+            <a:endParaRPr sz="1800" dirty="0"/>
           </a:p>
           <a:p>
             <a:pPr marL="0" lvl="0" indent="0" algn="l" rtl="0">
@@ -38346,14 +38608,14 @@
               <a:buNone/>
             </a:pPr>
             <a:r>
-              <a:rPr lang="en" sz="1800" b="1"/>
+              <a:rPr lang="en" sz="1800" b="1" dirty="0"/>
               <a:t>Task Invoker</a:t>
             </a:r>
             <a:r>
-              <a:rPr lang="en" sz="1800"/>
+              <a:rPr lang="en" sz="1800" dirty="0"/>
               <a:t> – A short-running function that is used to invoke your Processor. This could be a Lambda function or synchronous service running as part of another larger process chain.</a:t>
             </a:r>
-            <a:endParaRPr sz="1800"/>
+            <a:endParaRPr sz="1800" dirty="0"/>
           </a:p>
           <a:p>
             <a:pPr marL="0" lvl="0" indent="0" algn="l" rtl="0">
@@ -38366,14 +38628,14 @@
               <a:buNone/>
             </a:pPr>
             <a:r>
-              <a:rPr lang="en" sz="1800" b="1"/>
+              <a:rPr lang="en" sz="1800" b="1" dirty="0"/>
               <a:t>Processor</a:t>
             </a:r>
             <a:r>
-              <a:rPr lang="en" sz="1800"/>
+              <a:rPr lang="en" sz="1800" dirty="0"/>
               <a:t> – A long-running task that is the core of the pattern. It is invoked by the Task Invoker. This could be a Fargate Task that reads its input from the Input Repository, processes it and writes back the output to the Output Repository. The Fargate task can be configured to use one or more containers (with a maximum of 10).</a:t>
             </a:r>
-            <a:endParaRPr sz="1800"/>
+            <a:endParaRPr sz="1800" dirty="0"/>
           </a:p>
           <a:p>
             <a:pPr marL="0" lvl="0" indent="0" algn="l" rtl="0">
@@ -38386,14 +38648,14 @@
               <a:buNone/>
             </a:pPr>
             <a:r>
-              <a:rPr lang="en" sz="1800" b="1"/>
+              <a:rPr lang="en" sz="1800" b="1" dirty="0"/>
               <a:t>Output Repository</a:t>
             </a:r>
             <a:r>
-              <a:rPr lang="en" sz="1800"/>
+              <a:rPr lang="en" sz="1800" dirty="0"/>
               <a:t> – Results of the Fargate Task are stored here. Again, this could be an S3 store or a database and could be optionally configured to emit events on inserts and updates.</a:t>
             </a:r>
-            <a:endParaRPr sz="1800"/>
+            <a:endParaRPr sz="1800" dirty="0"/>
           </a:p>
         </p:txBody>
       </p:sp>
@@ -38405,7 +38667,7 @@
 </p:sld>
 </file>
 
-<file path=ppt/slides/slide15.xml><?xml version="1.0" encoding="utf-8"?>
+<file path=ppt/slides/slide16.xml><?xml version="1.0" encoding="utf-8"?>
 <p:sld xmlns:a="http://schemas.openxmlformats.org/drawingml/2006/main" xmlns:r="http://schemas.openxmlformats.org/officeDocument/2006/relationships" xmlns:p="http://schemas.openxmlformats.org/presentationml/2006/main">
   <p:cSld>
     <p:spTree>
@@ -38507,7 +38769,7 @@
               <a:buNone/>
             </a:pPr>
             <a:r>
-              <a:rPr lang="en" sz="1650" b="1">
+              <a:rPr lang="en" sz="1650" b="1" dirty="0">
                 <a:solidFill>
                   <a:srgbClr val="24292E"/>
                 </a:solidFill>
@@ -38518,7 +38780,7 @@
               </a:rPr>
               <a:t>Tom Thumb - A Video Thumbnail Generator Task</a:t>
             </a:r>
-            <a:endParaRPr sz="1650" b="1">
+            <a:endParaRPr sz="1650" b="1" dirty="0">
               <a:solidFill>
                 <a:srgbClr val="24292E"/>
               </a:solidFill>
@@ -38539,10 +38801,10 @@
               <a:buNone/>
             </a:pPr>
             <a:r>
-              <a:rPr lang="en" sz="1800"/>
+              <a:rPr lang="en" sz="1800" dirty="0"/>
               <a:t>Tom Thumb is a video thumbnail generator task. It is implemented following the Container-on-Demand pattern.</a:t>
             </a:r>
-            <a:endParaRPr sz="1800"/>
+            <a:endParaRPr sz="1800" dirty="0"/>
           </a:p>
           <a:p>
             <a:pPr marL="0" lvl="0" indent="0" algn="l" rtl="0">
@@ -38555,10 +38817,18 @@
               <a:buNone/>
             </a:pPr>
             <a:r>
-              <a:rPr lang="en" sz="1800"/>
-              <a:t>In a typical usage, an user uploads a video file to a S3 bucket. A trigger is set on the S3 bucket to notify a Lambda function in the event of a file upload to the video folder in the bucket. The Lambda is deployed with a Python code to extract the name of the video file from the Lambda notification event and invoke a Fargate task. The Fargate task consists of one container that uses ffmpeg application to decode the video and freeze an image at a given position in the video. The frozen image is written to a pre-configured folder in a S3 bucket.</a:t>
+              <a:rPr lang="en" sz="1800" dirty="0"/>
+              <a:t>In a typical usage, an user uploads a video file to a S3 bucket. A trigger is set on the S3 bucket to notify a Lambda function in the event of a file upload to the video folder in the bucket. The Lambda is deployed with a Python code to extract the name of the video file from the Lambda notification event and invoke a Fargate task. The Fargate task consists of one container that uses </a:t>
             </a:r>
-            <a:endParaRPr sz="1800"/>
+            <a:r>
+              <a:rPr lang="en" sz="1800" dirty="0" err="1"/>
+              <a:t>ffmpeg</a:t>
+            </a:r>
+            <a:r>
+              <a:rPr lang="en" sz="1800" dirty="0"/>
+              <a:t> application to decode the video and freeze an image at a given position in the video. The frozen image is written to a pre-configured folder in a S3 bucket.</a:t>
+            </a:r>
+            <a:endParaRPr sz="1800" dirty="0"/>
           </a:p>
         </p:txBody>
       </p:sp>
@@ -38683,7 +38953,7 @@
 </p:sld>
 </file>
 
-<file path=ppt/slides/slide16.xml><?xml version="1.0" encoding="utf-8"?>
+<file path=ppt/slides/slide17.xml><?xml version="1.0" encoding="utf-8"?>
 <p:sld xmlns:a="http://schemas.openxmlformats.org/drawingml/2006/main" xmlns:r="http://schemas.openxmlformats.org/officeDocument/2006/relationships" xmlns:p="http://schemas.openxmlformats.org/presentationml/2006/main">
   <p:cSld>
     <p:spTree>
@@ -38947,7 +39217,7 @@
 </p:sld>
 </file>
 
-<file path=ppt/slides/slide17.xml><?xml version="1.0" encoding="utf-8"?>
+<file path=ppt/slides/slide18.xml><?xml version="1.0" encoding="utf-8"?>
 <p:sld xmlns:a="http://schemas.openxmlformats.org/drawingml/2006/main" xmlns:r="http://schemas.openxmlformats.org/officeDocument/2006/relationships" xmlns:p="http://schemas.openxmlformats.org/presentationml/2006/main">
   <p:cSld>
     <p:spTree>
@@ -39069,10 +39339,10 @@
               <a:buNone/>
             </a:pPr>
             <a:r>
-              <a:rPr lang="en" sz="1800"/>
+              <a:rPr lang="en" sz="1800" dirty="0"/>
               <a:t>Deploy your software using a Fargate Service fronted by an Application Load Balancer.</a:t>
             </a:r>
-            <a:endParaRPr sz="1800"/>
+            <a:endParaRPr sz="1800" dirty="0"/>
           </a:p>
           <a:p>
             <a:pPr marL="457200" lvl="0" indent="-342900" algn="l" rtl="0">
@@ -39086,10 +39356,10 @@
               <a:buChar char="*"/>
             </a:pPr>
             <a:r>
-              <a:rPr lang="en" sz="1800"/>
+              <a:rPr lang="en" sz="1800" dirty="0"/>
               <a:t>Deploy your service in a Fargate Task</a:t>
             </a:r>
-            <a:endParaRPr sz="1800"/>
+            <a:endParaRPr sz="1800" dirty="0"/>
           </a:p>
           <a:p>
             <a:pPr marL="457200" lvl="0" indent="-342900" algn="l" rtl="0">
@@ -39103,10 +39373,10 @@
               <a:buChar char="*"/>
             </a:pPr>
             <a:r>
-              <a:rPr lang="en" sz="1800"/>
+              <a:rPr lang="en" sz="1800" dirty="0"/>
               <a:t>Open ports for two-way communication in the Task and Container</a:t>
             </a:r>
-            <a:endParaRPr sz="1800"/>
+            <a:endParaRPr sz="1800" dirty="0"/>
           </a:p>
           <a:p>
             <a:pPr marL="457200" lvl="0" indent="-342900" algn="l" rtl="0">
@@ -39120,10 +39390,10 @@
               <a:buChar char="*"/>
             </a:pPr>
             <a:r>
-              <a:rPr lang="en" sz="1800"/>
+              <a:rPr lang="en" sz="1800" dirty="0"/>
               <a:t>Create an ECS Service to wrap around the Fargate Task.</a:t>
             </a:r>
-            <a:endParaRPr sz="1800"/>
+            <a:endParaRPr sz="1800" dirty="0"/>
           </a:p>
           <a:p>
             <a:pPr marL="457200" lvl="0" indent="-342900" algn="l" rtl="0">
@@ -39137,10 +39407,10 @@
               <a:buChar char="*"/>
             </a:pPr>
             <a:r>
-              <a:rPr lang="en" sz="1800"/>
+              <a:rPr lang="en" sz="1800" dirty="0"/>
               <a:t>Attach an Application Load Balancer in front of the Fargate Service.</a:t>
             </a:r>
-            <a:endParaRPr sz="1800"/>
+            <a:endParaRPr sz="1800" dirty="0"/>
           </a:p>
           <a:p>
             <a:pPr marL="457200" lvl="0" indent="-342900" algn="l" rtl="0">
@@ -39154,10 +39424,10 @@
               <a:buChar char="*"/>
             </a:pPr>
             <a:r>
-              <a:rPr lang="en" sz="1800"/>
+              <a:rPr lang="en" sz="1800" dirty="0"/>
               <a:t>Register an auto-scaling target with rules on when to scale out your service and when to scale it in.</a:t>
             </a:r>
-            <a:endParaRPr sz="1800"/>
+            <a:endParaRPr sz="1800" dirty="0"/>
           </a:p>
         </p:txBody>
       </p:sp>
@@ -39169,7 +39439,7 @@
 </p:sld>
 </file>
 
-<file path=ppt/slides/slide18.xml><?xml version="1.0" encoding="utf-8"?>
+<file path=ppt/slides/slide19.xml><?xml version="1.0" encoding="utf-8"?>
 <p:sld xmlns:a="http://schemas.openxmlformats.org/drawingml/2006/main" xmlns:r="http://schemas.openxmlformats.org/officeDocument/2006/relationships" xmlns:p="http://schemas.openxmlformats.org/presentationml/2006/main">
   <p:cSld>
     <p:spTree>
@@ -39263,14 +39533,14 @@
               <a:buNone/>
             </a:pPr>
             <a:r>
-              <a:rPr lang="en" sz="1800" b="1"/>
+              <a:rPr lang="en" sz="1800" b="1" dirty="0"/>
               <a:t>Fargate Task</a:t>
             </a:r>
             <a:r>
-              <a:rPr lang="en" sz="1800"/>
+              <a:rPr lang="en" sz="1800" dirty="0"/>
               <a:t> - A Fargate task that has its ports open for two-way communication using one or more containers (within a maximum limit of ten containers).</a:t>
             </a:r>
-            <a:endParaRPr sz="1800"/>
+            <a:endParaRPr sz="1800" dirty="0"/>
           </a:p>
           <a:p>
             <a:pPr marL="0" lvl="0" indent="0" algn="l" rtl="0">
@@ -39283,14 +39553,14 @@
               <a:buNone/>
             </a:pPr>
             <a:r>
-              <a:rPr lang="en" sz="1800" b="1"/>
+              <a:rPr lang="en" sz="1800" b="1" dirty="0"/>
               <a:t>ECS Service</a:t>
             </a:r>
             <a:r>
-              <a:rPr lang="en" sz="1800"/>
+              <a:rPr lang="en" sz="1800" dirty="0"/>
               <a:t> - An ECS service that uses the Fargate Task from above identifying the desired count of tasks that must be run at any given time.</a:t>
             </a:r>
-            <a:endParaRPr sz="1800"/>
+            <a:endParaRPr sz="1800" dirty="0"/>
           </a:p>
           <a:p>
             <a:pPr marL="0" lvl="0" indent="0" algn="l" rtl="0">
@@ -39303,14 +39573,14 @@
               <a:buNone/>
             </a:pPr>
             <a:r>
-              <a:rPr lang="en" sz="1800" b="1"/>
+              <a:rPr lang="en" sz="1800" b="1" dirty="0"/>
               <a:t>Application Load Balancer</a:t>
             </a:r>
             <a:r>
-              <a:rPr lang="en" sz="1800"/>
+              <a:rPr lang="en" sz="1800" dirty="0"/>
               <a:t> - An Application Load Balancer with a listener to forward requests to the ECS Service.</a:t>
             </a:r>
-            <a:endParaRPr sz="1800"/>
+            <a:endParaRPr sz="1800" dirty="0"/>
           </a:p>
           <a:p>
             <a:pPr marL="0" lvl="0" indent="0" algn="l" rtl="0">
@@ -39323,14 +39593,14 @@
               <a:buNone/>
             </a:pPr>
             <a:r>
-              <a:rPr lang="en" sz="1800" b="1"/>
+              <a:rPr lang="en" sz="1800" b="1" dirty="0"/>
               <a:t>API Gateway</a:t>
             </a:r>
             <a:r>
-              <a:rPr lang="en" sz="1800"/>
+              <a:rPr lang="en" sz="1800" dirty="0"/>
               <a:t> - An optional API gateway configured to forward requests to the application load balancer.</a:t>
             </a:r>
-            <a:endParaRPr sz="1800"/>
+            <a:endParaRPr sz="1800" dirty="0"/>
           </a:p>
           <a:p>
             <a:pPr marL="0" lvl="0" indent="0" algn="l" rtl="0">
@@ -39343,14 +39613,14 @@
               <a:buNone/>
             </a:pPr>
             <a:r>
-              <a:rPr lang="en" sz="1800" b="1"/>
+              <a:rPr lang="en" sz="1800" b="1" dirty="0"/>
               <a:t>Web Interface</a:t>
             </a:r>
             <a:r>
-              <a:rPr lang="en" sz="1800"/>
+              <a:rPr lang="en" sz="1800" dirty="0"/>
               <a:t> - An optional browser-based interface for allowing users to post requests to the service. This could be a simple HTML form.</a:t>
             </a:r>
-            <a:endParaRPr sz="1800"/>
+            <a:endParaRPr sz="1800" dirty="0"/>
           </a:p>
         </p:txBody>
       </p:sp>
@@ -39396,279 +39666,6 @@
                 <a:sym typeface="Oswald"/>
               </a:rPr>
               <a:t>You can optionally add service discovery with Route 53 </a:t>
-            </a:r>
-            <a:endParaRPr>
-              <a:latin typeface="Oswald"/>
-              <a:ea typeface="Oswald"/>
-              <a:cs typeface="Oswald"/>
-              <a:sym typeface="Oswald"/>
-            </a:endParaRPr>
-          </a:p>
-          <a:p>
-            <a:pPr marL="0" lvl="0" indent="0" algn="l" rtl="0">
-              <a:spcBef>
-                <a:spcPts val="0"/>
-              </a:spcBef>
-              <a:spcAft>
-                <a:spcPts val="0"/>
-              </a:spcAft>
-              <a:buNone/>
-            </a:pPr>
-            <a:endParaRPr>
-              <a:latin typeface="Calibri"/>
-              <a:ea typeface="Calibri"/>
-              <a:cs typeface="Calibri"/>
-              <a:sym typeface="Calibri"/>
-            </a:endParaRPr>
-          </a:p>
-        </p:txBody>
-      </p:sp>
-    </p:spTree>
-  </p:cSld>
-  <p:clrMapOvr>
-    <a:masterClrMapping/>
-  </p:clrMapOvr>
-</p:sld>
-</file>
-
-<file path=ppt/slides/slide19.xml><?xml version="1.0" encoding="utf-8"?>
-<p:sld xmlns:a="http://schemas.openxmlformats.org/drawingml/2006/main" xmlns:r="http://schemas.openxmlformats.org/officeDocument/2006/relationships" xmlns:p="http://schemas.openxmlformats.org/presentationml/2006/main">
-  <p:cSld>
-    <p:spTree>
-      <p:nvGrpSpPr>
-        <p:cNvPr id="1" name="Shape 390"/>
-        <p:cNvGrpSpPr/>
-        <p:nvPr/>
-      </p:nvGrpSpPr>
-      <p:grpSpPr>
-        <a:xfrm>
-          <a:off x="0" y="0"/>
-          <a:ext cx="0" cy="0"/>
-          <a:chOff x="0" y="0"/>
-          <a:chExt cx="0" cy="0"/>
-        </a:xfrm>
-      </p:grpSpPr>
-      <p:sp>
-        <p:nvSpPr>
-          <p:cNvPr id="391" name="Google Shape;391;p39"/>
-          <p:cNvSpPr txBox="1">
-            <a:spLocks noGrp="1"/>
-          </p:cNvSpPr>
-          <p:nvPr>
-            <p:ph type="title"/>
-          </p:nvPr>
-        </p:nvSpPr>
-        <p:spPr>
-          <a:xfrm>
-            <a:off x="311700" y="179350"/>
-            <a:ext cx="8520600" cy="572700"/>
-          </a:xfrm>
-          <a:prstGeom prst="rect">
-            <a:avLst/>
-          </a:prstGeom>
-        </p:spPr>
-        <p:txBody>
-          <a:bodyPr spcFirstLastPara="1" wrap="square" lIns="68575" tIns="34275" rIns="68575" bIns="34275" anchor="ctr" anchorCtr="0">
-            <a:noAutofit/>
-          </a:bodyPr>
-          <a:lstStyle/>
-          <a:p>
-            <a:pPr marL="0" lvl="0" indent="0" algn="l" rtl="0">
-              <a:spcBef>
-                <a:spcPts val="0"/>
-              </a:spcBef>
-              <a:spcAft>
-                <a:spcPts val="0"/>
-              </a:spcAft>
-              <a:buNone/>
-            </a:pPr>
-            <a:r>
-              <a:rPr lang="en" sz="3100"/>
-              <a:t>Scaling Container Pattern - Example</a:t>
-            </a:r>
-            <a:endParaRPr sz="3100"/>
-          </a:p>
-        </p:txBody>
-      </p:sp>
-      <p:sp>
-        <p:nvSpPr>
-          <p:cNvPr id="392" name="Google Shape;392;p39"/>
-          <p:cNvSpPr txBox="1">
-            <a:spLocks noGrp="1"/>
-          </p:cNvSpPr>
-          <p:nvPr>
-            <p:ph type="body" idx="1"/>
-          </p:nvPr>
-        </p:nvSpPr>
-        <p:spPr>
-          <a:xfrm>
-            <a:off x="311700" y="752050"/>
-            <a:ext cx="8520600" cy="3531600"/>
-          </a:xfrm>
-          <a:prstGeom prst="rect">
-            <a:avLst/>
-          </a:prstGeom>
-        </p:spPr>
-        <p:txBody>
-          <a:bodyPr spcFirstLastPara="1" wrap="square" lIns="68575" tIns="34275" rIns="68575" bIns="34275" anchor="t" anchorCtr="0">
-            <a:noAutofit/>
-          </a:bodyPr>
-          <a:lstStyle/>
-          <a:p>
-            <a:pPr marL="0" lvl="0" indent="0" algn="l" rtl="0">
-              <a:lnSpc>
-                <a:spcPct val="125000"/>
-              </a:lnSpc>
-              <a:spcBef>
-                <a:spcPts val="1800"/>
-              </a:spcBef>
-              <a:spcAft>
-                <a:spcPts val="0"/>
-              </a:spcAft>
-              <a:buNone/>
-            </a:pPr>
-            <a:r>
-              <a:rPr lang="en" sz="1650" b="1">
-                <a:solidFill>
-                  <a:srgbClr val="24292E"/>
-                </a:solidFill>
-                <a:latin typeface="Arial"/>
-                <a:ea typeface="Arial"/>
-                <a:cs typeface="Arial"/>
-                <a:sym typeface="Arial"/>
-              </a:rPr>
-              <a:t>Bean-counter - A Coin-counter Service</a:t>
-            </a:r>
-            <a:endParaRPr sz="1650" b="1">
-              <a:solidFill>
-                <a:srgbClr val="24292E"/>
-              </a:solidFill>
-              <a:latin typeface="Arial"/>
-              <a:ea typeface="Arial"/>
-              <a:cs typeface="Arial"/>
-              <a:sym typeface="Arial"/>
-            </a:endParaRPr>
-          </a:p>
-          <a:p>
-            <a:pPr marL="0" lvl="0" indent="0" algn="l" rtl="0">
-              <a:spcBef>
-                <a:spcPts val="1200"/>
-              </a:spcBef>
-              <a:spcAft>
-                <a:spcPts val="0"/>
-              </a:spcAft>
-              <a:buNone/>
-            </a:pPr>
-            <a:r>
-              <a:rPr lang="en" sz="1800"/>
-              <a:t>Bean Counter is a coin counter service. It will analyze an image of coins and return the total value of the coins in the image. It works only on US Mint issued coined and does not recognize any denomination above a quarter dollar coin. It also assumes that the picture contains a quarter. The quarter is used to calibrate the size of the coins. It is implemented following the Scaling-Container pattern.</a:t>
-            </a:r>
-            <a:endParaRPr sz="1800"/>
-          </a:p>
-          <a:p>
-            <a:pPr marL="0" lvl="0" indent="0" algn="l" rtl="0">
-              <a:spcBef>
-                <a:spcPts val="800"/>
-              </a:spcBef>
-              <a:spcAft>
-                <a:spcPts val="0"/>
-              </a:spcAft>
-              <a:buNone/>
-            </a:pPr>
-            <a:r>
-              <a:rPr lang="en" sz="1800"/>
-              <a:t>In typical usage, a user navigates to the URL of the ALB on the browser and enters the URL for the service along with the location of the image file containing the picture of the coins. The Bean-Counter service then invokes the Fargate Task and returns the response to the browser.</a:t>
-            </a:r>
-            <a:endParaRPr sz="1800"/>
-          </a:p>
-        </p:txBody>
-      </p:sp>
-      <p:sp>
-        <p:nvSpPr>
-          <p:cNvPr id="393" name="Google Shape;393;p39"/>
-          <p:cNvSpPr txBox="1"/>
-          <p:nvPr/>
-        </p:nvSpPr>
-        <p:spPr>
-          <a:xfrm>
-            <a:off x="1853050" y="4395150"/>
-            <a:ext cx="5429400" cy="320400"/>
-          </a:xfrm>
-          <a:prstGeom prst="rect">
-            <a:avLst/>
-          </a:prstGeom>
-          <a:noFill/>
-          <a:ln>
-            <a:noFill/>
-          </a:ln>
-        </p:spPr>
-        <p:txBody>
-          <a:bodyPr spcFirstLastPara="1" wrap="square" lIns="91425" tIns="91425" rIns="91425" bIns="91425" anchor="t" anchorCtr="0">
-            <a:noAutofit/>
-          </a:bodyPr>
-          <a:lstStyle/>
-          <a:p>
-            <a:pPr marL="0" lvl="0" indent="0" algn="ctr" rtl="0">
-              <a:spcBef>
-                <a:spcPts val="0"/>
-              </a:spcBef>
-              <a:spcAft>
-                <a:spcPts val="0"/>
-              </a:spcAft>
-              <a:buNone/>
-            </a:pPr>
-            <a:r>
-              <a:rPr lang="en">
-                <a:latin typeface="Oswald"/>
-                <a:ea typeface="Oswald"/>
-                <a:cs typeface="Oswald"/>
-                <a:sym typeface="Oswald"/>
-              </a:rPr>
-              <a:t>See the </a:t>
-            </a:r>
-            <a:r>
-              <a:rPr lang="en" u="sng">
-                <a:solidFill>
-                  <a:schemeClr val="hlink"/>
-                </a:solidFill>
-                <a:latin typeface="Oswald"/>
-                <a:ea typeface="Oswald"/>
-                <a:cs typeface="Oswald"/>
-                <a:sym typeface="Oswald"/>
-                <a:hlinkClick r:id="rId3"/>
-              </a:rPr>
-              <a:t>http://bit.ly/bean-counter</a:t>
-            </a:r>
-            <a:r>
-              <a:rPr lang="en">
-                <a:latin typeface="Oswald"/>
-                <a:ea typeface="Oswald"/>
-                <a:cs typeface="Oswald"/>
-                <a:sym typeface="Oswald"/>
-              </a:rPr>
-              <a:t> subproject in </a:t>
-            </a:r>
-            <a:r>
-              <a:rPr lang="en" u="sng">
-                <a:solidFill>
-                  <a:schemeClr val="hlink"/>
-                </a:solidFill>
-                <a:latin typeface="Oswald"/>
-                <a:ea typeface="Oswald"/>
-                <a:cs typeface="Oswald"/>
-                <a:sym typeface="Oswald"/>
-                <a:hlinkClick r:id="rId4"/>
-              </a:rPr>
-              <a:t>http://bit.ly/fargatepatterns</a:t>
-            </a:r>
-            <a:r>
-              <a:rPr lang="en">
-                <a:latin typeface="Oswald"/>
-                <a:ea typeface="Oswald"/>
-                <a:cs typeface="Oswald"/>
-                <a:sym typeface="Oswald"/>
-              </a:rPr>
-              <a:t> </a:t>
             </a:r>
             <a:endParaRPr>
               <a:latin typeface="Oswald"/>
@@ -39798,18 +39795,18 @@
               <a:buNone/>
             </a:pPr>
             <a:r>
-              <a:rPr lang="en" sz="1800"/>
+              <a:rPr lang="en" sz="1800" dirty="0"/>
               <a:t>AWS Fargate is the </a:t>
             </a:r>
             <a:r>
-              <a:rPr lang="en" sz="1800" i="1"/>
+              <a:rPr lang="en" sz="1800" i="1" dirty="0"/>
               <a:t>Uber*</a:t>
             </a:r>
             <a:r>
-              <a:rPr lang="en" sz="1800"/>
+              <a:rPr lang="en" sz="1800" dirty="0"/>
               <a:t> of container service allowing engineers to hail a container by specifying their compute and memory needs. By providing an incredible on-demand flexibility and removing the burden of resource provisioning just as Lambda did years ago to servers, Fargate is disrupting the container management technology. </a:t>
             </a:r>
-            <a:endParaRPr sz="1800"/>
+            <a:endParaRPr sz="1800" dirty="0"/>
           </a:p>
           <a:p>
             <a:pPr marL="0" lvl="0" indent="0" algn="l" rtl="0">
@@ -39822,34 +39819,34 @@
               <a:buNone/>
             </a:pPr>
             <a:r>
-              <a:rPr lang="en" sz="1800"/>
+              <a:rPr lang="en" sz="1800" dirty="0"/>
               <a:t>In this presentation, we will explore three design patterns viz., the </a:t>
             </a:r>
             <a:r>
-              <a:rPr lang="en" sz="1800" b="1" i="1"/>
+              <a:rPr lang="en" sz="1800" b="1" i="1" dirty="0"/>
               <a:t>Container-on-Demand</a:t>
             </a:r>
             <a:r>
-              <a:rPr lang="en" sz="1800"/>
+              <a:rPr lang="en" sz="1800" dirty="0"/>
               <a:t>, </a:t>
             </a:r>
             <a:r>
-              <a:rPr lang="en" sz="1800" b="1" i="1"/>
+              <a:rPr lang="en" sz="1800" b="1" i="1" dirty="0"/>
               <a:t>Scaling-Container</a:t>
             </a:r>
             <a:r>
-              <a:rPr lang="en" sz="1800"/>
+              <a:rPr lang="en" sz="1800" dirty="0"/>
               <a:t> and </a:t>
             </a:r>
             <a:r>
-              <a:rPr lang="en" sz="1800" b="1" i="1"/>
+              <a:rPr lang="en" sz="1800" b="1" i="1" dirty="0"/>
               <a:t>Sidecar-Assembly</a:t>
             </a:r>
             <a:r>
-              <a:rPr lang="en" sz="1800"/>
+              <a:rPr lang="en" sz="1800" dirty="0"/>
               <a:t> patterns that allows Fargate to be used just like Lambdas for heavy on-demand tasks where Lambda is not suitable, or allow you to run containers traditionally but without having to manage infrastructure. Additionally, we will explore how to attach sidecar containers to a parent container to provide supporting features for the application. </a:t>
             </a:r>
-            <a:endParaRPr sz="1800"/>
+            <a:endParaRPr sz="1800" dirty="0"/>
           </a:p>
           <a:p>
             <a:pPr marL="0" lvl="0" indent="0" algn="l" rtl="0">
@@ -39861,7 +39858,7 @@
               </a:spcAft>
               <a:buNone/>
             </a:pPr>
-            <a:endParaRPr sz="1400"/>
+            <a:endParaRPr sz="1400" dirty="0"/>
           </a:p>
         </p:txBody>
       </p:sp>
@@ -39949,6 +39946,279 @@
 </file>
 
 <file path=ppt/slides/slide20.xml><?xml version="1.0" encoding="utf-8"?>
+<p:sld xmlns:a="http://schemas.openxmlformats.org/drawingml/2006/main" xmlns:r="http://schemas.openxmlformats.org/officeDocument/2006/relationships" xmlns:p="http://schemas.openxmlformats.org/presentationml/2006/main">
+  <p:cSld>
+    <p:spTree>
+      <p:nvGrpSpPr>
+        <p:cNvPr id="1" name="Shape 390"/>
+        <p:cNvGrpSpPr/>
+        <p:nvPr/>
+      </p:nvGrpSpPr>
+      <p:grpSpPr>
+        <a:xfrm>
+          <a:off x="0" y="0"/>
+          <a:ext cx="0" cy="0"/>
+          <a:chOff x="0" y="0"/>
+          <a:chExt cx="0" cy="0"/>
+        </a:xfrm>
+      </p:grpSpPr>
+      <p:sp>
+        <p:nvSpPr>
+          <p:cNvPr id="391" name="Google Shape;391;p39"/>
+          <p:cNvSpPr txBox="1">
+            <a:spLocks noGrp="1"/>
+          </p:cNvSpPr>
+          <p:nvPr>
+            <p:ph type="title"/>
+          </p:nvPr>
+        </p:nvSpPr>
+        <p:spPr>
+          <a:xfrm>
+            <a:off x="311700" y="179350"/>
+            <a:ext cx="8520600" cy="572700"/>
+          </a:xfrm>
+          <a:prstGeom prst="rect">
+            <a:avLst/>
+          </a:prstGeom>
+        </p:spPr>
+        <p:txBody>
+          <a:bodyPr spcFirstLastPara="1" wrap="square" lIns="68575" tIns="34275" rIns="68575" bIns="34275" anchor="ctr" anchorCtr="0">
+            <a:noAutofit/>
+          </a:bodyPr>
+          <a:lstStyle/>
+          <a:p>
+            <a:pPr marL="0" lvl="0" indent="0" algn="l" rtl="0">
+              <a:spcBef>
+                <a:spcPts val="0"/>
+              </a:spcBef>
+              <a:spcAft>
+                <a:spcPts val="0"/>
+              </a:spcAft>
+              <a:buNone/>
+            </a:pPr>
+            <a:r>
+              <a:rPr lang="en" sz="3100"/>
+              <a:t>Scaling Container Pattern - Example</a:t>
+            </a:r>
+            <a:endParaRPr sz="3100"/>
+          </a:p>
+        </p:txBody>
+      </p:sp>
+      <p:sp>
+        <p:nvSpPr>
+          <p:cNvPr id="392" name="Google Shape;392;p39"/>
+          <p:cNvSpPr txBox="1">
+            <a:spLocks noGrp="1"/>
+          </p:cNvSpPr>
+          <p:nvPr>
+            <p:ph type="body" idx="1"/>
+          </p:nvPr>
+        </p:nvSpPr>
+        <p:spPr>
+          <a:xfrm>
+            <a:off x="311700" y="752050"/>
+            <a:ext cx="8520600" cy="3531600"/>
+          </a:xfrm>
+          <a:prstGeom prst="rect">
+            <a:avLst/>
+          </a:prstGeom>
+        </p:spPr>
+        <p:txBody>
+          <a:bodyPr spcFirstLastPara="1" wrap="square" lIns="68575" tIns="34275" rIns="68575" bIns="34275" anchor="t" anchorCtr="0">
+            <a:noAutofit/>
+          </a:bodyPr>
+          <a:lstStyle/>
+          <a:p>
+            <a:pPr marL="0" lvl="0" indent="0" algn="l" rtl="0">
+              <a:lnSpc>
+                <a:spcPct val="125000"/>
+              </a:lnSpc>
+              <a:spcBef>
+                <a:spcPts val="1800"/>
+              </a:spcBef>
+              <a:spcAft>
+                <a:spcPts val="0"/>
+              </a:spcAft>
+              <a:buNone/>
+            </a:pPr>
+            <a:r>
+              <a:rPr lang="en" sz="1650" b="1" dirty="0">
+                <a:solidFill>
+                  <a:srgbClr val="24292E"/>
+                </a:solidFill>
+                <a:latin typeface="Arial"/>
+                <a:ea typeface="Arial"/>
+                <a:cs typeface="Arial"/>
+                <a:sym typeface="Arial"/>
+              </a:rPr>
+              <a:t>Bean-counter - A Coin-counter Service</a:t>
+            </a:r>
+            <a:endParaRPr sz="1650" b="1" dirty="0">
+              <a:solidFill>
+                <a:srgbClr val="24292E"/>
+              </a:solidFill>
+              <a:latin typeface="Arial"/>
+              <a:ea typeface="Arial"/>
+              <a:cs typeface="Arial"/>
+              <a:sym typeface="Arial"/>
+            </a:endParaRPr>
+          </a:p>
+          <a:p>
+            <a:pPr marL="0" lvl="0" indent="0" algn="l" rtl="0">
+              <a:spcBef>
+                <a:spcPts val="1200"/>
+              </a:spcBef>
+              <a:spcAft>
+                <a:spcPts val="0"/>
+              </a:spcAft>
+              <a:buNone/>
+            </a:pPr>
+            <a:r>
+              <a:rPr lang="en" sz="1800" dirty="0"/>
+              <a:t>Bean Counter is a coin counter service. It will analyze an image of coins and return the total value of the coins in the image. It works only on US Mint issued coined and does not recognize any denomination above a quarter dollar coin. It also assumes that the picture contains a quarter. The quarter is used to calibrate the size of the coins. It is implemented following the Scaling-Container pattern.</a:t>
+            </a:r>
+            <a:endParaRPr sz="1800" dirty="0"/>
+          </a:p>
+          <a:p>
+            <a:pPr marL="0" lvl="0" indent="0" algn="l" rtl="0">
+              <a:spcBef>
+                <a:spcPts val="800"/>
+              </a:spcBef>
+              <a:spcAft>
+                <a:spcPts val="0"/>
+              </a:spcAft>
+              <a:buNone/>
+            </a:pPr>
+            <a:r>
+              <a:rPr lang="en" sz="1800" dirty="0"/>
+              <a:t>In typical usage, a user navigates to the URL of the ALB on the browser and enters the URL for the service along with the location of the image file containing the picture of the coins. The Bean-Counter service then invokes the Fargate Task and returns the response to the browser.</a:t>
+            </a:r>
+            <a:endParaRPr sz="1800" dirty="0"/>
+          </a:p>
+        </p:txBody>
+      </p:sp>
+      <p:sp>
+        <p:nvSpPr>
+          <p:cNvPr id="393" name="Google Shape;393;p39"/>
+          <p:cNvSpPr txBox="1"/>
+          <p:nvPr/>
+        </p:nvSpPr>
+        <p:spPr>
+          <a:xfrm>
+            <a:off x="1853050" y="4395150"/>
+            <a:ext cx="5429400" cy="320400"/>
+          </a:xfrm>
+          <a:prstGeom prst="rect">
+            <a:avLst/>
+          </a:prstGeom>
+          <a:noFill/>
+          <a:ln>
+            <a:noFill/>
+          </a:ln>
+        </p:spPr>
+        <p:txBody>
+          <a:bodyPr spcFirstLastPara="1" wrap="square" lIns="91425" tIns="91425" rIns="91425" bIns="91425" anchor="t" anchorCtr="0">
+            <a:noAutofit/>
+          </a:bodyPr>
+          <a:lstStyle/>
+          <a:p>
+            <a:pPr marL="0" lvl="0" indent="0" algn="ctr" rtl="0">
+              <a:spcBef>
+                <a:spcPts val="0"/>
+              </a:spcBef>
+              <a:spcAft>
+                <a:spcPts val="0"/>
+              </a:spcAft>
+              <a:buNone/>
+            </a:pPr>
+            <a:r>
+              <a:rPr lang="en">
+                <a:latin typeface="Oswald"/>
+                <a:ea typeface="Oswald"/>
+                <a:cs typeface="Oswald"/>
+                <a:sym typeface="Oswald"/>
+              </a:rPr>
+              <a:t>See the </a:t>
+            </a:r>
+            <a:r>
+              <a:rPr lang="en" u="sng">
+                <a:solidFill>
+                  <a:schemeClr val="hlink"/>
+                </a:solidFill>
+                <a:latin typeface="Oswald"/>
+                <a:ea typeface="Oswald"/>
+                <a:cs typeface="Oswald"/>
+                <a:sym typeface="Oswald"/>
+                <a:hlinkClick r:id="rId3"/>
+              </a:rPr>
+              <a:t>http://bit.ly/bean-counter</a:t>
+            </a:r>
+            <a:r>
+              <a:rPr lang="en">
+                <a:latin typeface="Oswald"/>
+                <a:ea typeface="Oswald"/>
+                <a:cs typeface="Oswald"/>
+                <a:sym typeface="Oswald"/>
+              </a:rPr>
+              <a:t> subproject in </a:t>
+            </a:r>
+            <a:r>
+              <a:rPr lang="en" u="sng">
+                <a:solidFill>
+                  <a:schemeClr val="hlink"/>
+                </a:solidFill>
+                <a:latin typeface="Oswald"/>
+                <a:ea typeface="Oswald"/>
+                <a:cs typeface="Oswald"/>
+                <a:sym typeface="Oswald"/>
+                <a:hlinkClick r:id="rId4"/>
+              </a:rPr>
+              <a:t>http://bit.ly/fargatepatterns</a:t>
+            </a:r>
+            <a:r>
+              <a:rPr lang="en">
+                <a:latin typeface="Oswald"/>
+                <a:ea typeface="Oswald"/>
+                <a:cs typeface="Oswald"/>
+                <a:sym typeface="Oswald"/>
+              </a:rPr>
+              <a:t> </a:t>
+            </a:r>
+            <a:endParaRPr>
+              <a:latin typeface="Oswald"/>
+              <a:ea typeface="Oswald"/>
+              <a:cs typeface="Oswald"/>
+              <a:sym typeface="Oswald"/>
+            </a:endParaRPr>
+          </a:p>
+          <a:p>
+            <a:pPr marL="0" lvl="0" indent="0" algn="l" rtl="0">
+              <a:spcBef>
+                <a:spcPts val="0"/>
+              </a:spcBef>
+              <a:spcAft>
+                <a:spcPts val="0"/>
+              </a:spcAft>
+              <a:buNone/>
+            </a:pPr>
+            <a:endParaRPr>
+              <a:latin typeface="Calibri"/>
+              <a:ea typeface="Calibri"/>
+              <a:cs typeface="Calibri"/>
+              <a:sym typeface="Calibri"/>
+            </a:endParaRPr>
+          </a:p>
+        </p:txBody>
+      </p:sp>
+    </p:spTree>
+  </p:cSld>
+  <p:clrMapOvr>
+    <a:masterClrMapping/>
+  </p:clrMapOvr>
+</p:sld>
+</file>
+
+<file path=ppt/slides/slide21.xml><?xml version="1.0" encoding="utf-8"?>
 <p:sld xmlns:a="http://schemas.openxmlformats.org/drawingml/2006/main" xmlns:r="http://schemas.openxmlformats.org/officeDocument/2006/relationships" xmlns:p="http://schemas.openxmlformats.org/presentationml/2006/main">
   <p:cSld>
     <p:spTree>
@@ -40185,7 +40455,7 @@
 </p:sld>
 </file>
 
-<file path=ppt/slides/slide21.xml><?xml version="1.0" encoding="utf-8"?>
+<file path=ppt/slides/slide22.xml><?xml version="1.0" encoding="utf-8"?>
 <p:sld xmlns:a="http://schemas.openxmlformats.org/drawingml/2006/main" xmlns:r="http://schemas.openxmlformats.org/officeDocument/2006/relationships" xmlns:p="http://schemas.openxmlformats.org/presentationml/2006/main">
   <p:cSld>
     <p:spTree>
@@ -40358,7 +40628,7 @@
 </p:sld>
 </file>
 
-<file path=ppt/slides/slide22.xml><?xml version="1.0" encoding="utf-8"?>
+<file path=ppt/slides/slide23.xml><?xml version="1.0" encoding="utf-8"?>
 <p:sld xmlns:a="http://schemas.openxmlformats.org/drawingml/2006/main" xmlns:r="http://schemas.openxmlformats.org/officeDocument/2006/relationships" xmlns:p="http://schemas.openxmlformats.org/presentationml/2006/main">
   <p:cSld>
     <p:spTree>
@@ -40452,10 +40722,10 @@
               <a:buNone/>
             </a:pPr>
             <a:r>
-              <a:rPr lang="en" sz="1800"/>
+              <a:rPr lang="en" sz="1800" dirty="0"/>
               <a:t>Each application is unique and solving different needs based on business requirements. If the task of infrastructure management is too onerous and/or if you only want to pay for your computing time, then Fargate may be the right choice for you.</a:t>
             </a:r>
-            <a:endParaRPr sz="1800"/>
+            <a:endParaRPr sz="1800" dirty="0"/>
           </a:p>
           <a:p>
             <a:pPr marL="0" lvl="0" indent="0" algn="l" rtl="0">
@@ -40467,7 +40737,7 @@
               </a:spcAft>
               <a:buNone/>
             </a:pPr>
-            <a:endParaRPr sz="1800"/>
+            <a:endParaRPr sz="1800" dirty="0"/>
           </a:p>
           <a:p>
             <a:pPr marL="0" lvl="0" indent="0" algn="l" rtl="0">
@@ -40480,10 +40750,10 @@
               <a:buNone/>
             </a:pPr>
             <a:r>
-              <a:rPr lang="en" sz="1800"/>
+              <a:rPr lang="en" sz="1800" dirty="0"/>
               <a:t>On the other hand, if you need greater control of the network resources or have large  container workloads with consistent demand throughout the day, then it warrants maintaining a cluster of servers to run ECS or EKS. With the latter choice, you can use reserved or spot instances to offset your cost.</a:t>
             </a:r>
-            <a:endParaRPr sz="1800"/>
+            <a:endParaRPr sz="1800" dirty="0"/>
           </a:p>
           <a:p>
             <a:pPr marL="0" lvl="0" indent="0" algn="l" rtl="0">
@@ -40495,7 +40765,7 @@
               </a:spcAft>
               <a:buNone/>
             </a:pPr>
-            <a:endParaRPr sz="1800"/>
+            <a:endParaRPr sz="1800" dirty="0"/>
           </a:p>
           <a:p>
             <a:pPr marL="0" lvl="0" indent="0" algn="l" rtl="0">
@@ -40507,7 +40777,7 @@
               </a:spcAft>
               <a:buNone/>
             </a:pPr>
-            <a:endParaRPr sz="1800"/>
+            <a:endParaRPr sz="1800" dirty="0"/>
           </a:p>
         </p:txBody>
       </p:sp>
@@ -40827,10 +41097,10 @@
               <a:buNone/>
             </a:pPr>
             <a:r>
-              <a:rPr lang="en"/>
+              <a:rPr lang="en" dirty="0"/>
               <a:t>What is AWS Fargate?</a:t>
             </a:r>
-            <a:endParaRPr/>
+            <a:endParaRPr dirty="0"/>
           </a:p>
         </p:txBody>
       </p:sp>
@@ -40870,15 +41140,7 @@
             </a:pPr>
             <a:r>
               <a:rPr lang="en" sz="1800" dirty="0"/>
-              <a:t>Put simply, AWS </a:t>
-            </a:r>
-            <a:r>
-              <a:rPr lang="en" sz="1800" dirty="0" err="1"/>
-              <a:t>Fargate</a:t>
-            </a:r>
-            <a:r>
-              <a:rPr lang="en" sz="1800" dirty="0"/>
-              <a:t> is a container management solution provided by AWS to run your containers without having to worry about managing a cluster of servers. You don't have to choose server types, upgrade or patch servers or optimize container packing on your clusters.</a:t>
+              <a:t>Put simply, AWS Fargate is a container management solution provided by AWS to run your containers without having to worry about managing a cluster of servers. You don't have to choose server types, upgrade or patch servers or optimize container packing on your clusters.</a:t>
             </a:r>
             <a:endParaRPr sz="1800" dirty="0"/>
           </a:p>
@@ -40894,23 +41156,7 @@
             </a:pPr>
             <a:r>
               <a:rPr lang="en" sz="1800" dirty="0"/>
-              <a:t>With </a:t>
-            </a:r>
-            <a:r>
-              <a:rPr lang="en" sz="1800" dirty="0" err="1"/>
-              <a:t>Fargate</a:t>
-            </a:r>
-            <a:r>
-              <a:rPr lang="en" sz="1800" dirty="0"/>
-              <a:t>, you package your application in containers, specify the CPU and memory requirements, define networking and IAM policies, and launch the application. </a:t>
-            </a:r>
-            <a:r>
-              <a:rPr lang="en" sz="1800" dirty="0" err="1"/>
-              <a:t>Fargate</a:t>
-            </a:r>
-            <a:r>
-              <a:rPr lang="en" sz="1800" dirty="0"/>
-              <a:t> takes care of provisioning enough compute resources for your containers to scale out or scale them in when they are not utilized.</a:t>
+              <a:t>With Fargate, you package your application in containers, specify the CPU and memory requirements, define networking and IAM policies, and launch the application. Fargate takes care of provisioning enough compute resources for your containers to scale out or scale them in when they are not utilized.</a:t>
             </a:r>
             <a:endParaRPr sz="1800" dirty="0"/>
           </a:p>
@@ -40926,15 +41172,7 @@
             </a:pPr>
             <a:r>
               <a:rPr lang="en" sz="1800" dirty="0"/>
-              <a:t>If you are used to traditional container management, you will really appreciate </a:t>
-            </a:r>
-            <a:r>
-              <a:rPr lang="en" sz="1800" dirty="0" err="1"/>
-              <a:t>Fargate</a:t>
-            </a:r>
-            <a:r>
-              <a:rPr lang="en" sz="1800" dirty="0"/>
-              <a:t> allowing you to focus on the ‘Dev’ part of designing and building your applications and reduce the ‘Ops’ part of managing infrastructure from your ‘DevOps’ responsibilities.</a:t>
+              <a:t>If you are used to traditional container management, you will really appreciate Fargate allowing you to focus on the ‘Dev’ part of designing and building your applications and reduce the ‘Ops’ part of managing infrastructure from your ‘DevOps’ responsibilities.</a:t>
             </a:r>
             <a:endParaRPr sz="1800" dirty="0"/>
           </a:p>
@@ -40975,7 +41213,7 @@
               <a:buNone/>
             </a:pPr>
             <a:r>
-              <a:rPr lang="en">
+              <a:rPr lang="en" dirty="0">
                 <a:latin typeface="Oswald"/>
                 <a:ea typeface="Oswald"/>
                 <a:cs typeface="Oswald"/>
@@ -40983,7 +41221,7 @@
               </a:rPr>
               <a:t>Fargate is a serverless container management solution that runs containers without any EC2 instances</a:t>
             </a:r>
-            <a:endParaRPr>
+            <a:endParaRPr dirty="0">
               <a:latin typeface="Oswald"/>
               <a:ea typeface="Oswald"/>
               <a:cs typeface="Oswald"/>
@@ -41000,7 +41238,7 @@
               </a:spcAft>
               <a:buNone/>
             </a:pPr>
-            <a:endParaRPr>
+            <a:endParaRPr dirty="0">
               <a:latin typeface="Calibri"/>
               <a:ea typeface="Calibri"/>
               <a:cs typeface="Calibri"/>
@@ -41022,7 +41260,7 @@
   <p:cSld>
     <p:spTree>
       <p:nvGrpSpPr>
-        <p:cNvPr id="1" name="Shape 273"/>
+        <p:cNvPr id="1" name="Shape 280"/>
         <p:cNvGrpSpPr/>
         <p:nvPr/>
       </p:nvGrpSpPr>
@@ -41036,7 +41274,7 @@
       </p:grpSpPr>
       <p:sp>
         <p:nvSpPr>
-          <p:cNvPr id="274" name="Google Shape;274;p25"/>
+          <p:cNvPr id="281" name="Google Shape;281;p26"/>
           <p:cNvSpPr txBox="1">
             <a:spLocks noGrp="1"/>
           </p:cNvSpPr>
@@ -41069,16 +41307,16 @@
               <a:buNone/>
             </a:pPr>
             <a:r>
-              <a:rPr lang="en"/>
-              <a:t>Fargate Pricing Model</a:t>
+              <a:rPr lang="en" dirty="0"/>
+              <a:t>Fargate Use Cases</a:t>
             </a:r>
-            <a:endParaRPr/>
+            <a:endParaRPr dirty="0"/>
           </a:p>
         </p:txBody>
       </p:sp>
       <p:sp>
         <p:nvSpPr>
-          <p:cNvPr id="275" name="Google Shape;275;p25"/>
+          <p:cNvPr id="282" name="Google Shape;282;p26"/>
           <p:cNvSpPr txBox="1">
             <a:spLocks noGrp="1"/>
           </p:cNvSpPr>
@@ -41088,7 +41326,7 @@
         </p:nvSpPr>
         <p:spPr>
           <a:xfrm>
-            <a:off x="311700" y="867135"/>
+            <a:off x="311700" y="711160"/>
             <a:ext cx="8520600" cy="3416400"/>
           </a:xfrm>
           <a:prstGeom prst="rect">
@@ -41111,18 +41349,14 @@
               <a:buNone/>
             </a:pPr>
             <a:r>
-              <a:rPr lang="en" sz="1800"/>
-              <a:t>With the </a:t>
+              <a:rPr lang="en" sz="1800" b="1" dirty="0"/>
+              <a:t>Large workloads, optimized for low overhead</a:t>
             </a:r>
             <a:r>
-              <a:rPr lang="en" sz="1800" i="1"/>
-              <a:t>ECS EC2 </a:t>
+              <a:rPr lang="en" sz="1800" dirty="0"/>
+              <a:t> - Managing a large cluster requires patching, upgrading, securing and rehydrating constantly. AWS takes care of this for the servers used by Fargate.</a:t>
             </a:r>
-            <a:r>
-              <a:rPr lang="en" sz="1800"/>
-              <a:t>launch type billing is based on the cost of the underlying EC2 instances. This allows you to optimize price by taking advantage of billing models such as spot instances (bid a low price for an instance), or reserved instances (get a flat discount for committing to an instance for a certain time period). However, it is your responsibility to make sure that your containers are densely packed onto instances to get the best use out of them, otherwise you will be wasting money.</a:t>
-            </a:r>
-            <a:endParaRPr sz="1800"/>
+            <a:endParaRPr sz="1800" dirty="0"/>
           </a:p>
           <a:p>
             <a:pPr marL="0" lvl="0" indent="0" algn="l" rtl="0">
@@ -41135,31 +41369,67 @@
               <a:buNone/>
             </a:pPr>
             <a:r>
-              <a:rPr lang="en" sz="1800"/>
-              <a:t>With the </a:t>
+              <a:rPr lang="en" sz="1800" b="1" dirty="0"/>
+              <a:t>Small workloads, with occasional bursts</a:t>
             </a:r>
             <a:r>
-              <a:rPr lang="en" sz="1800" i="1"/>
-              <a:t>ECS Fargate</a:t>
+              <a:rPr lang="en" sz="1800" dirty="0"/>
+              <a:t> - Workloads such as website traffic does not fully utilize the compute &amp; memory you pay for. With Fargate you can scale down to a minimum number of instances when utilization is low (such as night time) and scale up as needed during core business hours.</a:t>
+            </a:r>
+            <a:endParaRPr sz="1800" dirty="0"/>
+          </a:p>
+          <a:p>
+            <a:pPr marL="0" lvl="0" indent="0" algn="l" rtl="0">
+              <a:spcBef>
+                <a:spcPts val="800"/>
+              </a:spcBef>
+              <a:spcAft>
+                <a:spcPts val="0"/>
+              </a:spcAft>
+              <a:buNone/>
+            </a:pPr>
+            <a:r>
+              <a:rPr lang="en" sz="1800" b="1" dirty="0"/>
+              <a:t>Tiny workloads</a:t>
             </a:r>
             <a:r>
-              <a:rPr lang="en" sz="1800"/>
-              <a:t> launch type billing is based on how many CPU cores, and gigabytes of memory your task requires, per second. You only ever pay for what your task uses, no more paying for EC2 capacity that goes unused.</a:t>
+              <a:rPr lang="en" sz="1800" dirty="0"/>
+              <a:t> - For proof-of-concepts and test environments, Fargate is a perfect choice to optimize utilization.</a:t>
             </a:r>
-            <a:endParaRPr sz="1800"/>
+            <a:endParaRPr sz="1800" dirty="0"/>
+          </a:p>
+          <a:p>
+            <a:pPr marL="0" lvl="0" indent="0" algn="l" rtl="0">
+              <a:spcBef>
+                <a:spcPts val="800"/>
+              </a:spcBef>
+              <a:spcAft>
+                <a:spcPts val="0"/>
+              </a:spcAft>
+              <a:buNone/>
+            </a:pPr>
+            <a:r>
+              <a:rPr lang="en" sz="1800" b="1" dirty="0"/>
+              <a:t>Batch workloads </a:t>
+            </a:r>
+            <a:r>
+              <a:rPr lang="en" sz="1800" dirty="0"/>
+              <a:t>- Loads that are kicked-off on schedules or occasional asynchronous jobs that are event-driven will be a good fit for Fargate.</a:t>
+            </a:r>
+            <a:endParaRPr sz="1800" dirty="0"/>
           </a:p>
         </p:txBody>
       </p:sp>
       <p:sp>
         <p:nvSpPr>
-          <p:cNvPr id="276" name="Google Shape;276;p25"/>
+          <p:cNvPr id="283" name="Google Shape;283;p26"/>
           <p:cNvSpPr txBox="1"/>
           <p:nvPr/>
         </p:nvSpPr>
         <p:spPr>
           <a:xfrm>
-            <a:off x="1117025" y="4247950"/>
-            <a:ext cx="7031100" cy="320400"/>
+            <a:off x="1117025" y="4325875"/>
+            <a:ext cx="7031100" cy="756900"/>
           </a:xfrm>
           <a:prstGeom prst="rect">
             <a:avLst/>
@@ -41185,50 +41455,15 @@
               <a:buNone/>
             </a:pPr>
             <a:r>
-              <a:rPr lang="en" dirty="0">
+              <a:rPr lang="en">
                 <a:latin typeface="Oswald"/>
                 <a:ea typeface="Oswald"/>
                 <a:cs typeface="Oswald"/>
                 <a:sym typeface="Oswald"/>
               </a:rPr>
-              <a:t>With its low maintenance overhead, rapid provisioning &amp; pay-per-use, </a:t>
+              <a:t>Large workloads with consistent demand throughout the day/night is still best suited for ECS EC2 or Kubernetes clusters as it can take advantage of reserved or spot instances.</a:t>
             </a:r>
-            <a:endParaRPr dirty="0">
-              <a:latin typeface="Oswald"/>
-              <a:ea typeface="Oswald"/>
-              <a:cs typeface="Oswald"/>
-              <a:sym typeface="Oswald"/>
-            </a:endParaRPr>
-          </a:p>
-          <a:p>
-            <a:pPr marL="0" lvl="0" indent="0" algn="ctr" rtl="0">
-              <a:spcBef>
-                <a:spcPts val="0"/>
-              </a:spcBef>
-              <a:spcAft>
-                <a:spcPts val="0"/>
-              </a:spcAft>
-              <a:buNone/>
-            </a:pPr>
-            <a:r>
-              <a:rPr lang="en" dirty="0" err="1">
-                <a:latin typeface="Oswald"/>
-                <a:ea typeface="Oswald"/>
-                <a:cs typeface="Oswald"/>
-                <a:sym typeface="Oswald"/>
-              </a:rPr>
-              <a:t>Fargate</a:t>
-            </a:r>
-            <a:r>
-              <a:rPr lang="en" dirty="0">
-                <a:latin typeface="Oswald"/>
-                <a:ea typeface="Oswald"/>
-                <a:cs typeface="Oswald"/>
-                <a:sym typeface="Oswald"/>
-              </a:rPr>
-              <a:t> can save you time, manpower, and money</a:t>
-            </a:r>
-            <a:endParaRPr dirty="0">
+            <a:endParaRPr>
               <a:latin typeface="Oswald"/>
               <a:ea typeface="Oswald"/>
               <a:cs typeface="Oswald"/>
@@ -41245,7 +41480,7 @@
               </a:spcAft>
               <a:buNone/>
             </a:pPr>
-            <a:endParaRPr dirty="0">
+            <a:endParaRPr>
               <a:latin typeface="Calibri"/>
               <a:ea typeface="Calibri"/>
               <a:cs typeface="Calibri"/>
@@ -41314,10 +41549,10 @@
               <a:buNone/>
             </a:pPr>
             <a:r>
-              <a:rPr lang="en"/>
-              <a:t>Fargate Use Cases</a:t>
+              <a:rPr lang="en" dirty="0"/>
+              <a:t>Fargate – the Good, Bad &amp; Ugly</a:t>
             </a:r>
-            <a:endParaRPr/>
+            <a:endParaRPr dirty="0"/>
           </a:p>
         </p:txBody>
       </p:sp>
@@ -41346,26 +41581,20 @@
           </a:bodyPr>
           <a:lstStyle/>
           <a:p>
-            <a:pPr marL="0" lvl="0" indent="0" algn="l" rtl="0">
-              <a:spcBef>
-                <a:spcPts val="800"/>
-              </a:spcBef>
-              <a:spcAft>
-                <a:spcPts val="0"/>
-              </a:spcAft>
+            <a:pPr marL="0" lvl="0" indent="0">
               <a:buNone/>
             </a:pPr>
             <a:r>
               <a:rPr lang="en" sz="1800" b="1" dirty="0"/>
-              <a:t>Large workloads, optimized for low overhead</a:t>
+              <a:t>Good &amp; Bad: Pay-per-use</a:t>
             </a:r>
             <a:r>
               <a:rPr lang="en" sz="1800" dirty="0"/>
-              <a:t> - Managing a large cluster requires patching, upgrading, securing and rehydrating constantly. AWS takes care of this for the servers used by </a:t>
+              <a:t> - </a:t>
             </a:r>
             <a:r>
-              <a:rPr lang="en" sz="1800" dirty="0" err="1"/>
-              <a:t>Fargate</a:t>
+              <a:rPr lang="en-US" sz="1800" dirty="0"/>
+              <a:t>Unlike ECS or EKS, you only pay for the computing time and memory that you actually use but the average per-hour cost for running Fargate is more than the per-hour cost of running ECS or EKS</a:t>
             </a:r>
             <a:r>
               <a:rPr lang="en" sz="1800" dirty="0"/>
@@ -41374,82 +41603,78 @@
             <a:endParaRPr sz="1800" dirty="0"/>
           </a:p>
           <a:p>
-            <a:pPr marL="0" lvl="0" indent="0" algn="l" rtl="0">
-              <a:spcBef>
-                <a:spcPts val="800"/>
-              </a:spcBef>
-              <a:spcAft>
-                <a:spcPts val="0"/>
-              </a:spcAft>
+            <a:pPr marL="0" indent="0">
               <a:buNone/>
             </a:pPr>
             <a:r>
               <a:rPr lang="en" sz="1800" b="1" dirty="0"/>
-              <a:t>Small workloads, with occasional bursts</a:t>
+              <a:t>Good: Low Complexity</a:t>
             </a:r>
             <a:r>
               <a:rPr lang="en" sz="1800" dirty="0"/>
-              <a:t> - Workloads such as website traffic does not fully utilize the compute &amp; memory you pay for. With </a:t>
+              <a:t> – Don’t have to deal with underlying infrastructure. Only focus on memory size, CPU capacity and network ports. </a:t>
+            </a:r>
+            <a:r>
+              <a:rPr lang="en" sz="1800" b="1" dirty="0"/>
+              <a:t>Better Security</a:t>
+            </a:r>
+            <a:r>
+              <a:rPr lang="en" sz="1800" dirty="0"/>
+              <a:t> – Don’t have to deal with securing clusters of servers. Only focus on security within the </a:t>
             </a:r>
             <a:r>
               <a:rPr lang="en" sz="1800" dirty="0" err="1"/>
-              <a:t>Fargate</a:t>
+              <a:t>cont</a:t>
+            </a:r>
+            <a:r>
+              <a:rPr lang="en-US" sz="1800" dirty="0" err="1"/>
+              <a:t>ain</a:t>
+            </a:r>
+            <a:r>
+              <a:rPr lang="en" sz="1800" dirty="0" err="1"/>
+              <a:t>er</a:t>
             </a:r>
             <a:r>
               <a:rPr lang="en" sz="1800" dirty="0"/>
-              <a:t> you can scale down to a minimum number of instances when utilization is low (such as night time) and scale up as needed during core business hours.</a:t>
+              <a:t>, the roles required to run your app and ports that must be opened. </a:t>
+            </a:r>
+            <a:r>
+              <a:rPr lang="en" sz="1800" b="1" dirty="0"/>
+              <a:t>Faster Development -</a:t>
+            </a:r>
+            <a:r>
+              <a:rPr lang="en" sz="1800" dirty="0"/>
+              <a:t> </a:t>
+            </a:r>
+            <a:r>
+              <a:rPr lang="en-US" sz="1800" dirty="0"/>
+              <a:t>problems of systems management are alleviated, developers spend less time on operational issues and focus on solving business problems. </a:t>
+            </a:r>
+            <a:r>
+              <a:rPr lang="en-US" sz="1800" b="1" dirty="0"/>
+              <a:t>Scaling</a:t>
+            </a:r>
+            <a:r>
+              <a:rPr lang="en-US" sz="1800" dirty="0"/>
+              <a:t> - scaling is taken care of by the provider seamlessly.  </a:t>
             </a:r>
             <a:endParaRPr sz="1800" dirty="0"/>
           </a:p>
           <a:p>
-            <a:pPr marL="0" lvl="0" indent="0" algn="l" rtl="0">
-              <a:spcBef>
-                <a:spcPts val="800"/>
-              </a:spcBef>
-              <a:spcAft>
-                <a:spcPts val="0"/>
-              </a:spcAft>
+            <a:pPr marL="0" indent="0">
               <a:buNone/>
             </a:pPr>
             <a:r>
               <a:rPr lang="en" sz="1800" b="1" dirty="0"/>
-              <a:t>Tiny workloads</a:t>
+              <a:t>Bad: Limited Availability </a:t>
             </a:r>
             <a:r>
               <a:rPr lang="en" sz="1800" dirty="0"/>
-              <a:t> - For proof-of-concepts and test environments, </a:t>
+              <a:t>- </a:t>
             </a:r>
             <a:r>
-              <a:rPr lang="en" sz="1800" dirty="0" err="1"/>
-              <a:t>Fargate</a:t>
-            </a:r>
-            <a:r>
-              <a:rPr lang="en" sz="1800" dirty="0"/>
-              <a:t> is a perfect choice to optimize utilization.</a:t>
-            </a:r>
-            <a:endParaRPr sz="1800" dirty="0"/>
-          </a:p>
-          <a:p>
-            <a:pPr marL="0" lvl="0" indent="0" algn="l" rtl="0">
-              <a:spcBef>
-                <a:spcPts val="800"/>
-              </a:spcBef>
-              <a:spcAft>
-                <a:spcPts val="0"/>
-              </a:spcAft>
-              <a:buNone/>
-            </a:pPr>
-            <a:r>
-              <a:rPr lang="en" sz="1800" b="1" dirty="0"/>
-              <a:t>Batch workloads </a:t>
-            </a:r>
-            <a:r>
-              <a:rPr lang="en" sz="1800" dirty="0"/>
-              <a:t>- Loads that are kicked-off on schedules or occasional asynchronous jobs that are event-driven will be a good fit for </a:t>
-            </a:r>
-            <a:r>
-              <a:rPr lang="en" sz="1800" dirty="0" err="1"/>
-              <a:t>Fargate</a:t>
+              <a:rPr lang="en-US" sz="1800" dirty="0"/>
+              <a:t>While AWS is rolling out Fargate to as many regions as they can, it is not as available as Lambdas, ECS or EKS. As of April 2019, Fargate is not available in GovCloud, Sao Paulo, Paris, Stockholm, Japan, and China.</a:t>
             </a:r>
             <a:r>
               <a:rPr lang="en" sz="1800" dirty="0"/>
@@ -41459,16 +41684,162 @@
           </a:p>
         </p:txBody>
       </p:sp>
+    </p:spTree>
+    <p:extLst>
+      <p:ext uri="{BB962C8B-B14F-4D97-AF65-F5344CB8AC3E}">
+        <p14:creationId xmlns:p14="http://schemas.microsoft.com/office/powerpoint/2010/main" val="2356199506"/>
+      </p:ext>
+    </p:extLst>
+  </p:cSld>
+  <p:clrMapOvr>
+    <a:masterClrMapping/>
+  </p:clrMapOvr>
+</p:sld>
+</file>
+
+<file path=ppt/slides/slide7.xml><?xml version="1.0" encoding="utf-8"?>
+<p:sld xmlns:a="http://schemas.openxmlformats.org/drawingml/2006/main" xmlns:r="http://schemas.openxmlformats.org/officeDocument/2006/relationships" xmlns:p="http://schemas.openxmlformats.org/presentationml/2006/main">
+  <p:cSld>
+    <p:spTree>
+      <p:nvGrpSpPr>
+        <p:cNvPr id="1" name="Shape 273"/>
+        <p:cNvGrpSpPr/>
+        <p:nvPr/>
+      </p:nvGrpSpPr>
+      <p:grpSpPr>
+        <a:xfrm>
+          <a:off x="0" y="0"/>
+          <a:ext cx="0" cy="0"/>
+          <a:chOff x="0" y="0"/>
+          <a:chExt cx="0" cy="0"/>
+        </a:xfrm>
+      </p:grpSpPr>
       <p:sp>
         <p:nvSpPr>
-          <p:cNvPr id="283" name="Google Shape;283;p26"/>
+          <p:cNvPr id="274" name="Google Shape;274;p25"/>
+          <p:cNvSpPr txBox="1">
+            <a:spLocks noGrp="1"/>
+          </p:cNvSpPr>
+          <p:nvPr>
+            <p:ph type="title"/>
+          </p:nvPr>
+        </p:nvSpPr>
+        <p:spPr>
+          <a:xfrm>
+            <a:off x="311700" y="159275"/>
+            <a:ext cx="8520600" cy="572700"/>
+          </a:xfrm>
+          <a:prstGeom prst="rect">
+            <a:avLst/>
+          </a:prstGeom>
+        </p:spPr>
+        <p:txBody>
+          <a:bodyPr spcFirstLastPara="1" wrap="square" lIns="68575" tIns="34275" rIns="68575" bIns="34275" anchor="ctr" anchorCtr="0">
+            <a:noAutofit/>
+          </a:bodyPr>
+          <a:lstStyle/>
+          <a:p>
+            <a:pPr marL="0" lvl="0" indent="0" algn="l" rtl="0">
+              <a:spcBef>
+                <a:spcPts val="0"/>
+              </a:spcBef>
+              <a:spcAft>
+                <a:spcPts val="0"/>
+              </a:spcAft>
+              <a:buNone/>
+            </a:pPr>
+            <a:r>
+              <a:rPr lang="en" dirty="0"/>
+              <a:t>Fargate Pricing Model</a:t>
+            </a:r>
+            <a:endParaRPr dirty="0"/>
+          </a:p>
+        </p:txBody>
+      </p:sp>
+      <p:sp>
+        <p:nvSpPr>
+          <p:cNvPr id="275" name="Google Shape;275;p25"/>
+          <p:cNvSpPr txBox="1">
+            <a:spLocks noGrp="1"/>
+          </p:cNvSpPr>
+          <p:nvPr>
+            <p:ph type="body" idx="1"/>
+          </p:nvPr>
+        </p:nvSpPr>
+        <p:spPr>
+          <a:xfrm>
+            <a:off x="311700" y="867135"/>
+            <a:ext cx="8520600" cy="2001055"/>
+          </a:xfrm>
+          <a:prstGeom prst="rect">
+            <a:avLst/>
+          </a:prstGeom>
+        </p:spPr>
+        <p:txBody>
+          <a:bodyPr spcFirstLastPara="1" wrap="square" lIns="68575" tIns="34275" rIns="68575" bIns="34275" anchor="t" anchorCtr="0">
+            <a:noAutofit/>
+          </a:bodyPr>
+          <a:lstStyle/>
+          <a:p>
+            <a:pPr marL="0" lvl="0" indent="0" algn="l" rtl="0">
+              <a:spcBef>
+                <a:spcPts val="800"/>
+              </a:spcBef>
+              <a:spcAft>
+                <a:spcPts val="0"/>
+              </a:spcAft>
+              <a:buNone/>
+            </a:pPr>
+            <a:r>
+              <a:rPr lang="en" sz="1600" dirty="0"/>
+              <a:t>With the </a:t>
+            </a:r>
+            <a:r>
+              <a:rPr lang="en" sz="1600" i="1" dirty="0"/>
+              <a:t>ECS EC2 </a:t>
+            </a:r>
+            <a:r>
+              <a:rPr lang="en" sz="1600" dirty="0"/>
+              <a:t>launch type billing is based on the cost of the underlying EC2 instances. This allows you to optimize price by taking advantage of billing models such as spot instances (bid a low price for an instance), or reserved instances (get a flat discount for committing to an instance for a certain time period). However, it is your responsibility to make sure that your containers are densely packed onto instances to get the best use out of them, otherwise you will be wasting money.</a:t>
+            </a:r>
+            <a:endParaRPr sz="1600" dirty="0"/>
+          </a:p>
+          <a:p>
+            <a:pPr marL="0" lvl="0" indent="0" algn="l" rtl="0">
+              <a:spcBef>
+                <a:spcPts val="800"/>
+              </a:spcBef>
+              <a:spcAft>
+                <a:spcPts val="0"/>
+              </a:spcAft>
+              <a:buNone/>
+            </a:pPr>
+            <a:r>
+              <a:rPr lang="en" sz="1600" dirty="0"/>
+              <a:t>With the </a:t>
+            </a:r>
+            <a:r>
+              <a:rPr lang="en" sz="1600" i="1" dirty="0"/>
+              <a:t>ECS Fargate</a:t>
+            </a:r>
+            <a:r>
+              <a:rPr lang="en" sz="1600" dirty="0"/>
+              <a:t> launch type billing is based on how many CPU cores, and gigabytes of memory your task requires, per second. You only ever pay for what your task uses, no more paying for EC2 capacity that goes unused.</a:t>
+            </a:r>
+            <a:endParaRPr sz="1600" dirty="0"/>
+          </a:p>
+        </p:txBody>
+      </p:sp>
+      <p:sp>
+        <p:nvSpPr>
+          <p:cNvPr id="276" name="Google Shape;276;p25"/>
           <p:cNvSpPr txBox="1"/>
           <p:nvPr/>
         </p:nvSpPr>
         <p:spPr>
           <a:xfrm>
-            <a:off x="1117025" y="4325875"/>
-            <a:ext cx="7031100" cy="756900"/>
+            <a:off x="1117025" y="4247950"/>
+            <a:ext cx="7031100" cy="320400"/>
           </a:xfrm>
           <a:prstGeom prst="rect">
             <a:avLst/>
@@ -41494,15 +41865,41 @@
               <a:buNone/>
             </a:pPr>
             <a:r>
-              <a:rPr lang="en">
+              <a:rPr lang="en" dirty="0">
                 <a:latin typeface="Oswald"/>
                 <a:ea typeface="Oswald"/>
                 <a:cs typeface="Oswald"/>
                 <a:sym typeface="Oswald"/>
               </a:rPr>
-              <a:t>Large workloads with consistent demand throughout the day/night is still best suited for ECS EC2 or Kubernetes clusters as it can take advantage of reserved or spot instances.</a:t>
+              <a:t>With its low maintenance overhead, rapid provisioning &amp; pay-per-use, </a:t>
             </a:r>
-            <a:endParaRPr>
+            <a:endParaRPr dirty="0">
+              <a:latin typeface="Oswald"/>
+              <a:ea typeface="Oswald"/>
+              <a:cs typeface="Oswald"/>
+              <a:sym typeface="Oswald"/>
+            </a:endParaRPr>
+          </a:p>
+          <a:p>
+            <a:pPr marL="0" lvl="0" indent="0" algn="ctr" rtl="0">
+              <a:spcBef>
+                <a:spcPts val="0"/>
+              </a:spcBef>
+              <a:spcAft>
+                <a:spcPts val="0"/>
+              </a:spcAft>
+              <a:buNone/>
+            </a:pPr>
+            <a:r>
+              <a:rPr lang="en" dirty="0">
+                <a:latin typeface="Oswald"/>
+                <a:ea typeface="Oswald"/>
+                <a:cs typeface="Oswald"/>
+                <a:sym typeface="Oswald"/>
+              </a:rPr>
+              <a:t>Fargate can save you time, manpower, and money</a:t>
+            </a:r>
+            <a:endParaRPr dirty="0">
               <a:latin typeface="Oswald"/>
               <a:ea typeface="Oswald"/>
               <a:cs typeface="Oswald"/>
@@ -41519,7 +41916,7 @@
               </a:spcAft>
               <a:buNone/>
             </a:pPr>
-            <a:endParaRPr>
+            <a:endParaRPr dirty="0">
               <a:latin typeface="Calibri"/>
               <a:ea typeface="Calibri"/>
               <a:cs typeface="Calibri"/>
@@ -41528,6 +41925,36 @@
           </a:p>
         </p:txBody>
       </p:sp>
+      <p:pic>
+        <p:nvPicPr>
+          <p:cNvPr id="2" name="Picture 1">
+            <a:extLst>
+              <a:ext uri="{FF2B5EF4-FFF2-40B4-BE49-F238E27FC236}">
+                <a16:creationId xmlns:a16="http://schemas.microsoft.com/office/drawing/2014/main" id="{897A4CA0-BC35-5644-94C0-842404B204A3}"/>
+              </a:ext>
+            </a:extLst>
+          </p:cNvPr>
+          <p:cNvPicPr>
+            <a:picLocks noChangeAspect="1"/>
+          </p:cNvPicPr>
+          <p:nvPr/>
+        </p:nvPicPr>
+        <p:blipFill>
+          <a:blip r:embed="rId3"/>
+          <a:stretch>
+            <a:fillRect/>
+          </a:stretch>
+        </p:blipFill>
+        <p:spPr>
+          <a:xfrm>
+            <a:off x="2146300" y="2935770"/>
+            <a:ext cx="4851400" cy="1244600"/>
+          </a:xfrm>
+          <a:prstGeom prst="rect">
+            <a:avLst/>
+          </a:prstGeom>
+        </p:spPr>
+      </p:pic>
     </p:spTree>
   </p:cSld>
   <p:clrMapOvr>
@@ -41536,7 +41963,7 @@
 </p:sld>
 </file>
 
-<file path=ppt/slides/slide7.xml><?xml version="1.0" encoding="utf-8"?>
+<file path=ppt/slides/slide8.xml><?xml version="1.0" encoding="utf-8"?>
 <p:sld xmlns:a="http://schemas.openxmlformats.org/drawingml/2006/main" xmlns:r="http://schemas.openxmlformats.org/officeDocument/2006/relationships" xmlns:p="http://schemas.openxmlformats.org/presentationml/2006/main">
   <p:cSld>
     <p:spTree>
@@ -41588,10 +42015,10 @@
               <a:buNone/>
             </a:pPr>
             <a:r>
-              <a:rPr lang="en"/>
+              <a:rPr lang="en" dirty="0"/>
               <a:t>Components of AWS Fargate?</a:t>
             </a:r>
-            <a:endParaRPr/>
+            <a:endParaRPr dirty="0"/>
           </a:p>
         </p:txBody>
       </p:sp>
@@ -41849,7 +42276,7 @@
 </p:sld>
 </file>
 
-<file path=ppt/slides/slide8.xml><?xml version="1.0" encoding="utf-8"?>
+<file path=ppt/slides/slide9.xml><?xml version="1.0" encoding="utf-8"?>
 <p:sld xmlns:a="http://schemas.openxmlformats.org/drawingml/2006/main" xmlns:r="http://schemas.openxmlformats.org/officeDocument/2006/relationships" xmlns:p="http://schemas.openxmlformats.org/presentationml/2006/main">
   <p:cSld>
     <p:spTree>
@@ -41901,10 +42328,10 @@
               <a:buNone/>
             </a:pPr>
             <a:r>
-              <a:rPr lang="en"/>
+              <a:rPr lang="en" dirty="0"/>
               <a:t>Fargate Components - Task</a:t>
             </a:r>
-            <a:endParaRPr/>
+            <a:endParaRPr dirty="0"/>
           </a:p>
         </p:txBody>
       </p:sp>
@@ -41952,15 +42379,7 @@
             </a:r>
             <a:r>
               <a:rPr lang="en" sz="1800" dirty="0"/>
-              <a:t> is the smallest deployable unit on </a:t>
-            </a:r>
-            <a:r>
-              <a:rPr lang="en" sz="1800" dirty="0" err="1"/>
-              <a:t>Fargate</a:t>
-            </a:r>
-            <a:r>
-              <a:rPr lang="en" sz="1800" dirty="0"/>
-              <a:t>. A Task Definition is used as the blueprint for configuring tasks and each time you launch a task in Amazon ECS.</a:t>
+              <a:t> is the smallest deployable unit on Fargate. A Task Definition is used as the blueprint for configuring tasks and each time you launch a task in Amazon ECS.</a:t>
             </a:r>
             <a:endParaRPr sz="1800" dirty="0"/>
           </a:p>
@@ -42016,15 +42435,7 @@
             </a:r>
             <a:r>
               <a:rPr lang="en" sz="1800" dirty="0"/>
-              <a:t> to use for executing the task. </a:t>
-            </a:r>
-            <a:r>
-              <a:rPr lang="en" sz="1800" dirty="0" err="1"/>
-              <a:t>Fargate</a:t>
-            </a:r>
-            <a:r>
-              <a:rPr lang="en" sz="1800" dirty="0"/>
-              <a:t> then knows which Docker image to use for containers, how many containers to use in the task and the resource allocation for each container. </a:t>
+              <a:t> to use for executing the task. Fargate then knows which Docker image to use for containers, how many containers to use in the task and the resource allocation for each container. </a:t>
             </a:r>
             <a:endParaRPr sz="1800" dirty="0"/>
           </a:p>
@@ -42134,194 +42545,6 @@
           </a:p>
         </p:txBody>
       </p:sp>
-    </p:spTree>
-  </p:cSld>
-  <p:clrMapOvr>
-    <a:masterClrMapping/>
-  </p:clrMapOvr>
-</p:sld>
-</file>
-
-<file path=ppt/slides/slide9.xml><?xml version="1.0" encoding="utf-8"?>
-<p:sld xmlns:a="http://schemas.openxmlformats.org/drawingml/2006/main" xmlns:r="http://schemas.openxmlformats.org/officeDocument/2006/relationships" xmlns:p="http://schemas.openxmlformats.org/presentationml/2006/main">
-  <p:cSld>
-    <p:spTree>
-      <p:nvGrpSpPr>
-        <p:cNvPr id="1" name="Shape 302"/>
-        <p:cNvGrpSpPr/>
-        <p:nvPr/>
-      </p:nvGrpSpPr>
-      <p:grpSpPr>
-        <a:xfrm>
-          <a:off x="0" y="0"/>
-          <a:ext cx="0" cy="0"/>
-          <a:chOff x="0" y="0"/>
-          <a:chExt cx="0" cy="0"/>
-        </a:xfrm>
-      </p:grpSpPr>
-      <p:sp>
-        <p:nvSpPr>
-          <p:cNvPr id="303" name="Google Shape;303;p29"/>
-          <p:cNvSpPr txBox="1">
-            <a:spLocks noGrp="1"/>
-          </p:cNvSpPr>
-          <p:nvPr>
-            <p:ph type="title"/>
-          </p:nvPr>
-        </p:nvSpPr>
-        <p:spPr>
-          <a:xfrm>
-            <a:off x="311700" y="179350"/>
-            <a:ext cx="8520600" cy="572700"/>
-          </a:xfrm>
-          <a:prstGeom prst="rect">
-            <a:avLst/>
-          </a:prstGeom>
-        </p:spPr>
-        <p:txBody>
-          <a:bodyPr spcFirstLastPara="1" wrap="square" lIns="68575" tIns="34275" rIns="68575" bIns="34275" anchor="ctr" anchorCtr="0">
-            <a:noAutofit/>
-          </a:bodyPr>
-          <a:lstStyle/>
-          <a:p>
-            <a:pPr marL="0" lvl="0" indent="0" algn="l" rtl="0">
-              <a:spcBef>
-                <a:spcPts val="0"/>
-              </a:spcBef>
-              <a:spcAft>
-                <a:spcPts val="0"/>
-              </a:spcAft>
-              <a:buNone/>
-            </a:pPr>
-            <a:r>
-              <a:rPr lang="en"/>
-              <a:t>Fargate Components - Service</a:t>
-            </a:r>
-            <a:endParaRPr/>
-          </a:p>
-        </p:txBody>
-      </p:sp>
-      <p:sp>
-        <p:nvSpPr>
-          <p:cNvPr id="304" name="Google Shape;304;p29"/>
-          <p:cNvSpPr txBox="1">
-            <a:spLocks noGrp="1"/>
-          </p:cNvSpPr>
-          <p:nvPr>
-            <p:ph type="body" idx="1"/>
-          </p:nvPr>
-        </p:nvSpPr>
-        <p:spPr>
-          <a:xfrm>
-            <a:off x="311700" y="808250"/>
-            <a:ext cx="5766900" cy="4054500"/>
-          </a:xfrm>
-          <a:prstGeom prst="rect">
-            <a:avLst/>
-          </a:prstGeom>
-        </p:spPr>
-        <p:txBody>
-          <a:bodyPr spcFirstLastPara="1" wrap="square" lIns="68575" tIns="34275" rIns="68575" bIns="34275" anchor="t" anchorCtr="0">
-            <a:noAutofit/>
-          </a:bodyPr>
-          <a:lstStyle/>
-          <a:p>
-            <a:pPr marL="0" lvl="0" indent="0" algn="l" rtl="0">
-              <a:spcBef>
-                <a:spcPts val="800"/>
-              </a:spcBef>
-              <a:spcAft>
-                <a:spcPts val="0"/>
-              </a:spcAft>
-              <a:buNone/>
-            </a:pPr>
-            <a:r>
-              <a:rPr lang="en" sz="1800"/>
-              <a:t>Fargate allows you to run and maintain a specified number of instances of a Task Definition simultaneously in an Amazon ECS cluster. This is called a Service. </a:t>
-            </a:r>
-            <a:endParaRPr sz="1800"/>
-          </a:p>
-          <a:p>
-            <a:pPr marL="0" lvl="0" indent="0" algn="l" rtl="0">
-              <a:spcBef>
-                <a:spcPts val="800"/>
-              </a:spcBef>
-              <a:spcAft>
-                <a:spcPts val="0"/>
-              </a:spcAft>
-              <a:buNone/>
-            </a:pPr>
-            <a:r>
-              <a:rPr lang="en" sz="1800"/>
-              <a:t>If any of your tasks should fail or stop for any reason, the Amazon ECS service scheduler launches another instance of your task definition to replace it and maintain the desired count of tasks in the service depending on the scheduling strategy used.</a:t>
-            </a:r>
-            <a:endParaRPr sz="1800"/>
-          </a:p>
-          <a:p>
-            <a:pPr marL="0" lvl="0" indent="0" algn="l" rtl="0">
-              <a:spcBef>
-                <a:spcPts val="800"/>
-              </a:spcBef>
-              <a:spcAft>
-                <a:spcPts val="0"/>
-              </a:spcAft>
-              <a:buNone/>
-            </a:pPr>
-            <a:r>
-              <a:rPr lang="en" sz="1800"/>
-              <a:t>In addition to maintaining the desired count of tasks in your service, you can optionally run your service behind a load balancer. The load balancer distributes traffic across the tasks that are associated with the service.</a:t>
-            </a:r>
-            <a:endParaRPr sz="1800"/>
-          </a:p>
-          <a:p>
-            <a:pPr marL="0" lvl="0" indent="0" algn="l" rtl="0">
-              <a:spcBef>
-                <a:spcPts val="800"/>
-              </a:spcBef>
-              <a:spcAft>
-                <a:spcPts val="0"/>
-              </a:spcAft>
-              <a:buNone/>
-            </a:pPr>
-            <a:endParaRPr sz="1800"/>
-          </a:p>
-        </p:txBody>
-      </p:sp>
-      <p:pic>
-        <p:nvPicPr>
-          <p:cNvPr id="305" name="Google Shape;305;p29"/>
-          <p:cNvPicPr preferRelativeResize="0"/>
-          <p:nvPr/>
-        </p:nvPicPr>
-        <p:blipFill>
-          <a:blip r:embed="rId3">
-            <a:alphaModFix/>
-          </a:blip>
-          <a:stretch>
-            <a:fillRect/>
-          </a:stretch>
-        </p:blipFill>
-        <p:spPr>
-          <a:xfrm>
-            <a:off x="6231025" y="367600"/>
-            <a:ext cx="2506000" cy="4549426"/>
-          </a:xfrm>
-          <a:prstGeom prst="rect">
-            <a:avLst/>
-          </a:prstGeom>
-          <a:noFill/>
-          <a:ln>
-            <a:noFill/>
-          </a:ln>
-          <a:effectLst>
-            <a:outerShdw blurRad="57150" dist="19050" dir="5400000" algn="bl" rotWithShape="0">
-              <a:srgbClr val="000000">
-                <a:alpha val="50000"/>
-              </a:srgbClr>
-            </a:outerShdw>
-          </a:effectLst>
-        </p:spPr>
-      </p:pic>
     </p:spTree>
   </p:cSld>
   <p:clrMapOvr>

--- a/presentation/Fargate Patterns.pptx
+++ b/presentation/Fargate Patterns.pptx
@@ -1673,7 +1673,34 @@
               </a:spcAft>
               <a:buNone/>
             </a:pPr>
-            <a:endParaRPr/>
+            <a:r>
+              <a:rPr lang="en-US" dirty="0"/>
+              <a:t>				</a:t>
+            </a:r>
+          </a:p>
+          <a:p>
+            <a:pPr marL="0" lvl="0" indent="0" algn="l" rtl="0">
+              <a:spcBef>
+                <a:spcPts val="0"/>
+              </a:spcBef>
+              <a:spcAft>
+                <a:spcPts val="0"/>
+              </a:spcAft>
+              <a:buNone/>
+            </a:pPr>
+            <a:endParaRPr lang="en-US" dirty="0"/>
+          </a:p>
+          <a:p>
+            <a:pPr marL="0" lvl="0" indent="0" algn="l" rtl="0">
+              <a:spcBef>
+                <a:spcPts val="0"/>
+              </a:spcBef>
+              <a:spcAft>
+                <a:spcPts val="0"/>
+              </a:spcAft>
+              <a:buNone/>
+            </a:pPr>
+            <a:endParaRPr dirty="0"/>
           </a:p>
         </p:txBody>
       </p:sp>
@@ -36420,7 +36447,7 @@
         <p:spPr>
           <a:xfrm>
             <a:off x="311700" y="808250"/>
-            <a:ext cx="5766900" cy="4054500"/>
+            <a:ext cx="5028051" cy="4054500"/>
           </a:xfrm>
           <a:prstGeom prst="rect">
             <a:avLst/>
@@ -36495,37 +36522,32 @@
       </p:sp>
       <p:pic>
         <p:nvPicPr>
-          <p:cNvPr id="305" name="Google Shape;305;p29"/>
-          <p:cNvPicPr preferRelativeResize="0"/>
+          <p:cNvPr id="3" name="Picture 2">
+            <a:extLst>
+              <a:ext uri="{FF2B5EF4-FFF2-40B4-BE49-F238E27FC236}">
+                <a16:creationId xmlns:a16="http://schemas.microsoft.com/office/drawing/2014/main" id="{84837619-6509-1D4B-909E-57CFF97179FC}"/>
+              </a:ext>
+            </a:extLst>
+          </p:cNvPr>
+          <p:cNvPicPr>
+            <a:picLocks noChangeAspect="1"/>
+          </p:cNvPicPr>
           <p:nvPr/>
         </p:nvPicPr>
         <p:blipFill>
-          <a:blip r:embed="rId3">
-            <a:alphaModFix/>
-          </a:blip>
+          <a:blip r:embed="rId3"/>
           <a:stretch>
             <a:fillRect/>
           </a:stretch>
         </p:blipFill>
         <p:spPr>
           <a:xfrm>
-            <a:off x="6231025" y="367600"/>
-            <a:ext cx="2506000" cy="4549426"/>
+            <a:off x="5258998" y="907331"/>
+            <a:ext cx="3779559" cy="3112578"/>
           </a:xfrm>
           <a:prstGeom prst="rect">
             <a:avLst/>
           </a:prstGeom>
-          <a:noFill/>
-          <a:ln>
-            <a:noFill/>
-          </a:ln>
-          <a:effectLst>
-            <a:outerShdw blurRad="57150" dist="19050" dir="5400000" algn="bl" rotWithShape="0">
-              <a:srgbClr val="000000">
-                <a:alpha val="50000"/>
-              </a:srgbClr>
-            </a:outerShdw>
-          </a:effectLst>
         </p:spPr>
       </p:pic>
     </p:spTree>
@@ -41824,7 +41846,7 @@
             </a:r>
             <a:r>
               <a:rPr lang="en" sz="1600" dirty="0"/>
-              <a:t> launch type billing is based on how many CPU cores, and gigabytes of memory your task requires, per second. You only ever pay for what your task uses, no more paying for EC2 capacity that goes unused.</a:t>
+              <a:t> launch type billing is based on how many CPU cores, and gigabytes of memory your task requires, per second. You only ever pay for what your task uses, no more paying for EC2 capacity that goes unused. As of now, you can choose up to 48 combinations as seen below:</a:t>
             </a:r>
             <a:endParaRPr sz="1600" dirty="0"/>
           </a:p>
@@ -42441,41 +42463,6 @@
           </a:p>
         </p:txBody>
       </p:sp>
-      <p:pic>
-        <p:nvPicPr>
-          <p:cNvPr id="297" name="Google Shape;297;p28"/>
-          <p:cNvPicPr preferRelativeResize="0"/>
-          <p:nvPr/>
-        </p:nvPicPr>
-        <p:blipFill>
-          <a:blip r:embed="rId3">
-            <a:alphaModFix/>
-          </a:blip>
-          <a:stretch>
-            <a:fillRect/>
-          </a:stretch>
-        </p:blipFill>
-        <p:spPr>
-          <a:xfrm>
-            <a:off x="5506900" y="594350"/>
-            <a:ext cx="3114075" cy="4343550"/>
-          </a:xfrm>
-          <a:prstGeom prst="rect">
-            <a:avLst/>
-          </a:prstGeom>
-          <a:noFill/>
-          <a:ln>
-            <a:noFill/>
-          </a:ln>
-          <a:effectLst>
-            <a:outerShdw blurRad="57150" dist="19050" dir="5400000" algn="bl" rotWithShape="0">
-              <a:srgbClr val="000000">
-                <a:alpha val="50000"/>
-              </a:srgbClr>
-            </a:outerShdw>
-          </a:effectLst>
-        </p:spPr>
-      </p:pic>
       <p:sp>
         <p:nvSpPr>
           <p:cNvPr id="298" name="Google Shape;298;p28"/>
@@ -42545,6 +42532,36 @@
           </a:p>
         </p:txBody>
       </p:sp>
+      <p:pic>
+        <p:nvPicPr>
+          <p:cNvPr id="6" name="Picture 5">
+            <a:extLst>
+              <a:ext uri="{FF2B5EF4-FFF2-40B4-BE49-F238E27FC236}">
+                <a16:creationId xmlns:a16="http://schemas.microsoft.com/office/drawing/2014/main" id="{6E14E71F-7267-2D4A-9A83-27ACCA2D1C35}"/>
+              </a:ext>
+            </a:extLst>
+          </p:cNvPr>
+          <p:cNvPicPr>
+            <a:picLocks noChangeAspect="1"/>
+          </p:cNvPicPr>
+          <p:nvPr/>
+        </p:nvPicPr>
+        <p:blipFill>
+          <a:blip r:embed="rId3"/>
+          <a:stretch>
+            <a:fillRect/>
+          </a:stretch>
+        </p:blipFill>
+        <p:spPr>
+          <a:xfrm>
+            <a:off x="5443268" y="409969"/>
+            <a:ext cx="3652620" cy="4524214"/>
+          </a:xfrm>
+          <a:prstGeom prst="rect">
+            <a:avLst/>
+          </a:prstGeom>
+        </p:spPr>
+      </p:pic>
     </p:spTree>
   </p:cSld>
   <p:clrMapOvr>

--- a/presentation/Fargate Patterns.pptx
+++ b/presentation/Fargate Patterns.pptx
@@ -1257,7 +1257,34 @@
               </a:spcAft>
               <a:buNone/>
             </a:pPr>
-            <a:endParaRPr/>
+            <a:r>
+              <a:rPr lang="en-US" dirty="0"/>
+              <a:t>	</a:t>
+            </a:r>
+          </a:p>
+          <a:p>
+            <a:pPr marL="0" lvl="0" indent="0" algn="l" rtl="0">
+              <a:spcBef>
+                <a:spcPts val="0"/>
+              </a:spcBef>
+              <a:spcAft>
+                <a:spcPts val="0"/>
+              </a:spcAft>
+              <a:buNone/>
+            </a:pPr>
+            <a:endParaRPr lang="en-US" dirty="0"/>
+          </a:p>
+          <a:p>
+            <a:pPr marL="0" lvl="0" indent="0" algn="l" rtl="0">
+              <a:spcBef>
+                <a:spcPts val="0"/>
+              </a:spcBef>
+              <a:spcAft>
+                <a:spcPts val="0"/>
+              </a:spcAft>
+              <a:buNone/>
+            </a:pPr>
+            <a:endParaRPr dirty="0"/>
           </a:p>
         </p:txBody>
       </p:sp>
@@ -36470,7 +36497,31 @@
             </a:pPr>
             <a:r>
               <a:rPr lang="en" sz="1800" dirty="0"/>
-              <a:t>Fargate allows you to run and maintain a specified number of instances of a Task Definition simultaneously in an Amazon ECS cluster. This is called a Service. </a:t>
+              <a:t>Fargate allows you to </a:t>
+            </a:r>
+            <a:r>
+              <a:rPr lang="en" sz="1800" b="1" dirty="0"/>
+              <a:t>run and maintain a specified number of instances</a:t>
+            </a:r>
+            <a:r>
+              <a:rPr lang="en" sz="1800" dirty="0"/>
+              <a:t> of a Task Definition </a:t>
+            </a:r>
+            <a:r>
+              <a:rPr lang="en" sz="1800" b="1" dirty="0"/>
+              <a:t>simultaneously</a:t>
+            </a:r>
+            <a:r>
+              <a:rPr lang="en" sz="1800" dirty="0"/>
+              <a:t> in an Amazon ECS cluster. This is called a </a:t>
+            </a:r>
+            <a:r>
+              <a:rPr lang="en" sz="1800" b="1" dirty="0"/>
+              <a:t>Service</a:t>
+            </a:r>
+            <a:r>
+              <a:rPr lang="en" sz="1800" dirty="0"/>
+              <a:t>. </a:t>
             </a:r>
             <a:endParaRPr sz="1800" dirty="0"/>
           </a:p>
@@ -36486,7 +36537,15 @@
             </a:pPr>
             <a:r>
               <a:rPr lang="en" sz="1800" dirty="0"/>
-              <a:t>If any of your tasks should fail or stop for any reason, the Amazon ECS service scheduler launches another instance of your task definition to replace it and maintain the desired count of tasks in the service depending on the scheduling strategy used.</a:t>
+              <a:t>If any of your tasks should fail or stop for any reason, the Amazon ECS service scheduler launches another instance of your task definition to replace it and </a:t>
+            </a:r>
+            <a:r>
+              <a:rPr lang="en" sz="1800" b="1" dirty="0"/>
+              <a:t>maintain the desired count of tasks </a:t>
+            </a:r>
+            <a:r>
+              <a:rPr lang="en" sz="1800" dirty="0"/>
+              <a:t>in the service depending on the scheduling strategy used.</a:t>
             </a:r>
             <a:endParaRPr sz="1800" dirty="0"/>
           </a:p>
@@ -36502,7 +36561,23 @@
             </a:pPr>
             <a:r>
               <a:rPr lang="en" sz="1800" dirty="0"/>
-              <a:t>In addition to maintaining the desired count of tasks in your service, you can optionally run your service behind a load balancer. The load balancer distributes traffic across the tasks that are associated with the service.</a:t>
+              <a:t>In addition to maintaining the desired count of tasks in your service, </a:t>
+            </a:r>
+            <a:r>
+              <a:rPr lang="en" sz="1800" b="1" dirty="0"/>
+              <a:t>you can optionally run your service behind a load balancer</a:t>
+            </a:r>
+            <a:r>
+              <a:rPr lang="en" sz="1800" dirty="0"/>
+              <a:t>. The load balancer </a:t>
+            </a:r>
+            <a:r>
+              <a:rPr lang="en" sz="1800" b="1" dirty="0"/>
+              <a:t>distributes traffic across the tasks </a:t>
+            </a:r>
+            <a:r>
+              <a:rPr lang="en" sz="1800" dirty="0"/>
+              <a:t>that are associated with the service.</a:t>
             </a:r>
             <a:endParaRPr sz="1800" dirty="0"/>
           </a:p>
@@ -36653,7 +36728,31 @@
             </a:pPr>
             <a:r>
               <a:rPr lang="en" sz="1800" dirty="0"/>
-              <a:t>An Amazon ECS Cluster is a logical grouping of tasks or services. A Cluster can run many Services. If you have multiple services as part of your product, you can put several of them on one Cluster. This makes more efficient use of the resources available and minimizes setup time. Clusters are AWS region specific and can contain tasks using both the Fargate and EC2 launch types.</a:t>
+              <a:t>An Amazon </a:t>
+            </a:r>
+            <a:r>
+              <a:rPr lang="en" sz="1800" b="1" dirty="0"/>
+              <a:t>ECS Cluster is a logical grouping of tasks or services</a:t>
+            </a:r>
+            <a:r>
+              <a:rPr lang="en" sz="1800" dirty="0"/>
+              <a:t>. A Cluster can run many Services. If you have multiple services as part of your product, you can put several of them on one Cluster. </a:t>
+            </a:r>
+            <a:r>
+              <a:rPr lang="en" sz="1800" b="1" dirty="0"/>
+              <a:t>This makes more efficient use of the resources available and minimizes setup time</a:t>
+            </a:r>
+            <a:r>
+              <a:rPr lang="en" sz="1800" dirty="0"/>
+              <a:t>. </a:t>
+            </a:r>
+            <a:r>
+              <a:rPr lang="en" sz="1800" b="1" dirty="0"/>
+              <a:t>Clusters are AWS region specific </a:t>
+            </a:r>
+            <a:r>
+              <a:rPr lang="en" sz="1800" dirty="0"/>
+              <a:t>and can contain tasks using both the Fargate and EC2 launch types.</a:t>
             </a:r>
             <a:endParaRPr sz="1800" dirty="0"/>
           </a:p>
@@ -38313,7 +38412,23 @@
             </a:r>
             <a:r>
               <a:rPr lang="en" sz="1800" dirty="0"/>
-              <a:t>. Chief among them is the time limitation and deployment size. </a:t>
+              <a:t>. Chief among them is the </a:t>
+            </a:r>
+            <a:r>
+              <a:rPr lang="en" sz="1800" b="1" dirty="0"/>
+              <a:t>time limitation </a:t>
+            </a:r>
+            <a:r>
+              <a:rPr lang="en" sz="1800" dirty="0"/>
+              <a:t>and </a:t>
+            </a:r>
+            <a:r>
+              <a:rPr lang="en" sz="1800" b="1" dirty="0"/>
+              <a:t>deployment size</a:t>
+            </a:r>
+            <a:r>
+              <a:rPr lang="en" sz="1800" dirty="0"/>
+              <a:t>. </a:t>
             </a:r>
             <a:endParaRPr sz="1800" dirty="0"/>
           </a:p>
@@ -38341,7 +38456,15 @@
             </a:pPr>
             <a:r>
               <a:rPr lang="en" sz="1800" dirty="0"/>
-              <a:t>As a result, it is not possible to run large workloads or long running processes on Lambda. Further, the resource limitation around the size of the software package restricts the type of workloads you can run on Lambda. For instance, if you have a machine learning model that requires the usage of large libraries such as </a:t>
+              <a:t>As a result, it is not possible to run large </a:t>
+            </a:r>
+            <a:r>
+              <a:rPr lang="en" sz="1800" b="1" dirty="0"/>
+              <a:t>asynchronous</a:t>
+            </a:r>
+            <a:r>
+              <a:rPr lang="en" sz="1800" dirty="0"/>
+              <a:t> workloads or long running processes on Lambda. Further, the resource limitation around the size of the software package restricts the type of workloads you can run on Lambda. For instance, if you have a machine learning model that requires the usage of large libraries such as </a:t>
             </a:r>
             <a:r>
               <a:rPr lang="en" sz="1800" dirty="0" err="1"/>
@@ -39046,7 +39169,7 @@
         </p:nvSpPr>
         <p:spPr>
           <a:xfrm>
-            <a:off x="311700" y="867135"/>
+            <a:off x="311700" y="752050"/>
             <a:ext cx="8520600" cy="3416400"/>
           </a:xfrm>
           <a:prstGeom prst="rect">
@@ -39072,14 +39195,94 @@
               <a:buNone/>
             </a:pPr>
             <a:r>
-              <a:rPr lang="en" sz="1400">
+              <a:rPr lang="en" sz="1600" dirty="0">
                 <a:solidFill>
                   <a:srgbClr val="24292E"/>
                 </a:solidFill>
               </a:rPr>
-              <a:t>While the Container-on-Demand pattern helps overcome the time limitation issue for asynchronous jobs, for synchronous web services that execute within these limits, the main limitations are the size of the deployment package supported in Lambda.</a:t>
+              <a:t>While the </a:t>
             </a:r>
-            <a:endParaRPr sz="1400">
+            <a:r>
+              <a:rPr lang="en" sz="1600" b="1" dirty="0">
+                <a:solidFill>
+                  <a:srgbClr val="24292E"/>
+                </a:solidFill>
+              </a:rPr>
+              <a:t>Container-on-Demand pattern helps overcome the time limitation issue for asynchronous jobs</a:t>
+            </a:r>
+            <a:r>
+              <a:rPr lang="en" sz="1600" dirty="0">
+                <a:solidFill>
+                  <a:srgbClr val="24292E"/>
+                </a:solidFill>
+              </a:rPr>
+              <a:t>, for </a:t>
+            </a:r>
+            <a:r>
+              <a:rPr lang="en" sz="1600" b="1" dirty="0">
+                <a:solidFill>
+                  <a:srgbClr val="24292E"/>
+                </a:solidFill>
+              </a:rPr>
+              <a:t>synchronous</a:t>
+            </a:r>
+            <a:r>
+              <a:rPr lang="en" sz="1600" dirty="0">
+                <a:solidFill>
+                  <a:srgbClr val="24292E"/>
+                </a:solidFill>
+              </a:rPr>
+              <a:t> web services that execute within these limits, the </a:t>
+            </a:r>
+            <a:r>
+              <a:rPr lang="en" sz="1600" b="1" dirty="0">
+                <a:solidFill>
+                  <a:srgbClr val="24292E"/>
+                </a:solidFill>
+              </a:rPr>
+              <a:t>main limitations </a:t>
+            </a:r>
+            <a:r>
+              <a:rPr lang="en" sz="1600" dirty="0">
+                <a:solidFill>
+                  <a:srgbClr val="24292E"/>
+                </a:solidFill>
+              </a:rPr>
+              <a:t>are the </a:t>
+            </a:r>
+            <a:r>
+              <a:rPr lang="en" sz="1600" b="1" dirty="0">
+                <a:solidFill>
+                  <a:srgbClr val="24292E"/>
+                </a:solidFill>
+              </a:rPr>
+              <a:t>size</a:t>
+            </a:r>
+            <a:r>
+              <a:rPr lang="en" sz="1600" dirty="0">
+                <a:solidFill>
+                  <a:srgbClr val="24292E"/>
+                </a:solidFill>
+              </a:rPr>
+              <a:t> </a:t>
+            </a:r>
+            <a:r>
+              <a:rPr lang="en" sz="1600" b="1" dirty="0">
+                <a:solidFill>
+                  <a:srgbClr val="24292E"/>
+                </a:solidFill>
+              </a:rPr>
+              <a:t>of the deployment package </a:t>
+            </a:r>
+            <a:r>
+              <a:rPr lang="en" sz="1600" dirty="0">
+                <a:solidFill>
+                  <a:srgbClr val="24292E"/>
+                </a:solidFill>
+              </a:rPr>
+              <a:t>supported in Lambda.</a:t>
+            </a:r>
+            <a:endParaRPr sz="1600" dirty="0">
               <a:solidFill>
                 <a:srgbClr val="24292E"/>
               </a:solidFill>
@@ -39099,14 +39302,14 @@
               <a:buNone/>
             </a:pPr>
             <a:r>
-              <a:rPr lang="en" sz="1400" b="1">
+              <a:rPr lang="en" sz="1600" b="1" dirty="0">
                 <a:solidFill>
                   <a:srgbClr val="24292E"/>
                 </a:solidFill>
               </a:rPr>
               <a:t>How do we run synchronous services where the size of the deployment package exceeds the Lambda limits?</a:t>
             </a:r>
-            <a:endParaRPr sz="1400" b="1">
+            <a:endParaRPr sz="1600" b="1" dirty="0">
               <a:solidFill>
                 <a:srgbClr val="24292E"/>
               </a:solidFill>
@@ -39126,14 +39329,14 @@
               <a:buNone/>
             </a:pPr>
             <a:r>
-              <a:rPr lang="en" sz="1400">
+              <a:rPr lang="en" sz="1600" dirty="0">
                 <a:solidFill>
                   <a:srgbClr val="24292E"/>
                 </a:solidFill>
               </a:rPr>
               <a:t>While Lambda Layers mitigate some of this issue by allowing artifacts to be shared between Lambdas, it introduces it own set of issues, especially around testing Lambdas locally and layers still count towards the 250MB hard limit on the unzipped deployment package size.</a:t>
             </a:r>
-            <a:endParaRPr sz="1400">
+            <a:endParaRPr sz="1600" dirty="0">
               <a:solidFill>
                 <a:srgbClr val="24292E"/>
               </a:solidFill>
@@ -39153,14 +39356,14 @@
               <a:buNone/>
             </a:pPr>
             <a:r>
-              <a:rPr lang="en" sz="1400" b="1">
+              <a:rPr lang="en" sz="1600" b="1" dirty="0">
                 <a:solidFill>
                   <a:srgbClr val="24292E"/>
                 </a:solidFill>
               </a:rPr>
               <a:t>What if you want to run always-on services that can scale on-demand?</a:t>
             </a:r>
-            <a:endParaRPr sz="1400" b="1">
+            <a:endParaRPr sz="1600" b="1" dirty="0">
               <a:solidFill>
                 <a:srgbClr val="24292E"/>
               </a:solidFill>
@@ -39180,14 +39383,30 @@
               <a:buNone/>
             </a:pPr>
             <a:r>
-              <a:rPr lang="en" sz="1400">
+              <a:rPr lang="en" sz="1600" dirty="0">
                 <a:solidFill>
                   <a:srgbClr val="24292E"/>
                 </a:solidFill>
               </a:rPr>
-              <a:t>Note that, the Container-on-Demand pattern spins up a task to execute the job and spins it down. For asynchronous workloads, the time taken to spin-up is not an issue. But for synchronous web services, this time spent spinning up is dear.</a:t>
+              <a:t>Note that, the Container-on-Demand pattern spins up a task to execute the job and spins it down. For asynchronous workloads, the time taken to spin-up is not an issue. But </a:t>
             </a:r>
-            <a:endParaRPr sz="1400">
+            <a:r>
+              <a:rPr lang="en" sz="1600" b="1" dirty="0">
+                <a:solidFill>
+                  <a:srgbClr val="24292E"/>
+                </a:solidFill>
+              </a:rPr>
+              <a:t>for synchronous web services, this time spent spinning up is dear</a:t>
+            </a:r>
+            <a:r>
+              <a:rPr lang="en" sz="1600" dirty="0">
+                <a:solidFill>
+                  <a:srgbClr val="24292E"/>
+                </a:solidFill>
+              </a:rPr>
+              <a:t>.</a:t>
+            </a:r>
+            <a:endParaRPr sz="1600" dirty="0">
               <a:solidFill>
                 <a:srgbClr val="24292E"/>
               </a:solidFill>
@@ -39211,7 +39430,7 @@
               <a:buFont typeface="Arial"/>
               <a:buNone/>
             </a:pPr>
-            <a:endParaRPr sz="1800">
+            <a:endParaRPr sz="1800" dirty="0">
               <a:solidFill>
                 <a:srgbClr val="24292E"/>
               </a:solidFill>
@@ -39227,7 +39446,7 @@
               </a:spcAft>
               <a:buNone/>
             </a:pPr>
-            <a:endParaRPr sz="1800"/>
+            <a:endParaRPr sz="1800" dirty="0"/>
           </a:p>
         </p:txBody>
       </p:sp>
@@ -41162,7 +41381,15 @@
             </a:pPr>
             <a:r>
               <a:rPr lang="en" sz="1800" dirty="0"/>
-              <a:t>Put simply, AWS Fargate is a container management solution provided by AWS to run your containers without having to worry about managing a cluster of servers. You don't have to choose server types, upgrade or patch servers or optimize container packing on your clusters.</a:t>
+              <a:t>Put simply, AWS Fargate is a container management solution provided by AWS to </a:t>
+            </a:r>
+            <a:r>
+              <a:rPr lang="en" sz="1800" b="1" dirty="0"/>
+              <a:t>run your containers without having to worry about managing a cluster of servers</a:t>
+            </a:r>
+            <a:r>
+              <a:rPr lang="en" sz="1800" dirty="0"/>
+              <a:t>. You don't have to choose server types, upgrade or patch servers or optimize container packing on your clusters.</a:t>
             </a:r>
             <a:endParaRPr sz="1800" dirty="0"/>
           </a:p>
@@ -41178,7 +41405,31 @@
             </a:pPr>
             <a:r>
               <a:rPr lang="en" sz="1800" dirty="0"/>
-              <a:t>With Fargate, you package your application in containers, specify the CPU and memory requirements, define networking and IAM policies, and launch the application. Fargate takes care of provisioning enough compute resources for your containers to scale out or scale them in when they are not utilized.</a:t>
+              <a:t>With Fargate, </a:t>
+            </a:r>
+            <a:r>
+              <a:rPr lang="en" sz="1800" b="1" dirty="0"/>
+              <a:t>you package your application in containers</a:t>
+            </a:r>
+            <a:r>
+              <a:rPr lang="en" sz="1800" dirty="0"/>
+              <a:t>, </a:t>
+            </a:r>
+            <a:r>
+              <a:rPr lang="en" sz="1800" b="1" dirty="0"/>
+              <a:t>specify the CPU and memory requirements</a:t>
+            </a:r>
+            <a:r>
+              <a:rPr lang="en" sz="1800" dirty="0"/>
+              <a:t>, </a:t>
+            </a:r>
+            <a:r>
+              <a:rPr lang="en" sz="1800" b="1" dirty="0"/>
+              <a:t>define networking and IAM policies, and launch the application</a:t>
+            </a:r>
+            <a:r>
+              <a:rPr lang="en" sz="1800" dirty="0"/>
+              <a:t>. Fargate takes care of provisioning enough compute resources for your containers to scale out or scale them in when they are not utilized.</a:t>
             </a:r>
             <a:endParaRPr sz="1800" dirty="0"/>
           </a:p>
@@ -41372,7 +41623,7 @@
             </a:pPr>
             <a:r>
               <a:rPr lang="en" sz="1800" b="1" dirty="0"/>
-              <a:t>Large workloads, optimized for low overhead</a:t>
+              <a:t>Workloads requiring low overhead</a:t>
             </a:r>
             <a:r>
               <a:rPr lang="en" sz="1800" dirty="0"/>
@@ -41616,11 +41867,27 @@
             </a:r>
             <a:r>
               <a:rPr lang="en-US" sz="1800" dirty="0"/>
-              <a:t>Unlike ECS or EKS, you only pay for the computing time and memory that you actually use but the average per-hour cost for running Fargate is more than the per-hour cost of running ECS or EKS</a:t>
+              <a:t>Unlike ECS or EKS, you only pay for the computing time and memory that you actually use </a:t>
+            </a:r>
+            <a:r>
+              <a:rPr lang="en-US" sz="1800" u="sng" dirty="0"/>
+              <a:t>but</a:t>
+            </a:r>
+            <a:r>
+              <a:rPr lang="en-US" sz="1800" dirty="0"/>
+              <a:t> the average per-hour cost for running Fargate is more than the per-hour cost of running ECS or EKS</a:t>
             </a:r>
             <a:r>
               <a:rPr lang="en" sz="1800" dirty="0"/>
-              <a:t>.</a:t>
+              <a:t>. </a:t>
+            </a:r>
+            <a:r>
+              <a:rPr lang="en" sz="1800" b="1" dirty="0"/>
+              <a:t>This could be detrimental </a:t>
+            </a:r>
+            <a:r>
+              <a:rPr lang="en" sz="1800" dirty="0"/>
+              <a:t>if you require always-on containers.</a:t>
             </a:r>
             <a:endParaRPr sz="1800" dirty="0"/>
           </a:p>
@@ -41790,8 +42057,8 @@
         </p:nvSpPr>
         <p:spPr>
           <a:xfrm>
-            <a:off x="311700" y="867135"/>
-            <a:ext cx="8520600" cy="2001055"/>
+            <a:off x="311700" y="595223"/>
+            <a:ext cx="8520600" cy="2272967"/>
           </a:xfrm>
           <a:prstGeom prst="rect">
             <a:avLst/>
@@ -41821,8 +42088,20 @@
               <a:t>ECS EC2 </a:t>
             </a:r>
             <a:r>
+              <a:rPr lang="en" sz="1600" b="1" dirty="0"/>
+              <a:t>launch-type billing is based on the cost of the underlying EC2 instances</a:t>
+            </a:r>
+            <a:r>
               <a:rPr lang="en" sz="1600" dirty="0"/>
-              <a:t>launch type billing is based on the cost of the underlying EC2 instances. This allows you to optimize price by taking advantage of billing models such as spot instances (bid a low price for an instance), or reserved instances (get a flat discount for committing to an instance for a certain time period). However, it is your responsibility to make sure that your containers are densely packed onto instances to get the best use out of them, otherwise you will be wasting money.</a:t>
+              <a:t>. This allows you to optimize price by taking advantage of billing models such as spot instances (bid a low price for an instance), or reserved instances (get a flat discount for committing to an instance for a certain time period). However, </a:t>
+            </a:r>
+            <a:r>
+              <a:rPr lang="en" sz="1600" b="1" dirty="0"/>
+              <a:t>it is your responsibility to make sure that your containers are densely packed </a:t>
+            </a:r>
+            <a:r>
+              <a:rPr lang="en" sz="1600" dirty="0"/>
+              <a:t>onto instances to get the best use out of them, otherwise you will be wasting money.</a:t>
             </a:r>
             <a:endParaRPr sz="1600" dirty="0"/>
           </a:p>
@@ -41841,12 +42120,16 @@
               <a:t>With the </a:t>
             </a:r>
             <a:r>
-              <a:rPr lang="en" sz="1600" i="1" dirty="0"/>
+              <a:rPr lang="en" sz="1600" b="1" i="1" dirty="0"/>
               <a:t>ECS Fargate</a:t>
             </a:r>
             <a:r>
+              <a:rPr lang="en" sz="1600" b="1" dirty="0"/>
+              <a:t> launch type billing is based on how many CPU cores, and gigabytes of memory your task requires, per second</a:t>
+            </a:r>
+            <a:r>
               <a:rPr lang="en" sz="1600" dirty="0"/>
-              <a:t> launch type billing is based on how many CPU cores, and gigabytes of memory your task requires, per second. You only ever pay for what your task uses, no more paying for EC2 capacity that goes unused. As of now, you can choose up to 48 combinations as seen below:</a:t>
+              <a:t>. You only ever pay for what your task uses, no more paying for EC2 capacity that goes unused. As of now, you can choose up to 48 combinations as seen below:</a:t>
             </a:r>
             <a:endParaRPr sz="1600" dirty="0"/>
           </a:p>

--- a/presentation/Fargate Patterns.pptx
+++ b/presentation/Fargate Patterns.pptx
@@ -36255,7 +36255,7 @@
           </a:bodyPr>
           <a:lstStyle/>
           <a:p>
-            <a:pPr marL="0" lvl="0" indent="0" algn="ctr" rtl="0">
+            <a:pPr marL="0" lvl="0" indent="0" rtl="0">
               <a:spcBef>
                 <a:spcPts val="0"/>
               </a:spcBef>
@@ -36287,7 +36287,7 @@
             </a:endParaRPr>
           </a:p>
           <a:p>
-            <a:pPr marL="0" lvl="0" indent="0" algn="ctr" rtl="0">
+            <a:pPr marL="0" lvl="0" indent="0" rtl="0">
               <a:spcBef>
                 <a:spcPts val="0"/>
               </a:spcBef>
@@ -36329,7 +36329,7 @@
         <p:spPr>
           <a:xfrm>
             <a:off x="2192108" y="2987850"/>
-            <a:ext cx="4759800" cy="1132200"/>
+            <a:ext cx="4759800" cy="772226"/>
           </a:xfrm>
           <a:prstGeom prst="rect">
             <a:avLst/>
@@ -36391,6 +36391,77 @@
                 <a:srgbClr val="990000"/>
               </a:solidFill>
             </a:endParaRPr>
+          </a:p>
+        </p:txBody>
+      </p:sp>
+      <p:sp>
+        <p:nvSpPr>
+          <p:cNvPr id="2" name="TextBox 1">
+            <a:extLst>
+              <a:ext uri="{FF2B5EF4-FFF2-40B4-BE49-F238E27FC236}">
+                <a16:creationId xmlns:a16="http://schemas.microsoft.com/office/drawing/2014/main" id="{1D0D304D-39B8-DC4A-9E97-C0F574687465}"/>
+              </a:ext>
+            </a:extLst>
+          </p:cNvPr>
+          <p:cNvSpPr txBox="1"/>
+          <p:nvPr/>
+        </p:nvSpPr>
+        <p:spPr>
+          <a:xfrm>
+            <a:off x="2192585" y="4103151"/>
+            <a:ext cx="4570482" cy="738664"/>
+          </a:xfrm>
+          <a:prstGeom prst="rect">
+            <a:avLst/>
+          </a:prstGeom>
+          <a:noFill/>
+        </p:spPr>
+        <p:txBody>
+          <a:bodyPr wrap="none" rtlCol="0">
+            <a:spAutoFit/>
+          </a:bodyPr>
+          <a:lstStyle/>
+          <a:p>
+            <a:pPr algn="ctr"/>
+            <a:r>
+              <a:rPr lang="en-US" dirty="0"/>
+              <a:t>Presentation can be found at: </a:t>
+            </a:r>
+            <a:r>
+              <a:rPr lang="en-US" dirty="0">
+                <a:hlinkClick r:id="rId4"/>
+              </a:rPr>
+              <a:t>http://bit.ly/fppresentation</a:t>
+            </a:r>
+            <a:endParaRPr lang="en-US" dirty="0"/>
+          </a:p>
+          <a:p>
+            <a:pPr algn="ctr"/>
+            <a:r>
+              <a:rPr lang="en-US" dirty="0"/>
+              <a:t>Write-up: </a:t>
+            </a:r>
+            <a:r>
+              <a:rPr lang="en-US" dirty="0">
+                <a:hlinkClick r:id="rId5"/>
+              </a:rPr>
+              <a:t>http://bit.ly/fargate-patterns-blog</a:t>
+            </a:r>
+            <a:endParaRPr lang="en-US" dirty="0"/>
+          </a:p>
+          <a:p>
+            <a:pPr algn="ctr"/>
+            <a:r>
+              <a:rPr lang="en-US" dirty="0"/>
+              <a:t>Git: </a:t>
+            </a:r>
+            <a:r>
+              <a:rPr lang="en-US" dirty="0">
+                <a:hlinkClick r:id="rId6"/>
+              </a:rPr>
+              <a:t>http://bit.ly/fargatepatterns</a:t>
+            </a:r>
+            <a:endParaRPr lang="en-US" dirty="0"/>
           </a:p>
         </p:txBody>
       </p:sp>

--- a/presentation/Fargate Patterns.pptx
+++ b/presentation/Fargate Patterns.pptx
@@ -36328,8 +36328,8 @@
         </p:nvSpPr>
         <p:spPr>
           <a:xfrm>
-            <a:off x="2192108" y="2987850"/>
-            <a:ext cx="4759800" cy="772226"/>
+            <a:off x="2020393" y="2987850"/>
+            <a:ext cx="5103214" cy="772226"/>
           </a:xfrm>
           <a:prstGeom prst="rect">
             <a:avLst/>
@@ -36355,14 +36355,14 @@
               <a:buNone/>
             </a:pPr>
             <a:r>
-              <a:rPr lang="en" b="1">
+              <a:rPr lang="en" b="1" dirty="0">
                 <a:solidFill>
                   <a:srgbClr val="990000"/>
                 </a:solidFill>
               </a:rPr>
               <a:t>Srini Karlekar</a:t>
             </a:r>
-            <a:endParaRPr b="1">
+            <a:endParaRPr b="1" dirty="0">
               <a:solidFill>
                 <a:srgbClr val="990000"/>
               </a:solidFill>
@@ -36379,14 +36379,14 @@
               <a:buNone/>
             </a:pPr>
             <a:r>
-              <a:rPr lang="en">
+              <a:rPr lang="en" dirty="0">
                 <a:solidFill>
                   <a:srgbClr val="990000"/>
                 </a:solidFill>
               </a:rPr>
-              <a:t>Distinguished Engineer, Finance Tech, Capital One</a:t>
+              <a:t>Director &amp; Distinguished Engineer, Finance Tech, Capital One</a:t>
             </a:r>
-            <a:endParaRPr>
+            <a:endParaRPr dirty="0">
               <a:solidFill>
                 <a:srgbClr val="990000"/>
               </a:solidFill>
